--- a/lectures/2023_GNET749_Lecture6_Batch_ExpDesign.pptx
+++ b/lectures/2023_GNET749_Lecture6_Batch_ExpDesign.pptx
@@ -139,6 +139,11 @@
       </a:defRPr>
     </a:lvl9pPr>
   </p:defaultTextStyle>
+  <p:extLst>
+    <p:ext uri="{EFAFB233-063F-42B5-8137-9DF3F51BA10A}">
+      <p15:sldGuideLst xmlns:p15="http://schemas.microsoft.com/office/powerpoint/2012/main"/>
+    </p:ext>
+  </p:extLst>
 </p:presentation>
 </file>
 
@@ -224,7 +229,7 @@
           <a:p>
             <a:fld id="{309F211E-3DBA-0640-B040-3AD1C86EE78A}" type="datetimeFigureOut">
               <a:rPr lang="en-US" smtClean="0"/>
-              <a:t>4/21/23</a:t>
+              <a:t>4/24/23</a:t>
             </a:fld>
             <a:endParaRPr lang="en-US"/>
           </a:p>
@@ -1624,7 +1629,7 @@
           <a:p>
             <a:fld id="{8468671C-F7EA-CD4D-A148-3B2C462267E1}" type="datetimeFigureOut">
               <a:rPr lang="en-US" smtClean="0"/>
-              <a:t>4/21/23</a:t>
+              <a:t>4/24/23</a:t>
             </a:fld>
             <a:endParaRPr lang="en-US"/>
           </a:p>
@@ -1822,7 +1827,7 @@
           <a:p>
             <a:fld id="{8468671C-F7EA-CD4D-A148-3B2C462267E1}" type="datetimeFigureOut">
               <a:rPr lang="en-US" smtClean="0"/>
-              <a:t>4/21/23</a:t>
+              <a:t>4/24/23</a:t>
             </a:fld>
             <a:endParaRPr lang="en-US"/>
           </a:p>
@@ -2030,7 +2035,7 @@
           <a:p>
             <a:fld id="{8468671C-F7EA-CD4D-A148-3B2C462267E1}" type="datetimeFigureOut">
               <a:rPr lang="en-US" smtClean="0"/>
-              <a:t>4/21/23</a:t>
+              <a:t>4/24/23</a:t>
             </a:fld>
             <a:endParaRPr lang="en-US"/>
           </a:p>
@@ -2228,7 +2233,7 @@
           <a:p>
             <a:fld id="{8468671C-F7EA-CD4D-A148-3B2C462267E1}" type="datetimeFigureOut">
               <a:rPr lang="en-US" smtClean="0"/>
-              <a:t>4/21/23</a:t>
+              <a:t>4/24/23</a:t>
             </a:fld>
             <a:endParaRPr lang="en-US"/>
           </a:p>
@@ -2503,7 +2508,7 @@
           <a:p>
             <a:fld id="{8468671C-F7EA-CD4D-A148-3B2C462267E1}" type="datetimeFigureOut">
               <a:rPr lang="en-US" smtClean="0"/>
-              <a:t>4/21/23</a:t>
+              <a:t>4/24/23</a:t>
             </a:fld>
             <a:endParaRPr lang="en-US"/>
           </a:p>
@@ -2768,7 +2773,7 @@
           <a:p>
             <a:fld id="{8468671C-F7EA-CD4D-A148-3B2C462267E1}" type="datetimeFigureOut">
               <a:rPr lang="en-US" smtClean="0"/>
-              <a:t>4/21/23</a:t>
+              <a:t>4/24/23</a:t>
             </a:fld>
             <a:endParaRPr lang="en-US"/>
           </a:p>
@@ -3180,7 +3185,7 @@
           <a:p>
             <a:fld id="{8468671C-F7EA-CD4D-A148-3B2C462267E1}" type="datetimeFigureOut">
               <a:rPr lang="en-US" smtClean="0"/>
-              <a:t>4/21/23</a:t>
+              <a:t>4/24/23</a:t>
             </a:fld>
             <a:endParaRPr lang="en-US"/>
           </a:p>
@@ -3321,7 +3326,7 @@
           <a:p>
             <a:fld id="{8468671C-F7EA-CD4D-A148-3B2C462267E1}" type="datetimeFigureOut">
               <a:rPr lang="en-US" smtClean="0"/>
-              <a:t>4/21/23</a:t>
+              <a:t>4/24/23</a:t>
             </a:fld>
             <a:endParaRPr lang="en-US"/>
           </a:p>
@@ -3434,7 +3439,7 @@
           <a:p>
             <a:fld id="{8468671C-F7EA-CD4D-A148-3B2C462267E1}" type="datetimeFigureOut">
               <a:rPr lang="en-US" smtClean="0"/>
-              <a:t>4/21/23</a:t>
+              <a:t>4/24/23</a:t>
             </a:fld>
             <a:endParaRPr lang="en-US"/>
           </a:p>
@@ -3745,7 +3750,7 @@
           <a:p>
             <a:fld id="{8468671C-F7EA-CD4D-A148-3B2C462267E1}" type="datetimeFigureOut">
               <a:rPr lang="en-US" smtClean="0"/>
-              <a:t>4/21/23</a:t>
+              <a:t>4/24/23</a:t>
             </a:fld>
             <a:endParaRPr lang="en-US"/>
           </a:p>
@@ -4033,7 +4038,7 @@
           <a:p>
             <a:fld id="{8468671C-F7EA-CD4D-A148-3B2C462267E1}" type="datetimeFigureOut">
               <a:rPr lang="en-US" smtClean="0"/>
-              <a:t>4/21/23</a:t>
+              <a:t>4/24/23</a:t>
             </a:fld>
             <a:endParaRPr lang="en-US"/>
           </a:p>
@@ -4274,7 +4279,7 @@
           <a:p>
             <a:fld id="{8468671C-F7EA-CD4D-A148-3B2C462267E1}" type="datetimeFigureOut">
               <a:rPr lang="en-US" smtClean="0"/>
-              <a:t>4/21/23</a:t>
+              <a:t>4/24/23</a:t>
             </a:fld>
             <a:endParaRPr lang="en-US"/>
           </a:p>
@@ -4710,7 +4715,7 @@
           </a:ln>
           <a:extLst>
             <a:ext uri="{C572A759-6A51-4108-AA02-DFA0A04FC94B}">
-              <ma14:wrappingTextBoxFlag xmlns:ma14="http://schemas.microsoft.com/office/mac/drawingml/2011/main" xmlns:a14="http://schemas.microsoft.com/office/drawing/2010/main" xmlns:m="http://schemas.openxmlformats.org/officeDocument/2006/math" xmlns="" val="1"/>
+              <ma14:wrappingTextBoxFlag xmlns="" xmlns:m="http://schemas.openxmlformats.org/officeDocument/2006/math" xmlns:a14="http://schemas.microsoft.com/office/drawing/2010/main" xmlns:ma14="http://schemas.microsoft.com/office/mac/drawingml/2011/main" val="1"/>
             </a:ext>
           </a:extLst>
         </p:spPr>
@@ -4725,8 +4730,16 @@
           </a:lstStyle>
           <a:p>
             <a:r>
-              <a:rPr sz="3000"/>
-              <a:t>Lecture 4 - Advanced Experimental Designs and Batch Effects</a:t>
+              <a:rPr sz="3000" dirty="0"/>
+              <a:t>Lecture </a:t>
+            </a:r>
+            <a:r>
+              <a:rPr lang="en-US" sz="3000" dirty="0"/>
+              <a:t>6</a:t>
+            </a:r>
+            <a:r>
+              <a:rPr sz="3000" dirty="0"/>
+              <a:t> - Advanced Experimental Designs and Batch Effects</a:t>
             </a:r>
           </a:p>
         </p:txBody>
@@ -4802,7 +4815,7 @@
           </a:ln>
           <a:extLst>
             <a:ext uri="{C572A759-6A51-4108-AA02-DFA0A04FC94B}">
-              <ma14:wrappingTextBoxFlag xmlns:ma14="http://schemas.microsoft.com/office/mac/drawingml/2011/main" xmlns:a14="http://schemas.microsoft.com/office/drawing/2010/main" xmlns:m="http://schemas.openxmlformats.org/officeDocument/2006/math" xmlns="" val="1"/>
+              <ma14:wrappingTextBoxFlag xmlns="" xmlns:m="http://schemas.openxmlformats.org/officeDocument/2006/math" xmlns:a14="http://schemas.microsoft.com/office/drawing/2010/main" xmlns:ma14="http://schemas.microsoft.com/office/mac/drawingml/2011/main" val="1"/>
             </a:ext>
           </a:extLst>
         </p:spPr>
@@ -4948,7 +4961,7 @@
           </a:ln>
           <a:extLst>
             <a:ext uri="{C572A759-6A51-4108-AA02-DFA0A04FC94B}">
-              <ma14:wrappingTextBoxFlag xmlns:ma14="http://schemas.microsoft.com/office/mac/drawingml/2011/main" xmlns:a14="http://schemas.microsoft.com/office/drawing/2010/main" xmlns:m="http://schemas.openxmlformats.org/officeDocument/2006/math" xmlns="" val="1"/>
+              <ma14:wrappingTextBoxFlag xmlns="" xmlns:m="http://schemas.openxmlformats.org/officeDocument/2006/math" xmlns:a14="http://schemas.microsoft.com/office/drawing/2010/main" xmlns:ma14="http://schemas.microsoft.com/office/mac/drawingml/2011/main" val="1"/>
             </a:ext>
           </a:extLst>
         </p:spPr>
@@ -4984,7 +4997,7 @@
           </a:ln>
           <a:extLst>
             <a:ext uri="{C572A759-6A51-4108-AA02-DFA0A04FC94B}">
-              <ma14:wrappingTextBoxFlag xmlns:ma14="http://schemas.microsoft.com/office/mac/drawingml/2011/main" xmlns:a14="http://schemas.microsoft.com/office/drawing/2010/main" xmlns:m="http://schemas.openxmlformats.org/officeDocument/2006/math" xmlns="" val="1"/>
+              <ma14:wrappingTextBoxFlag xmlns="" xmlns:m="http://schemas.openxmlformats.org/officeDocument/2006/math" xmlns:a14="http://schemas.microsoft.com/office/drawing/2010/main" xmlns:ma14="http://schemas.microsoft.com/office/mac/drawingml/2011/main" val="1"/>
             </a:ext>
           </a:extLst>
         </p:spPr>
@@ -5020,7 +5033,7 @@
           </a:ln>
           <a:extLst>
             <a:ext uri="{C572A759-6A51-4108-AA02-DFA0A04FC94B}">
-              <ma14:wrappingTextBoxFlag xmlns:ma14="http://schemas.microsoft.com/office/mac/drawingml/2011/main" xmlns:a14="http://schemas.microsoft.com/office/drawing/2010/main" xmlns:m="http://schemas.openxmlformats.org/officeDocument/2006/math" xmlns="" val="1"/>
+              <ma14:wrappingTextBoxFlag xmlns="" xmlns:m="http://schemas.openxmlformats.org/officeDocument/2006/math" xmlns:a14="http://schemas.microsoft.com/office/drawing/2010/main" xmlns:ma14="http://schemas.microsoft.com/office/mac/drawingml/2011/main" val="1"/>
             </a:ext>
           </a:extLst>
         </p:spPr>
@@ -5112,7 +5125,7 @@
           </a:ln>
           <a:extLst>
             <a:ext uri="{C572A759-6A51-4108-AA02-DFA0A04FC94B}">
-              <ma14:wrappingTextBoxFlag xmlns:ma14="http://schemas.microsoft.com/office/mac/drawingml/2011/main" xmlns:a14="http://schemas.microsoft.com/office/drawing/2010/main" xmlns:m="http://schemas.openxmlformats.org/officeDocument/2006/math" xmlns="" val="1"/>
+              <ma14:wrappingTextBoxFlag xmlns="" xmlns:m="http://schemas.openxmlformats.org/officeDocument/2006/math" xmlns:a14="http://schemas.microsoft.com/office/drawing/2010/main" xmlns:ma14="http://schemas.microsoft.com/office/mac/drawingml/2011/main" val="1"/>
             </a:ext>
           </a:extLst>
         </p:spPr>
@@ -5152,7 +5165,7 @@
           </a:ln>
           <a:extLst>
             <a:ext uri="{C572A759-6A51-4108-AA02-DFA0A04FC94B}">
-              <ma14:wrappingTextBoxFlag xmlns:ma14="http://schemas.microsoft.com/office/mac/drawingml/2011/main" xmlns:a14="http://schemas.microsoft.com/office/drawing/2010/main" xmlns:m="http://schemas.openxmlformats.org/officeDocument/2006/math" xmlns="" val="1"/>
+              <ma14:wrappingTextBoxFlag xmlns="" xmlns:m="http://schemas.openxmlformats.org/officeDocument/2006/math" xmlns:a14="http://schemas.microsoft.com/office/drawing/2010/main" xmlns:ma14="http://schemas.microsoft.com/office/mac/drawingml/2011/main" val="1"/>
             </a:ext>
           </a:extLst>
         </p:spPr>
@@ -5244,7 +5257,7 @@
           </a:ln>
           <a:extLst>
             <a:ext uri="{C572A759-6A51-4108-AA02-DFA0A04FC94B}">
-              <ma14:wrappingTextBoxFlag xmlns:ma14="http://schemas.microsoft.com/office/mac/drawingml/2011/main" xmlns:a14="http://schemas.microsoft.com/office/drawing/2010/main" xmlns:m="http://schemas.openxmlformats.org/officeDocument/2006/math" xmlns="" val="1"/>
+              <ma14:wrappingTextBoxFlag xmlns="" xmlns:m="http://schemas.openxmlformats.org/officeDocument/2006/math" xmlns:a14="http://schemas.microsoft.com/office/drawing/2010/main" xmlns:ma14="http://schemas.microsoft.com/office/mac/drawingml/2011/main" val="1"/>
             </a:ext>
           </a:extLst>
         </p:spPr>
@@ -5295,7 +5308,7 @@
           </a:ln>
           <a:extLst>
             <a:ext uri="{C572A759-6A51-4108-AA02-DFA0A04FC94B}">
-              <ma14:wrappingTextBoxFlag xmlns:ma14="http://schemas.microsoft.com/office/mac/drawingml/2011/main" xmlns:a14="http://schemas.microsoft.com/office/drawing/2010/main" xmlns:m="http://schemas.openxmlformats.org/officeDocument/2006/math" xmlns="" val="1"/>
+              <ma14:wrappingTextBoxFlag xmlns="" xmlns:m="http://schemas.openxmlformats.org/officeDocument/2006/math" xmlns:a14="http://schemas.microsoft.com/office/drawing/2010/main" xmlns:ma14="http://schemas.microsoft.com/office/mac/drawingml/2011/main" val="1"/>
             </a:ext>
           </a:extLst>
         </p:spPr>
@@ -5335,7 +5348,7 @@
           </a:ln>
           <a:extLst>
             <a:ext uri="{C572A759-6A51-4108-AA02-DFA0A04FC94B}">
-              <ma14:wrappingTextBoxFlag xmlns:ma14="http://schemas.microsoft.com/office/mac/drawingml/2011/main" xmlns:a14="http://schemas.microsoft.com/office/drawing/2010/main" xmlns:m="http://schemas.openxmlformats.org/officeDocument/2006/math" xmlns="" val="1"/>
+              <ma14:wrappingTextBoxFlag xmlns="" xmlns:m="http://schemas.openxmlformats.org/officeDocument/2006/math" xmlns:a14="http://schemas.microsoft.com/office/drawing/2010/main" xmlns:ma14="http://schemas.microsoft.com/office/mac/drawingml/2011/main" val="1"/>
             </a:ext>
           </a:extLst>
         </p:spPr>
@@ -5435,7 +5448,7 @@
           </a:ln>
           <a:extLst>
             <a:ext uri="{C572A759-6A51-4108-AA02-DFA0A04FC94B}">
-              <ma14:wrappingTextBoxFlag xmlns:ma14="http://schemas.microsoft.com/office/mac/drawingml/2011/main" xmlns:a14="http://schemas.microsoft.com/office/drawing/2010/main" xmlns:m="http://schemas.openxmlformats.org/officeDocument/2006/math" xmlns="" val="1"/>
+              <ma14:wrappingTextBoxFlag xmlns="" xmlns:m="http://schemas.openxmlformats.org/officeDocument/2006/math" xmlns:a14="http://schemas.microsoft.com/office/drawing/2010/main" xmlns:ma14="http://schemas.microsoft.com/office/mac/drawingml/2011/main" val="1"/>
             </a:ext>
           </a:extLst>
         </p:spPr>
@@ -5563,7 +5576,7 @@
           </a:ln>
           <a:extLst>
             <a:ext uri="{C572A759-6A51-4108-AA02-DFA0A04FC94B}">
-              <ma14:wrappingTextBoxFlag xmlns:ma14="http://schemas.microsoft.com/office/mac/drawingml/2011/main" xmlns:a14="http://schemas.microsoft.com/office/drawing/2010/main" xmlns:m="http://schemas.openxmlformats.org/officeDocument/2006/math" xmlns="" val="1"/>
+              <ma14:wrappingTextBoxFlag xmlns="" xmlns:m="http://schemas.openxmlformats.org/officeDocument/2006/math" xmlns:a14="http://schemas.microsoft.com/office/drawing/2010/main" xmlns:ma14="http://schemas.microsoft.com/office/mac/drawingml/2011/main" val="1"/>
             </a:ext>
           </a:extLst>
         </p:spPr>
@@ -5709,7 +5722,7 @@
           </a:ln>
           <a:extLst>
             <a:ext uri="{C572A759-6A51-4108-AA02-DFA0A04FC94B}">
-              <ma14:wrappingTextBoxFlag xmlns:ma14="http://schemas.microsoft.com/office/mac/drawingml/2011/main" xmlns:a14="http://schemas.microsoft.com/office/drawing/2010/main" xmlns:m="http://schemas.openxmlformats.org/officeDocument/2006/math" xmlns="" val="1"/>
+              <ma14:wrappingTextBoxFlag xmlns="" xmlns:m="http://schemas.openxmlformats.org/officeDocument/2006/math" xmlns:a14="http://schemas.microsoft.com/office/drawing/2010/main" xmlns:ma14="http://schemas.microsoft.com/office/mac/drawingml/2011/main" val="1"/>
             </a:ext>
           </a:extLst>
         </p:spPr>
@@ -5828,7 +5841,7 @@
           </a:ln>
           <a:extLst>
             <a:ext uri="{C572A759-6A51-4108-AA02-DFA0A04FC94B}">
-              <ma14:wrappingTextBoxFlag xmlns:ma14="http://schemas.microsoft.com/office/mac/drawingml/2011/main" xmlns:a14="http://schemas.microsoft.com/office/drawing/2010/main" xmlns:m="http://schemas.openxmlformats.org/officeDocument/2006/math" xmlns="" val="1"/>
+              <ma14:wrappingTextBoxFlag xmlns="" xmlns:m="http://schemas.openxmlformats.org/officeDocument/2006/math" xmlns:a14="http://schemas.microsoft.com/office/drawing/2010/main" xmlns:ma14="http://schemas.microsoft.com/office/mac/drawingml/2011/main" val="1"/>
             </a:ext>
           </a:extLst>
         </p:spPr>
@@ -5864,7 +5877,7 @@
           </a:ln>
           <a:extLst>
             <a:ext uri="{C572A759-6A51-4108-AA02-DFA0A04FC94B}">
-              <ma14:wrappingTextBoxFlag xmlns:ma14="http://schemas.microsoft.com/office/mac/drawingml/2011/main" xmlns:a14="http://schemas.microsoft.com/office/drawing/2010/main" xmlns:m="http://schemas.openxmlformats.org/officeDocument/2006/math" xmlns="" val="1"/>
+              <ma14:wrappingTextBoxFlag xmlns="" xmlns:m="http://schemas.openxmlformats.org/officeDocument/2006/math" xmlns:a14="http://schemas.microsoft.com/office/drawing/2010/main" xmlns:ma14="http://schemas.microsoft.com/office/mac/drawingml/2011/main" val="1"/>
             </a:ext>
           </a:extLst>
         </p:spPr>
@@ -5900,7 +5913,7 @@
           </a:ln>
           <a:extLst>
             <a:ext uri="{C572A759-6A51-4108-AA02-DFA0A04FC94B}">
-              <ma14:wrappingTextBoxFlag xmlns:ma14="http://schemas.microsoft.com/office/mac/drawingml/2011/main" xmlns:a14="http://schemas.microsoft.com/office/drawing/2010/main" xmlns:m="http://schemas.openxmlformats.org/officeDocument/2006/math" xmlns="" val="1"/>
+              <ma14:wrappingTextBoxFlag xmlns="" xmlns:m="http://schemas.openxmlformats.org/officeDocument/2006/math" xmlns:a14="http://schemas.microsoft.com/office/drawing/2010/main" xmlns:ma14="http://schemas.microsoft.com/office/mac/drawingml/2011/main" val="1"/>
             </a:ext>
           </a:extLst>
         </p:spPr>
@@ -5961,7 +5974,7 @@
           </a:ln>
           <a:extLst>
             <a:ext uri="{C572A759-6A51-4108-AA02-DFA0A04FC94B}">
-              <ma14:wrappingTextBoxFlag xmlns:ma14="http://schemas.microsoft.com/office/mac/drawingml/2011/main" xmlns:a14="http://schemas.microsoft.com/office/drawing/2010/main" xmlns:m="http://schemas.openxmlformats.org/officeDocument/2006/math" xmlns="" val="1"/>
+              <ma14:wrappingTextBoxFlag xmlns="" xmlns:m="http://schemas.openxmlformats.org/officeDocument/2006/math" xmlns:a14="http://schemas.microsoft.com/office/drawing/2010/main" xmlns:ma14="http://schemas.microsoft.com/office/mac/drawingml/2011/main" val="1"/>
             </a:ext>
           </a:extLst>
         </p:spPr>
@@ -6001,7 +6014,7 @@
           </a:ln>
           <a:extLst>
             <a:ext uri="{C572A759-6A51-4108-AA02-DFA0A04FC94B}">
-              <ma14:wrappingTextBoxFlag xmlns:ma14="http://schemas.microsoft.com/office/mac/drawingml/2011/main" xmlns:a14="http://schemas.microsoft.com/office/drawing/2010/main" xmlns:m="http://schemas.openxmlformats.org/officeDocument/2006/math" xmlns="" val="1"/>
+              <ma14:wrappingTextBoxFlag xmlns="" xmlns:m="http://schemas.openxmlformats.org/officeDocument/2006/math" xmlns:a14="http://schemas.microsoft.com/office/drawing/2010/main" xmlns:ma14="http://schemas.microsoft.com/office/mac/drawingml/2011/main" val="1"/>
             </a:ext>
           </a:extLst>
         </p:spPr>
@@ -6066,7 +6079,7 @@
           </a:ln>
           <a:extLst>
             <a:ext uri="{C572A759-6A51-4108-AA02-DFA0A04FC94B}">
-              <ma14:wrappingTextBoxFlag xmlns:ma14="http://schemas.microsoft.com/office/mac/drawingml/2011/main" xmlns:a14="http://schemas.microsoft.com/office/drawing/2010/main" xmlns:m="http://schemas.openxmlformats.org/officeDocument/2006/math" xmlns="" val="1"/>
+              <ma14:wrappingTextBoxFlag xmlns="" xmlns:m="http://schemas.openxmlformats.org/officeDocument/2006/math" xmlns:a14="http://schemas.microsoft.com/office/drawing/2010/main" xmlns:ma14="http://schemas.microsoft.com/office/mac/drawingml/2011/main" val="1"/>
             </a:ext>
           </a:extLst>
         </p:spPr>
@@ -6133,7 +6146,7 @@
           </a:ln>
           <a:extLst>
             <a:ext uri="{C572A759-6A51-4108-AA02-DFA0A04FC94B}">
-              <ma14:wrappingTextBoxFlag xmlns:ma14="http://schemas.microsoft.com/office/mac/drawingml/2011/main" xmlns:a14="http://schemas.microsoft.com/office/drawing/2010/main" xmlns:m="http://schemas.openxmlformats.org/officeDocument/2006/math" xmlns="" val="1"/>
+              <ma14:wrappingTextBoxFlag xmlns="" xmlns:m="http://schemas.openxmlformats.org/officeDocument/2006/math" xmlns:a14="http://schemas.microsoft.com/office/drawing/2010/main" xmlns:ma14="http://schemas.microsoft.com/office/mac/drawingml/2011/main" val="1"/>
             </a:ext>
           </a:extLst>
         </p:spPr>
@@ -6196,7 +6209,7 @@
           </a:ln>
           <a:extLst>
             <a:ext uri="{C572A759-6A51-4108-AA02-DFA0A04FC94B}">
-              <ma14:wrappingTextBoxFlag xmlns:ma14="http://schemas.microsoft.com/office/mac/drawingml/2011/main" xmlns:a14="http://schemas.microsoft.com/office/drawing/2010/main" xmlns:m="http://schemas.openxmlformats.org/officeDocument/2006/math" xmlns="" val="1"/>
+              <ma14:wrappingTextBoxFlag xmlns="" xmlns:m="http://schemas.openxmlformats.org/officeDocument/2006/math" xmlns:a14="http://schemas.microsoft.com/office/drawing/2010/main" xmlns:ma14="http://schemas.microsoft.com/office/mac/drawingml/2011/main" val="1"/>
             </a:ext>
           </a:extLst>
         </p:spPr>
@@ -6302,7 +6315,7 @@
           </a:ln>
           <a:extLst>
             <a:ext uri="{C572A759-6A51-4108-AA02-DFA0A04FC94B}">
-              <ma14:wrappingTextBoxFlag xmlns:ma14="http://schemas.microsoft.com/office/mac/drawingml/2011/main" xmlns:a14="http://schemas.microsoft.com/office/drawing/2010/main" xmlns:m="http://schemas.openxmlformats.org/officeDocument/2006/math" xmlns="" val="1"/>
+              <ma14:wrappingTextBoxFlag xmlns="" xmlns:m="http://schemas.openxmlformats.org/officeDocument/2006/math" xmlns:a14="http://schemas.microsoft.com/office/drawing/2010/main" xmlns:ma14="http://schemas.microsoft.com/office/mac/drawingml/2011/main" val="1"/>
             </a:ext>
           </a:extLst>
         </p:spPr>
@@ -6396,7 +6409,7 @@
           </a:ln>
           <a:extLst>
             <a:ext uri="{C572A759-6A51-4108-AA02-DFA0A04FC94B}">
-              <ma14:wrappingTextBoxFlag xmlns:ma14="http://schemas.microsoft.com/office/mac/drawingml/2011/main" xmlns:a14="http://schemas.microsoft.com/office/drawing/2010/main" xmlns:m="http://schemas.openxmlformats.org/officeDocument/2006/math" xmlns="" val="1"/>
+              <ma14:wrappingTextBoxFlag xmlns="" xmlns:m="http://schemas.openxmlformats.org/officeDocument/2006/math" xmlns:a14="http://schemas.microsoft.com/office/drawing/2010/main" xmlns:ma14="http://schemas.microsoft.com/office/mac/drawingml/2011/main" val="1"/>
             </a:ext>
           </a:extLst>
         </p:spPr>
@@ -6456,7 +6469,7 @@
           </a:ln>
           <a:extLst>
             <a:ext uri="{C572A759-6A51-4108-AA02-DFA0A04FC94B}">
-              <ma14:wrappingTextBoxFlag xmlns:ma14="http://schemas.microsoft.com/office/mac/drawingml/2011/main" xmlns:a14="http://schemas.microsoft.com/office/drawing/2010/main" xmlns:m="http://schemas.openxmlformats.org/officeDocument/2006/math" xmlns="" val="1"/>
+              <ma14:wrappingTextBoxFlag xmlns="" xmlns:m="http://schemas.openxmlformats.org/officeDocument/2006/math" xmlns:a14="http://schemas.microsoft.com/office/drawing/2010/main" xmlns:ma14="http://schemas.microsoft.com/office/mac/drawingml/2011/main" val="1"/>
             </a:ext>
           </a:extLst>
         </p:spPr>
@@ -6519,7 +6532,7 @@
           </a:ln>
           <a:extLst>
             <a:ext uri="{C572A759-6A51-4108-AA02-DFA0A04FC94B}">
-              <ma14:wrappingTextBoxFlag xmlns:ma14="http://schemas.microsoft.com/office/mac/drawingml/2011/main" xmlns:a14="http://schemas.microsoft.com/office/drawing/2010/main" xmlns:m="http://schemas.openxmlformats.org/officeDocument/2006/math" xmlns="" val="1"/>
+              <ma14:wrappingTextBoxFlag xmlns="" xmlns:m="http://schemas.openxmlformats.org/officeDocument/2006/math" xmlns:a14="http://schemas.microsoft.com/office/drawing/2010/main" xmlns:ma14="http://schemas.microsoft.com/office/mac/drawingml/2011/main" val="1"/>
             </a:ext>
           </a:extLst>
         </p:spPr>
@@ -6634,7 +6647,7 @@
           </a:ln>
           <a:extLst>
             <a:ext uri="{C572A759-6A51-4108-AA02-DFA0A04FC94B}">
-              <ma14:wrappingTextBoxFlag xmlns:ma14="http://schemas.microsoft.com/office/mac/drawingml/2011/main" xmlns:a14="http://schemas.microsoft.com/office/drawing/2010/main" xmlns:m="http://schemas.openxmlformats.org/officeDocument/2006/math" xmlns="" val="1"/>
+              <ma14:wrappingTextBoxFlag xmlns="" xmlns:m="http://schemas.openxmlformats.org/officeDocument/2006/math" xmlns:a14="http://schemas.microsoft.com/office/drawing/2010/main" xmlns:ma14="http://schemas.microsoft.com/office/mac/drawingml/2011/main" val="1"/>
             </a:ext>
           </a:extLst>
         </p:spPr>
@@ -6663,8 +6676,8 @@
         </p:nvSpPr>
         <p:spPr>
           <a:xfrm>
-            <a:off x="4492295" y="947912"/>
-            <a:ext cx="2111155" cy="328295"/>
+            <a:off x="4492295" y="809413"/>
+            <a:ext cx="5134354" cy="605294"/>
           </a:xfrm>
           <a:prstGeom prst="rect">
             <a:avLst/>
@@ -6674,7 +6687,7 @@
           </a:ln>
           <a:extLst>
             <a:ext uri="{C572A759-6A51-4108-AA02-DFA0A04FC94B}">
-              <ma14:wrappingTextBoxFlag xmlns:ma14="http://schemas.microsoft.com/office/mac/drawingml/2011/main" xmlns:a14="http://schemas.microsoft.com/office/drawing/2010/main" xmlns:m="http://schemas.openxmlformats.org/officeDocument/2006/math" xmlns="" val="1"/>
+              <ma14:wrappingTextBoxFlag xmlns="" xmlns:m="http://schemas.openxmlformats.org/officeDocument/2006/math" xmlns:a14="http://schemas.microsoft.com/office/drawing/2010/main" xmlns:ma14="http://schemas.microsoft.com/office/mac/drawingml/2011/main" val="1"/>
             </a:ext>
           </a:extLst>
         </p:spPr>
@@ -6685,16 +6698,20 @@
           <a:lstStyle/>
           <a:p>
             <a:r>
-              <a:rPr sz="900"/>
+              <a:rPr dirty="0"/>
               <a:t>GSE102560 - shRNA KD of SWI/SNF subunits</a:t>
             </a:r>
-          </a:p>
-          <a:p>
-            <a:pPr lvl="1"/>
-            <a:r>
-              <a:rPr sz="900"/>
-              <a:t>-GSE10260_count_matrix.csv.gz </a:t>
-            </a:r>
+            <a:r>
+              <a:rPr lang="en-US" dirty="0"/>
+              <a:t> in human</a:t>
+            </a:r>
+          </a:p>
+          <a:p>
+            <a:r>
+              <a:rPr lang="en-US" dirty="0"/>
+              <a:t>data/GSE102560.Rda</a:t>
+            </a:r>
+            <a:endParaRPr dirty="0"/>
           </a:p>
         </p:txBody>
       </p:sp>
@@ -6706,8 +6723,8 @@
         </p:nvSpPr>
         <p:spPr>
           <a:xfrm>
-            <a:off x="4518570" y="1381800"/>
-            <a:ext cx="1599797" cy="189796"/>
+            <a:off x="4515536" y="1500640"/>
+            <a:ext cx="3089692" cy="297517"/>
           </a:xfrm>
           <a:prstGeom prst="rect">
             <a:avLst/>
@@ -6717,7 +6734,7 @@
           </a:ln>
           <a:extLst>
             <a:ext uri="{C572A759-6A51-4108-AA02-DFA0A04FC94B}">
-              <ma14:wrappingTextBoxFlag xmlns:ma14="http://schemas.microsoft.com/office/mac/drawingml/2011/main" xmlns:a14="http://schemas.microsoft.com/office/drawing/2010/main" xmlns:m="http://schemas.openxmlformats.org/officeDocument/2006/math" xmlns="" val="1"/>
+              <ma14:wrappingTextBoxFlag xmlns="" xmlns:m="http://schemas.openxmlformats.org/officeDocument/2006/math" xmlns:a14="http://schemas.microsoft.com/office/drawing/2010/main" xmlns:ma14="http://schemas.microsoft.com/office/mac/drawingml/2011/main" val="1"/>
             </a:ext>
           </a:extLst>
         </p:spPr>
@@ -6728,9 +6745,22 @@
           <a:lstStyle/>
           <a:p>
             <a:r>
-              <a:rPr sz="900"/>
-              <a:t>4 Groups - NS, Brg1, Brm, Double</a:t>
-            </a:r>
+              <a:rPr sz="1600" dirty="0"/>
+              <a:t>4 Groups - NS, Brg1, </a:t>
+            </a:r>
+            <a:r>
+              <a:rPr sz="1600" dirty="0" err="1"/>
+              <a:t>Brm</a:t>
+            </a:r>
+            <a:r>
+              <a:rPr sz="1600" dirty="0"/>
+              <a:t>, Double</a:t>
+            </a:r>
+            <a:r>
+              <a:rPr lang="en-US" sz="1600" dirty="0"/>
+              <a:t> KO</a:t>
+            </a:r>
+            <a:endParaRPr sz="1600" dirty="0"/>
           </a:p>
         </p:txBody>
       </p:sp>
@@ -6742,8 +6772,8 @@
         </p:nvSpPr>
         <p:spPr>
           <a:xfrm>
-            <a:off x="4459757" y="3195603"/>
-            <a:ext cx="2204130" cy="466794"/>
+            <a:off x="4459757" y="2987853"/>
+            <a:ext cx="4357540" cy="882293"/>
           </a:xfrm>
           <a:prstGeom prst="rect">
             <a:avLst/>
@@ -6753,7 +6783,7 @@
           </a:ln>
           <a:extLst>
             <a:ext uri="{C572A759-6A51-4108-AA02-DFA0A04FC94B}">
-              <ma14:wrappingTextBoxFlag xmlns:ma14="http://schemas.microsoft.com/office/mac/drawingml/2011/main" xmlns:a14="http://schemas.microsoft.com/office/drawing/2010/main" xmlns:m="http://schemas.openxmlformats.org/officeDocument/2006/math" xmlns="" val="1"/>
+              <ma14:wrappingTextBoxFlag xmlns="" xmlns:m="http://schemas.openxmlformats.org/officeDocument/2006/math" xmlns:a14="http://schemas.microsoft.com/office/drawing/2010/main" xmlns:ma14="http://schemas.microsoft.com/office/mac/drawingml/2011/main" val="1"/>
             </a:ext>
           </a:extLst>
         </p:spPr>
@@ -6764,19 +6794,23 @@
           <a:lstStyle/>
           <a:p>
             <a:r>
-              <a:rPr sz="900"/>
+              <a:rPr lang="en-US" dirty="0"/>
+              <a:t>data/</a:t>
+            </a:r>
+            <a:r>
+              <a:rPr dirty="0"/>
               <a:t>arid2_es.Rda</a:t>
             </a:r>
           </a:p>
           <a:p>
             <a:r>
-              <a:rPr sz="900"/>
+              <a:rPr dirty="0"/>
               <a:t>mouse - ARID2 KO vs WT ES cells </a:t>
             </a:r>
           </a:p>
           <a:p>
             <a:r>
-              <a:rPr sz="900"/>
+              <a:rPr dirty="0"/>
               <a:t>4 treatment conditions (ES, EB, FGF24, FGF48)</a:t>
             </a:r>
           </a:p>
@@ -6784,43 +6818,59 @@
       </p:sp>
       <p:sp>
         <p:nvSpPr>
-          <p:cNvPr id="655" name="load(arid2_es.Rda)…"/>
+          <p:cNvPr id="2" name="TextBox 1">
+            <a:extLst>
+              <a:ext uri="{FF2B5EF4-FFF2-40B4-BE49-F238E27FC236}">
+                <a16:creationId xmlns:a16="http://schemas.microsoft.com/office/drawing/2014/main" id="{66D60E0E-EDA0-EF47-FF43-90F061D04870}"/>
+              </a:ext>
+            </a:extLst>
+          </p:cNvPr>
           <p:cNvSpPr txBox="1"/>
           <p:nvPr/>
         </p:nvSpPr>
         <p:spPr>
           <a:xfrm>
-            <a:off x="4909735" y="4131780"/>
-            <a:ext cx="1410643" cy="328295"/>
-          </a:xfrm>
-          <a:prstGeom prst="rect">
-            <a:avLst/>
-          </a:prstGeom>
-          <a:ln w="12700">
-            <a:miter lim="400000"/>
-          </a:ln>
-          <a:extLst>
-            <a:ext uri="{C572A759-6A51-4108-AA02-DFA0A04FC94B}">
-              <ma14:wrappingTextBoxFlag xmlns:ma14="http://schemas.microsoft.com/office/mac/drawingml/2011/main" xmlns:a14="http://schemas.microsoft.com/office/drawing/2010/main" xmlns:m="http://schemas.openxmlformats.org/officeDocument/2006/math" xmlns="" val="1"/>
-            </a:ext>
-          </a:extLst>
-        </p:spPr>
-        <p:txBody>
-          <a:bodyPr wrap="none" lIns="25400" tIns="25400" rIns="25400" bIns="25400" anchor="ctr">
+            <a:off x="4515536" y="4337222"/>
+            <a:ext cx="4702605" cy="923330"/>
+          </a:xfrm>
+          <a:prstGeom prst="rect">
+            <a:avLst/>
+          </a:prstGeom>
+          <a:noFill/>
+        </p:spPr>
+        <p:txBody>
+          <a:bodyPr wrap="square" rtlCol="0">
             <a:spAutoFit/>
           </a:bodyPr>
           <a:lstStyle/>
           <a:p>
             <a:r>
-              <a:rPr sz="900"/>
-              <a:t>load(arid2_es.Rda)</a:t>
-            </a:r>
-          </a:p>
-          <a:p>
-            <a:r>
-              <a:rPr sz="900"/>
-              <a:t>dds is a then a DESeqDataSet</a:t>
-            </a:r>
+              <a:rPr lang="en-US" dirty="0"/>
+              <a:t>data/Gracz_2020.Rda</a:t>
+            </a:r>
+          </a:p>
+          <a:p>
+            <a:r>
+              <a:rPr lang="en-US" dirty="0"/>
+              <a:t>Mouse </a:t>
+            </a:r>
+            <a:r>
+              <a:rPr lang="en-US" dirty="0" err="1"/>
+              <a:t>facs</a:t>
+            </a:r>
+            <a:r>
+              <a:rPr lang="en-US" dirty="0"/>
+              <a:t> purified cell populations (High, Low, </a:t>
+            </a:r>
+            <a:r>
+              <a:rPr lang="en-US" dirty="0" err="1"/>
+              <a:t>Sublow</a:t>
+            </a:r>
+            <a:r>
+              <a:rPr lang="en-US"/>
+              <a:t>, Negative)</a:t>
+            </a:r>
+            <a:endParaRPr lang="en-US" dirty="0"/>
           </a:p>
         </p:txBody>
       </p:sp>
@@ -6895,7 +6945,7 @@
           </a:ln>
           <a:extLst>
             <a:ext uri="{C572A759-6A51-4108-AA02-DFA0A04FC94B}">
-              <ma14:wrappingTextBoxFlag xmlns:ma14="http://schemas.microsoft.com/office/mac/drawingml/2011/main" xmlns:a14="http://schemas.microsoft.com/office/drawing/2010/main" xmlns:m="http://schemas.openxmlformats.org/officeDocument/2006/math" xmlns="" val="1"/>
+              <ma14:wrappingTextBoxFlag xmlns="" xmlns:m="http://schemas.openxmlformats.org/officeDocument/2006/math" xmlns:a14="http://schemas.microsoft.com/office/drawing/2010/main" xmlns:ma14="http://schemas.microsoft.com/office/mac/drawingml/2011/main" val="1"/>
             </a:ext>
           </a:extLst>
         </p:spPr>
@@ -6931,7 +6981,7 @@
           </a:ln>
           <a:extLst>
             <a:ext uri="{C572A759-6A51-4108-AA02-DFA0A04FC94B}">
-              <ma14:wrappingTextBoxFlag xmlns:ma14="http://schemas.microsoft.com/office/mac/drawingml/2011/main" xmlns:a14="http://schemas.microsoft.com/office/drawing/2010/main" xmlns:m="http://schemas.openxmlformats.org/officeDocument/2006/math" xmlns="" val="1"/>
+              <ma14:wrappingTextBoxFlag xmlns="" xmlns:m="http://schemas.openxmlformats.org/officeDocument/2006/math" xmlns:a14="http://schemas.microsoft.com/office/drawing/2010/main" xmlns:ma14="http://schemas.microsoft.com/office/mac/drawingml/2011/main" val="1"/>
             </a:ext>
           </a:extLst>
         </p:spPr>
@@ -6967,7 +7017,7 @@
           </a:ln>
           <a:extLst>
             <a:ext uri="{C572A759-6A51-4108-AA02-DFA0A04FC94B}">
-              <ma14:wrappingTextBoxFlag xmlns:ma14="http://schemas.microsoft.com/office/mac/drawingml/2011/main" xmlns:a14="http://schemas.microsoft.com/office/drawing/2010/main" xmlns:m="http://schemas.openxmlformats.org/officeDocument/2006/math" xmlns="" val="1"/>
+              <ma14:wrappingTextBoxFlag xmlns="" xmlns:m="http://schemas.openxmlformats.org/officeDocument/2006/math" xmlns:a14="http://schemas.microsoft.com/office/drawing/2010/main" xmlns:ma14="http://schemas.microsoft.com/office/mac/drawingml/2011/main" val="1"/>
             </a:ext>
           </a:extLst>
         </p:spPr>
@@ -7057,7 +7107,7 @@
           </a:ln>
           <a:extLst>
             <a:ext uri="{C572A759-6A51-4108-AA02-DFA0A04FC94B}">
-              <ma14:wrappingTextBoxFlag xmlns:ma14="http://schemas.microsoft.com/office/mac/drawingml/2011/main" xmlns:a14="http://schemas.microsoft.com/office/drawing/2010/main" xmlns:m="http://schemas.openxmlformats.org/officeDocument/2006/math" xmlns="" val="1"/>
+              <ma14:wrappingTextBoxFlag xmlns="" xmlns:m="http://schemas.openxmlformats.org/officeDocument/2006/math" xmlns:a14="http://schemas.microsoft.com/office/drawing/2010/main" xmlns:ma14="http://schemas.microsoft.com/office/mac/drawingml/2011/main" val="1"/>
             </a:ext>
           </a:extLst>
         </p:spPr>
@@ -7118,7 +7168,7 @@
           </a:ln>
           <a:extLst>
             <a:ext uri="{C572A759-6A51-4108-AA02-DFA0A04FC94B}">
-              <ma14:wrappingTextBoxFlag xmlns:ma14="http://schemas.microsoft.com/office/mac/drawingml/2011/main" xmlns:a14="http://schemas.microsoft.com/office/drawing/2010/main" xmlns:m="http://schemas.openxmlformats.org/officeDocument/2006/math" xmlns="" val="1"/>
+              <ma14:wrappingTextBoxFlag xmlns="" xmlns:m="http://schemas.openxmlformats.org/officeDocument/2006/math" xmlns:a14="http://schemas.microsoft.com/office/drawing/2010/main" xmlns:ma14="http://schemas.microsoft.com/office/mac/drawingml/2011/main" val="1"/>
             </a:ext>
           </a:extLst>
         </p:spPr>
@@ -7154,7 +7204,7 @@
           </a:ln>
           <a:extLst>
             <a:ext uri="{C572A759-6A51-4108-AA02-DFA0A04FC94B}">
-              <ma14:wrappingTextBoxFlag xmlns:ma14="http://schemas.microsoft.com/office/mac/drawingml/2011/main" xmlns:a14="http://schemas.microsoft.com/office/drawing/2010/main" xmlns:m="http://schemas.openxmlformats.org/officeDocument/2006/math" xmlns="" val="1"/>
+              <ma14:wrappingTextBoxFlag xmlns="" xmlns:m="http://schemas.openxmlformats.org/officeDocument/2006/math" xmlns:a14="http://schemas.microsoft.com/office/drawing/2010/main" xmlns:ma14="http://schemas.microsoft.com/office/mac/drawingml/2011/main" val="1"/>
             </a:ext>
           </a:extLst>
         </p:spPr>
@@ -7190,7 +7240,7 @@
           </a:ln>
           <a:extLst>
             <a:ext uri="{C572A759-6A51-4108-AA02-DFA0A04FC94B}">
-              <ma14:wrappingTextBoxFlag xmlns:ma14="http://schemas.microsoft.com/office/mac/drawingml/2011/main" xmlns:a14="http://schemas.microsoft.com/office/drawing/2010/main" xmlns:m="http://schemas.openxmlformats.org/officeDocument/2006/math" xmlns="" val="1"/>
+              <ma14:wrappingTextBoxFlag xmlns="" xmlns:m="http://schemas.openxmlformats.org/officeDocument/2006/math" xmlns:a14="http://schemas.microsoft.com/office/drawing/2010/main" xmlns:ma14="http://schemas.microsoft.com/office/mac/drawingml/2011/main" val="1"/>
             </a:ext>
           </a:extLst>
         </p:spPr>
@@ -7226,7 +7276,7 @@
           </a:ln>
           <a:extLst>
             <a:ext uri="{C572A759-6A51-4108-AA02-DFA0A04FC94B}">
-              <ma14:wrappingTextBoxFlag xmlns:ma14="http://schemas.microsoft.com/office/mac/drawingml/2011/main" xmlns:a14="http://schemas.microsoft.com/office/drawing/2010/main" xmlns:m="http://schemas.openxmlformats.org/officeDocument/2006/math" xmlns="" val="1"/>
+              <ma14:wrappingTextBoxFlag xmlns="" xmlns:m="http://schemas.openxmlformats.org/officeDocument/2006/math" xmlns:a14="http://schemas.microsoft.com/office/drawing/2010/main" xmlns:ma14="http://schemas.microsoft.com/office/mac/drawingml/2011/main" val="1"/>
             </a:ext>
           </a:extLst>
         </p:spPr>
@@ -7395,7 +7445,7 @@
           </a:ln>
           <a:extLst>
             <a:ext uri="{C572A759-6A51-4108-AA02-DFA0A04FC94B}">
-              <ma14:wrappingTextBoxFlag xmlns:ma14="http://schemas.microsoft.com/office/mac/drawingml/2011/main" xmlns:a14="http://schemas.microsoft.com/office/drawing/2010/main" xmlns:m="http://schemas.openxmlformats.org/officeDocument/2006/math" xmlns="" val="1"/>
+              <ma14:wrappingTextBoxFlag xmlns="" xmlns:m="http://schemas.openxmlformats.org/officeDocument/2006/math" xmlns:a14="http://schemas.microsoft.com/office/drawing/2010/main" xmlns:ma14="http://schemas.microsoft.com/office/mac/drawingml/2011/main" val="1"/>
             </a:ext>
           </a:extLst>
         </p:spPr>
@@ -7458,7 +7508,7 @@
           </a:ln>
           <a:extLst>
             <a:ext uri="{C572A759-6A51-4108-AA02-DFA0A04FC94B}">
-              <ma14:wrappingTextBoxFlag xmlns:ma14="http://schemas.microsoft.com/office/mac/drawingml/2011/main" xmlns:a14="http://schemas.microsoft.com/office/drawing/2010/main" xmlns:m="http://schemas.openxmlformats.org/officeDocument/2006/math" xmlns="" val="1"/>
+              <ma14:wrappingTextBoxFlag xmlns="" xmlns:m="http://schemas.openxmlformats.org/officeDocument/2006/math" xmlns:a14="http://schemas.microsoft.com/office/drawing/2010/main" xmlns:ma14="http://schemas.microsoft.com/office/mac/drawingml/2011/main" val="1"/>
             </a:ext>
           </a:extLst>
         </p:spPr>
@@ -7498,7 +7548,7 @@
           </a:ln>
           <a:extLst>
             <a:ext uri="{C572A759-6A51-4108-AA02-DFA0A04FC94B}">
-              <ma14:wrappingTextBoxFlag xmlns:ma14="http://schemas.microsoft.com/office/mac/drawingml/2011/main" xmlns:a14="http://schemas.microsoft.com/office/drawing/2010/main" xmlns:m="http://schemas.openxmlformats.org/officeDocument/2006/math" xmlns="" val="1"/>
+              <ma14:wrappingTextBoxFlag xmlns="" xmlns:m="http://schemas.openxmlformats.org/officeDocument/2006/math" xmlns:a14="http://schemas.microsoft.com/office/drawing/2010/main" xmlns:ma14="http://schemas.microsoft.com/office/mac/drawingml/2011/main" val="1"/>
             </a:ext>
           </a:extLst>
         </p:spPr>
@@ -7559,7 +7609,7 @@
           </a:ln>
           <a:extLst>
             <a:ext uri="{C572A759-6A51-4108-AA02-DFA0A04FC94B}">
-              <ma14:wrappingTextBoxFlag xmlns:ma14="http://schemas.microsoft.com/office/mac/drawingml/2011/main" xmlns:a14="http://schemas.microsoft.com/office/drawing/2010/main" xmlns:m="http://schemas.openxmlformats.org/officeDocument/2006/math" xmlns="" val="1"/>
+              <ma14:wrappingTextBoxFlag xmlns="" xmlns:m="http://schemas.openxmlformats.org/officeDocument/2006/math" xmlns:a14="http://schemas.microsoft.com/office/drawing/2010/main" xmlns:ma14="http://schemas.microsoft.com/office/mac/drawingml/2011/main" val="1"/>
             </a:ext>
           </a:extLst>
         </p:spPr>
@@ -7624,7 +7674,7 @@
           </a:ln>
           <a:extLst>
             <a:ext uri="{C572A759-6A51-4108-AA02-DFA0A04FC94B}">
-              <ma14:wrappingTextBoxFlag xmlns:ma14="http://schemas.microsoft.com/office/mac/drawingml/2011/main" xmlns:a14="http://schemas.microsoft.com/office/drawing/2010/main" xmlns:m="http://schemas.openxmlformats.org/officeDocument/2006/math" xmlns="" val="1"/>
+              <ma14:wrappingTextBoxFlag xmlns="" xmlns:m="http://schemas.openxmlformats.org/officeDocument/2006/math" xmlns:a14="http://schemas.microsoft.com/office/drawing/2010/main" xmlns:ma14="http://schemas.microsoft.com/office/mac/drawingml/2011/main" val="1"/>
             </a:ext>
           </a:extLst>
         </p:spPr>
@@ -7805,7 +7855,7 @@
           </a:ln>
           <a:extLst>
             <a:ext uri="{C572A759-6A51-4108-AA02-DFA0A04FC94B}">
-              <ma14:wrappingTextBoxFlag xmlns:ma14="http://schemas.microsoft.com/office/mac/drawingml/2011/main" xmlns:a14="http://schemas.microsoft.com/office/drawing/2010/main" xmlns:m="http://schemas.openxmlformats.org/officeDocument/2006/math" xmlns="" val="1"/>
+              <ma14:wrappingTextBoxFlag xmlns="" xmlns:m="http://schemas.openxmlformats.org/officeDocument/2006/math" xmlns:a14="http://schemas.microsoft.com/office/drawing/2010/main" xmlns:ma14="http://schemas.microsoft.com/office/mac/drawingml/2011/main" val="1"/>
             </a:ext>
           </a:extLst>
         </p:spPr>
@@ -7907,7 +7957,7 @@
           </a:ln>
           <a:extLst>
             <a:ext uri="{C572A759-6A51-4108-AA02-DFA0A04FC94B}">
-              <ma14:wrappingTextBoxFlag xmlns:ma14="http://schemas.microsoft.com/office/mac/drawingml/2011/main" xmlns:a14="http://schemas.microsoft.com/office/drawing/2010/main" xmlns:m="http://schemas.openxmlformats.org/officeDocument/2006/math" xmlns="" val="1"/>
+              <ma14:wrappingTextBoxFlag xmlns="" xmlns:m="http://schemas.openxmlformats.org/officeDocument/2006/math" xmlns:a14="http://schemas.microsoft.com/office/drawing/2010/main" xmlns:ma14="http://schemas.microsoft.com/office/mac/drawingml/2011/main" val="1"/>
             </a:ext>
           </a:extLst>
         </p:spPr>
@@ -7999,7 +8049,7 @@
           </a:ln>
           <a:extLst>
             <a:ext uri="{C572A759-6A51-4108-AA02-DFA0A04FC94B}">
-              <ma14:wrappingTextBoxFlag xmlns:ma14="http://schemas.microsoft.com/office/mac/drawingml/2011/main" xmlns:a14="http://schemas.microsoft.com/office/drawing/2010/main" xmlns:m="http://schemas.openxmlformats.org/officeDocument/2006/math" xmlns="" val="1"/>
+              <ma14:wrappingTextBoxFlag xmlns="" xmlns:m="http://schemas.openxmlformats.org/officeDocument/2006/math" xmlns:a14="http://schemas.microsoft.com/office/drawing/2010/main" xmlns:ma14="http://schemas.microsoft.com/office/mac/drawingml/2011/main" val="1"/>
             </a:ext>
           </a:extLst>
         </p:spPr>
@@ -8145,7 +8195,7 @@
           </a:ln>
           <a:extLst>
             <a:ext uri="{C572A759-6A51-4108-AA02-DFA0A04FC94B}">
-              <ma14:wrappingTextBoxFlag xmlns:ma14="http://schemas.microsoft.com/office/mac/drawingml/2011/main" xmlns:a14="http://schemas.microsoft.com/office/drawing/2010/main" xmlns:m="http://schemas.openxmlformats.org/officeDocument/2006/math" xmlns="" val="1"/>
+              <ma14:wrappingTextBoxFlag xmlns="" xmlns:m="http://schemas.openxmlformats.org/officeDocument/2006/math" xmlns:a14="http://schemas.microsoft.com/office/drawing/2010/main" xmlns:ma14="http://schemas.microsoft.com/office/mac/drawingml/2011/main" val="1"/>
             </a:ext>
           </a:extLst>
         </p:spPr>
@@ -8239,7 +8289,7 @@
           </a:ln>
           <a:extLst>
             <a:ext uri="{C572A759-6A51-4108-AA02-DFA0A04FC94B}">
-              <ma14:wrappingTextBoxFlag xmlns:ma14="http://schemas.microsoft.com/office/mac/drawingml/2011/main" xmlns:a14="http://schemas.microsoft.com/office/drawing/2010/main" xmlns:m="http://schemas.openxmlformats.org/officeDocument/2006/math" xmlns="" val="1"/>
+              <ma14:wrappingTextBoxFlag xmlns="" xmlns:m="http://schemas.openxmlformats.org/officeDocument/2006/math" xmlns:a14="http://schemas.microsoft.com/office/drawing/2010/main" xmlns:ma14="http://schemas.microsoft.com/office/mac/drawingml/2011/main" val="1"/>
             </a:ext>
           </a:extLst>
         </p:spPr>
@@ -8310,7 +8360,7 @@
           </a:ln>
           <a:extLst>
             <a:ext uri="{C572A759-6A51-4108-AA02-DFA0A04FC94B}">
-              <ma14:wrappingTextBoxFlag xmlns:ma14="http://schemas.microsoft.com/office/mac/drawingml/2011/main" xmlns:a14="http://schemas.microsoft.com/office/drawing/2010/main" xmlns:m="http://schemas.openxmlformats.org/officeDocument/2006/math" xmlns="" val="1"/>
+              <ma14:wrappingTextBoxFlag xmlns="" xmlns:m="http://schemas.openxmlformats.org/officeDocument/2006/math" xmlns:a14="http://schemas.microsoft.com/office/drawing/2010/main" xmlns:ma14="http://schemas.microsoft.com/office/mac/drawingml/2011/main" val="1"/>
             </a:ext>
           </a:extLst>
         </p:spPr>
@@ -8350,7 +8400,7 @@
           </a:ln>
           <a:extLst>
             <a:ext uri="{C572A759-6A51-4108-AA02-DFA0A04FC94B}">
-              <ma14:wrappingTextBoxFlag xmlns:ma14="http://schemas.microsoft.com/office/mac/drawingml/2011/main" xmlns:a14="http://schemas.microsoft.com/office/drawing/2010/main" xmlns:m="http://schemas.openxmlformats.org/officeDocument/2006/math" xmlns="" val="1"/>
+              <ma14:wrappingTextBoxFlag xmlns="" xmlns:m="http://schemas.openxmlformats.org/officeDocument/2006/math" xmlns:a14="http://schemas.microsoft.com/office/drawing/2010/main" xmlns:ma14="http://schemas.microsoft.com/office/mac/drawingml/2011/main" val="1"/>
             </a:ext>
           </a:extLst>
         </p:spPr>
@@ -8390,7 +8440,7 @@
           </a:ln>
           <a:extLst>
             <a:ext uri="{C572A759-6A51-4108-AA02-DFA0A04FC94B}">
-              <ma14:wrappingTextBoxFlag xmlns:ma14="http://schemas.microsoft.com/office/mac/drawingml/2011/main" xmlns:a14="http://schemas.microsoft.com/office/drawing/2010/main" xmlns:m="http://schemas.openxmlformats.org/officeDocument/2006/math" xmlns="" val="1"/>
+              <ma14:wrappingTextBoxFlag xmlns="" xmlns:m="http://schemas.openxmlformats.org/officeDocument/2006/math" xmlns:a14="http://schemas.microsoft.com/office/drawing/2010/main" xmlns:ma14="http://schemas.microsoft.com/office/mac/drawingml/2011/main" val="1"/>
             </a:ext>
           </a:extLst>
         </p:spPr>
@@ -8436,7 +8486,7 @@
           </a:ln>
           <a:extLst>
             <a:ext uri="{C572A759-6A51-4108-AA02-DFA0A04FC94B}">
-              <ma14:wrappingTextBoxFlag xmlns:ma14="http://schemas.microsoft.com/office/mac/drawingml/2011/main" xmlns:a14="http://schemas.microsoft.com/office/drawing/2010/main" xmlns:m="http://schemas.openxmlformats.org/officeDocument/2006/math" xmlns="" val="1"/>
+              <ma14:wrappingTextBoxFlag xmlns="" xmlns:m="http://schemas.openxmlformats.org/officeDocument/2006/math" xmlns:a14="http://schemas.microsoft.com/office/drawing/2010/main" xmlns:ma14="http://schemas.microsoft.com/office/mac/drawingml/2011/main" val="1"/>
             </a:ext>
           </a:extLst>
         </p:spPr>
@@ -8521,7 +8571,7 @@
           </a:ln>
           <a:extLst>
             <a:ext uri="{C572A759-6A51-4108-AA02-DFA0A04FC94B}">
-              <ma14:wrappingTextBoxFlag xmlns:ma14="http://schemas.microsoft.com/office/mac/drawingml/2011/main" xmlns:a14="http://schemas.microsoft.com/office/drawing/2010/main" xmlns:m="http://schemas.openxmlformats.org/officeDocument/2006/math" xmlns="" val="1"/>
+              <ma14:wrappingTextBoxFlag xmlns="" xmlns:m="http://schemas.openxmlformats.org/officeDocument/2006/math" xmlns:a14="http://schemas.microsoft.com/office/drawing/2010/main" xmlns:ma14="http://schemas.microsoft.com/office/mac/drawingml/2011/main" val="1"/>
             </a:ext>
           </a:extLst>
         </p:spPr>
@@ -8615,7 +8665,7 @@
           </a:ln>
           <a:extLst>
             <a:ext uri="{C572A759-6A51-4108-AA02-DFA0A04FC94B}">
-              <ma14:wrappingTextBoxFlag xmlns:ma14="http://schemas.microsoft.com/office/mac/drawingml/2011/main" xmlns:a14="http://schemas.microsoft.com/office/drawing/2010/main" xmlns:m="http://schemas.openxmlformats.org/officeDocument/2006/math" xmlns="" val="1"/>
+              <ma14:wrappingTextBoxFlag xmlns="" xmlns:m="http://schemas.openxmlformats.org/officeDocument/2006/math" xmlns:a14="http://schemas.microsoft.com/office/drawing/2010/main" xmlns:ma14="http://schemas.microsoft.com/office/mac/drawingml/2011/main" val="1"/>
             </a:ext>
           </a:extLst>
         </p:spPr>
@@ -8738,7 +8788,7 @@
           </a:ln>
           <a:extLst>
             <a:ext uri="{C572A759-6A51-4108-AA02-DFA0A04FC94B}">
-              <ma14:wrappingTextBoxFlag xmlns:ma14="http://schemas.microsoft.com/office/mac/drawingml/2011/main" xmlns:a14="http://schemas.microsoft.com/office/drawing/2010/main" xmlns:m="http://schemas.openxmlformats.org/officeDocument/2006/math" xmlns="" val="1"/>
+              <ma14:wrappingTextBoxFlag xmlns="" xmlns:m="http://schemas.openxmlformats.org/officeDocument/2006/math" xmlns:a14="http://schemas.microsoft.com/office/drawing/2010/main" xmlns:ma14="http://schemas.microsoft.com/office/mac/drawingml/2011/main" val="1"/>
             </a:ext>
           </a:extLst>
         </p:spPr>
@@ -9124,7 +9174,7 @@
           </a:ln>
           <a:extLst>
             <a:ext uri="{C572A759-6A51-4108-AA02-DFA0A04FC94B}">
-              <ma14:wrappingTextBoxFlag xmlns:ma14="http://schemas.microsoft.com/office/mac/drawingml/2011/main" xmlns:a14="http://schemas.microsoft.com/office/drawing/2010/main" xmlns:m="http://schemas.openxmlformats.org/officeDocument/2006/math" xmlns="" val="1"/>
+              <ma14:wrappingTextBoxFlag xmlns="" xmlns:m="http://schemas.openxmlformats.org/officeDocument/2006/math" xmlns:a14="http://schemas.microsoft.com/office/drawing/2010/main" xmlns:ma14="http://schemas.microsoft.com/office/mac/drawingml/2011/main" val="1"/>
             </a:ext>
           </a:extLst>
         </p:spPr>
@@ -9164,7 +9214,7 @@
           </a:ln>
           <a:extLst>
             <a:ext uri="{C572A759-6A51-4108-AA02-DFA0A04FC94B}">
-              <ma14:wrappingTextBoxFlag xmlns:ma14="http://schemas.microsoft.com/office/mac/drawingml/2011/main" xmlns:a14="http://schemas.microsoft.com/office/drawing/2010/main" xmlns:m="http://schemas.openxmlformats.org/officeDocument/2006/math" xmlns="" val="1"/>
+              <ma14:wrappingTextBoxFlag xmlns="" xmlns:m="http://schemas.openxmlformats.org/officeDocument/2006/math" xmlns:a14="http://schemas.microsoft.com/office/drawing/2010/main" xmlns:ma14="http://schemas.microsoft.com/office/mac/drawingml/2011/main" val="1"/>
             </a:ext>
           </a:extLst>
         </p:spPr>
@@ -9210,7 +9260,7 @@
           </a:ln>
           <a:extLst>
             <a:ext uri="{C572A759-6A51-4108-AA02-DFA0A04FC94B}">
-              <ma14:wrappingTextBoxFlag xmlns:ma14="http://schemas.microsoft.com/office/mac/drawingml/2011/main" xmlns:a14="http://schemas.microsoft.com/office/drawing/2010/main" xmlns:m="http://schemas.openxmlformats.org/officeDocument/2006/math" xmlns="" val="1"/>
+              <ma14:wrappingTextBoxFlag xmlns="" xmlns:m="http://schemas.openxmlformats.org/officeDocument/2006/math" xmlns:a14="http://schemas.microsoft.com/office/drawing/2010/main" xmlns:ma14="http://schemas.microsoft.com/office/mac/drawingml/2011/main" val="1"/>
             </a:ext>
           </a:extLst>
         </p:spPr>
@@ -9246,7 +9296,7 @@
           </a:ln>
           <a:extLst>
             <a:ext uri="{C572A759-6A51-4108-AA02-DFA0A04FC94B}">
-              <ma14:wrappingTextBoxFlag xmlns:ma14="http://schemas.microsoft.com/office/mac/drawingml/2011/main" xmlns:a14="http://schemas.microsoft.com/office/drawing/2010/main" xmlns:m="http://schemas.openxmlformats.org/officeDocument/2006/math" xmlns="" val="1"/>
+              <ma14:wrappingTextBoxFlag xmlns="" xmlns:m="http://schemas.openxmlformats.org/officeDocument/2006/math" xmlns:a14="http://schemas.microsoft.com/office/drawing/2010/main" xmlns:ma14="http://schemas.microsoft.com/office/mac/drawingml/2011/main" val="1"/>
             </a:ext>
           </a:extLst>
         </p:spPr>
@@ -9286,7 +9336,7 @@
           </a:ln>
           <a:extLst>
             <a:ext uri="{C572A759-6A51-4108-AA02-DFA0A04FC94B}">
-              <ma14:wrappingTextBoxFlag xmlns:ma14="http://schemas.microsoft.com/office/mac/drawingml/2011/main" xmlns:a14="http://schemas.microsoft.com/office/drawing/2010/main" xmlns:m="http://schemas.openxmlformats.org/officeDocument/2006/math" xmlns="" val="1"/>
+              <ma14:wrappingTextBoxFlag xmlns="" xmlns:m="http://schemas.openxmlformats.org/officeDocument/2006/math" xmlns:a14="http://schemas.microsoft.com/office/drawing/2010/main" xmlns:ma14="http://schemas.microsoft.com/office/mac/drawingml/2011/main" val="1"/>
             </a:ext>
           </a:extLst>
         </p:spPr>
@@ -9322,7 +9372,7 @@
           </a:ln>
           <a:extLst>
             <a:ext uri="{C572A759-6A51-4108-AA02-DFA0A04FC94B}">
-              <ma14:wrappingTextBoxFlag xmlns:ma14="http://schemas.microsoft.com/office/mac/drawingml/2011/main" xmlns:a14="http://schemas.microsoft.com/office/drawing/2010/main" xmlns:m="http://schemas.openxmlformats.org/officeDocument/2006/math" xmlns="" val="1"/>
+              <ma14:wrappingTextBoxFlag xmlns="" xmlns:m="http://schemas.openxmlformats.org/officeDocument/2006/math" xmlns:a14="http://schemas.microsoft.com/office/drawing/2010/main" xmlns:ma14="http://schemas.microsoft.com/office/mac/drawingml/2011/main" val="1"/>
             </a:ext>
           </a:extLst>
         </p:spPr>
@@ -9358,7 +9408,7 @@
           </a:ln>
           <a:extLst>
             <a:ext uri="{C572A759-6A51-4108-AA02-DFA0A04FC94B}">
-              <ma14:wrappingTextBoxFlag xmlns:ma14="http://schemas.microsoft.com/office/mac/drawingml/2011/main" xmlns:a14="http://schemas.microsoft.com/office/drawing/2010/main" xmlns:m="http://schemas.openxmlformats.org/officeDocument/2006/math" xmlns="" val="1"/>
+              <ma14:wrappingTextBoxFlag xmlns="" xmlns:m="http://schemas.openxmlformats.org/officeDocument/2006/math" xmlns:a14="http://schemas.microsoft.com/office/drawing/2010/main" xmlns:ma14="http://schemas.microsoft.com/office/mac/drawingml/2011/main" val="1"/>
             </a:ext>
           </a:extLst>
         </p:spPr>
@@ -9398,7 +9448,7 @@
           </a:ln>
           <a:extLst>
             <a:ext uri="{C572A759-6A51-4108-AA02-DFA0A04FC94B}">
-              <ma14:wrappingTextBoxFlag xmlns:ma14="http://schemas.microsoft.com/office/mac/drawingml/2011/main" xmlns:a14="http://schemas.microsoft.com/office/drawing/2010/main" xmlns:m="http://schemas.openxmlformats.org/officeDocument/2006/math" xmlns="" val="1"/>
+              <ma14:wrappingTextBoxFlag xmlns="" xmlns:m="http://schemas.openxmlformats.org/officeDocument/2006/math" xmlns:a14="http://schemas.microsoft.com/office/drawing/2010/main" xmlns:ma14="http://schemas.microsoft.com/office/mac/drawingml/2011/main" val="1"/>
             </a:ext>
           </a:extLst>
         </p:spPr>
@@ -9463,7 +9513,7 @@
           </a:ln>
           <a:extLst>
             <a:ext uri="{C572A759-6A51-4108-AA02-DFA0A04FC94B}">
-              <ma14:wrappingTextBoxFlag xmlns:ma14="http://schemas.microsoft.com/office/mac/drawingml/2011/main" xmlns:a14="http://schemas.microsoft.com/office/drawing/2010/main" xmlns:m="http://schemas.openxmlformats.org/officeDocument/2006/math" xmlns="" val="1"/>
+              <ma14:wrappingTextBoxFlag xmlns="" xmlns:m="http://schemas.openxmlformats.org/officeDocument/2006/math" xmlns:a14="http://schemas.microsoft.com/office/drawing/2010/main" xmlns:ma14="http://schemas.microsoft.com/office/mac/drawingml/2011/main" val="1"/>
             </a:ext>
           </a:extLst>
         </p:spPr>
@@ -9503,7 +9553,7 @@
           </a:ln>
           <a:extLst>
             <a:ext uri="{C572A759-6A51-4108-AA02-DFA0A04FC94B}">
-              <ma14:wrappingTextBoxFlag xmlns:ma14="http://schemas.microsoft.com/office/mac/drawingml/2011/main" xmlns:a14="http://schemas.microsoft.com/office/drawing/2010/main" xmlns:m="http://schemas.openxmlformats.org/officeDocument/2006/math" xmlns="" val="1"/>
+              <ma14:wrappingTextBoxFlag xmlns="" xmlns:m="http://schemas.openxmlformats.org/officeDocument/2006/math" xmlns:a14="http://schemas.microsoft.com/office/drawing/2010/main" xmlns:ma14="http://schemas.microsoft.com/office/mac/drawingml/2011/main" val="1"/>
             </a:ext>
           </a:extLst>
         </p:spPr>
@@ -9549,7 +9599,7 @@
           </a:ln>
           <a:extLst>
             <a:ext uri="{C572A759-6A51-4108-AA02-DFA0A04FC94B}">
-              <ma14:wrappingTextBoxFlag xmlns:ma14="http://schemas.microsoft.com/office/mac/drawingml/2011/main" xmlns:a14="http://schemas.microsoft.com/office/drawing/2010/main" xmlns:m="http://schemas.openxmlformats.org/officeDocument/2006/math" xmlns="" val="1"/>
+              <ma14:wrappingTextBoxFlag xmlns="" xmlns:m="http://schemas.openxmlformats.org/officeDocument/2006/math" xmlns:a14="http://schemas.microsoft.com/office/drawing/2010/main" xmlns:ma14="http://schemas.microsoft.com/office/mac/drawingml/2011/main" val="1"/>
             </a:ext>
           </a:extLst>
         </p:spPr>
@@ -9589,7 +9639,7 @@
           </a:ln>
           <a:extLst>
             <a:ext uri="{C572A759-6A51-4108-AA02-DFA0A04FC94B}">
-              <ma14:wrappingTextBoxFlag xmlns:ma14="http://schemas.microsoft.com/office/mac/drawingml/2011/main" xmlns:a14="http://schemas.microsoft.com/office/drawing/2010/main" xmlns:m="http://schemas.openxmlformats.org/officeDocument/2006/math" xmlns="" val="1"/>
+              <ma14:wrappingTextBoxFlag xmlns="" xmlns:m="http://schemas.openxmlformats.org/officeDocument/2006/math" xmlns:a14="http://schemas.microsoft.com/office/drawing/2010/main" xmlns:ma14="http://schemas.microsoft.com/office/mac/drawingml/2011/main" val="1"/>
             </a:ext>
           </a:extLst>
         </p:spPr>
@@ -9625,7 +9675,7 @@
           </a:ln>
           <a:extLst>
             <a:ext uri="{C572A759-6A51-4108-AA02-DFA0A04FC94B}">
-              <ma14:wrappingTextBoxFlag xmlns:ma14="http://schemas.microsoft.com/office/mac/drawingml/2011/main" xmlns:a14="http://schemas.microsoft.com/office/drawing/2010/main" xmlns:m="http://schemas.openxmlformats.org/officeDocument/2006/math" xmlns="" val="1"/>
+              <ma14:wrappingTextBoxFlag xmlns="" xmlns:m="http://schemas.openxmlformats.org/officeDocument/2006/math" xmlns:a14="http://schemas.microsoft.com/office/drawing/2010/main" xmlns:ma14="http://schemas.microsoft.com/office/mac/drawingml/2011/main" val="1"/>
             </a:ext>
           </a:extLst>
         </p:spPr>
@@ -9661,7 +9711,7 @@
           </a:ln>
           <a:extLst>
             <a:ext uri="{C572A759-6A51-4108-AA02-DFA0A04FC94B}">
-              <ma14:wrappingTextBoxFlag xmlns:ma14="http://schemas.microsoft.com/office/mac/drawingml/2011/main" xmlns:a14="http://schemas.microsoft.com/office/drawing/2010/main" xmlns:m="http://schemas.openxmlformats.org/officeDocument/2006/math" xmlns="" val="1"/>
+              <ma14:wrappingTextBoxFlag xmlns="" xmlns:m="http://schemas.openxmlformats.org/officeDocument/2006/math" xmlns:a14="http://schemas.microsoft.com/office/drawing/2010/main" xmlns:ma14="http://schemas.microsoft.com/office/mac/drawingml/2011/main" val="1"/>
             </a:ext>
           </a:extLst>
         </p:spPr>
@@ -9703,7 +9753,7 @@
           </a:ln>
           <a:extLst>
             <a:ext uri="{C572A759-6A51-4108-AA02-DFA0A04FC94B}">
-              <ma14:wrappingTextBoxFlag xmlns:ma14="http://schemas.microsoft.com/office/mac/drawingml/2011/main" xmlns:a14="http://schemas.microsoft.com/office/drawing/2010/main" xmlns:m="http://schemas.openxmlformats.org/officeDocument/2006/math" xmlns="" val="1"/>
+              <ma14:wrappingTextBoxFlag xmlns="" xmlns:m="http://schemas.openxmlformats.org/officeDocument/2006/math" xmlns:a14="http://schemas.microsoft.com/office/drawing/2010/main" xmlns:ma14="http://schemas.microsoft.com/office/mac/drawingml/2011/main" val="1"/>
             </a:ext>
           </a:extLst>
         </p:spPr>
@@ -9768,7 +9818,7 @@
           </a:ln>
           <a:extLst>
             <a:ext uri="{C572A759-6A51-4108-AA02-DFA0A04FC94B}">
-              <ma14:wrappingTextBoxFlag xmlns:ma14="http://schemas.microsoft.com/office/mac/drawingml/2011/main" xmlns:a14="http://schemas.microsoft.com/office/drawing/2010/main" xmlns:m="http://schemas.openxmlformats.org/officeDocument/2006/math" xmlns="" val="1"/>
+              <ma14:wrappingTextBoxFlag xmlns="" xmlns:m="http://schemas.openxmlformats.org/officeDocument/2006/math" xmlns:a14="http://schemas.microsoft.com/office/drawing/2010/main" xmlns:ma14="http://schemas.microsoft.com/office/mac/drawingml/2011/main" val="1"/>
             </a:ext>
           </a:extLst>
         </p:spPr>
@@ -9808,7 +9858,7 @@
           </a:ln>
           <a:extLst>
             <a:ext uri="{C572A759-6A51-4108-AA02-DFA0A04FC94B}">
-              <ma14:wrappingTextBoxFlag xmlns:ma14="http://schemas.microsoft.com/office/mac/drawingml/2011/main" xmlns:a14="http://schemas.microsoft.com/office/drawing/2010/main" xmlns:m="http://schemas.openxmlformats.org/officeDocument/2006/math" xmlns="" val="1"/>
+              <ma14:wrappingTextBoxFlag xmlns="" xmlns:m="http://schemas.openxmlformats.org/officeDocument/2006/math" xmlns:a14="http://schemas.microsoft.com/office/drawing/2010/main" xmlns:ma14="http://schemas.microsoft.com/office/mac/drawingml/2011/main" val="1"/>
             </a:ext>
           </a:extLst>
         </p:spPr>
@@ -9964,7 +10014,7 @@
           </a:ln>
           <a:extLst>
             <a:ext uri="{C572A759-6A51-4108-AA02-DFA0A04FC94B}">
-              <ma14:wrappingTextBoxFlag xmlns:ma14="http://schemas.microsoft.com/office/mac/drawingml/2011/main" xmlns:a14="http://schemas.microsoft.com/office/drawing/2010/main" xmlns:m="http://schemas.openxmlformats.org/officeDocument/2006/math" xmlns="" val="1"/>
+              <ma14:wrappingTextBoxFlag xmlns="" xmlns:m="http://schemas.openxmlformats.org/officeDocument/2006/math" xmlns:a14="http://schemas.microsoft.com/office/drawing/2010/main" xmlns:ma14="http://schemas.microsoft.com/office/mac/drawingml/2011/main" val="1"/>
             </a:ext>
           </a:extLst>
         </p:spPr>
@@ -10000,7 +10050,7 @@
           </a:ln>
           <a:extLst>
             <a:ext uri="{C572A759-6A51-4108-AA02-DFA0A04FC94B}">
-              <ma14:wrappingTextBoxFlag xmlns:ma14="http://schemas.microsoft.com/office/mac/drawingml/2011/main" xmlns:a14="http://schemas.microsoft.com/office/drawing/2010/main" xmlns:m="http://schemas.openxmlformats.org/officeDocument/2006/math" xmlns="" val="1"/>
+              <ma14:wrappingTextBoxFlag xmlns="" xmlns:m="http://schemas.openxmlformats.org/officeDocument/2006/math" xmlns:a14="http://schemas.microsoft.com/office/drawing/2010/main" xmlns:ma14="http://schemas.microsoft.com/office/mac/drawingml/2011/main" val="1"/>
             </a:ext>
           </a:extLst>
         </p:spPr>
@@ -10036,7 +10086,7 @@
           </a:ln>
           <a:extLst>
             <a:ext uri="{C572A759-6A51-4108-AA02-DFA0A04FC94B}">
-              <ma14:wrappingTextBoxFlag xmlns:ma14="http://schemas.microsoft.com/office/mac/drawingml/2011/main" xmlns:a14="http://schemas.microsoft.com/office/drawing/2010/main" xmlns:m="http://schemas.openxmlformats.org/officeDocument/2006/math" xmlns="" val="1"/>
+              <ma14:wrappingTextBoxFlag xmlns="" xmlns:m="http://schemas.openxmlformats.org/officeDocument/2006/math" xmlns:a14="http://schemas.microsoft.com/office/drawing/2010/main" xmlns:ma14="http://schemas.microsoft.com/office/mac/drawingml/2011/main" val="1"/>
             </a:ext>
           </a:extLst>
         </p:spPr>
@@ -10072,7 +10122,7 @@
           </a:ln>
           <a:extLst>
             <a:ext uri="{C572A759-6A51-4108-AA02-DFA0A04FC94B}">
-              <ma14:wrappingTextBoxFlag xmlns:ma14="http://schemas.microsoft.com/office/mac/drawingml/2011/main" xmlns:a14="http://schemas.microsoft.com/office/drawing/2010/main" xmlns:m="http://schemas.openxmlformats.org/officeDocument/2006/math" xmlns="" val="1"/>
+              <ma14:wrappingTextBoxFlag xmlns="" xmlns:m="http://schemas.openxmlformats.org/officeDocument/2006/math" xmlns:a14="http://schemas.microsoft.com/office/drawing/2010/main" xmlns:ma14="http://schemas.microsoft.com/office/mac/drawingml/2011/main" val="1"/>
             </a:ext>
           </a:extLst>
         </p:spPr>
@@ -10135,7 +10185,7 @@
           </a:ln>
           <a:extLst>
             <a:ext uri="{C572A759-6A51-4108-AA02-DFA0A04FC94B}">
-              <ma14:wrappingTextBoxFlag xmlns:ma14="http://schemas.microsoft.com/office/mac/drawingml/2011/main" xmlns:a14="http://schemas.microsoft.com/office/drawing/2010/main" xmlns:m="http://schemas.openxmlformats.org/officeDocument/2006/math" xmlns="" val="1"/>
+              <ma14:wrappingTextBoxFlag xmlns="" xmlns:m="http://schemas.openxmlformats.org/officeDocument/2006/math" xmlns:a14="http://schemas.microsoft.com/office/drawing/2010/main" xmlns:ma14="http://schemas.microsoft.com/office/mac/drawingml/2011/main" val="1"/>
             </a:ext>
           </a:extLst>
         </p:spPr>
@@ -10198,7 +10248,7 @@
           </a:ln>
           <a:extLst>
             <a:ext uri="{C572A759-6A51-4108-AA02-DFA0A04FC94B}">
-              <ma14:wrappingTextBoxFlag xmlns:ma14="http://schemas.microsoft.com/office/mac/drawingml/2011/main" xmlns:a14="http://schemas.microsoft.com/office/drawing/2010/main" xmlns:m="http://schemas.openxmlformats.org/officeDocument/2006/math" xmlns="" val="1"/>
+              <ma14:wrappingTextBoxFlag xmlns="" xmlns:m="http://schemas.openxmlformats.org/officeDocument/2006/math" xmlns:a14="http://schemas.microsoft.com/office/drawing/2010/main" xmlns:ma14="http://schemas.microsoft.com/office/mac/drawingml/2011/main" val="1"/>
             </a:ext>
           </a:extLst>
         </p:spPr>
@@ -10265,7 +10315,7 @@
           </a:ln>
           <a:extLst>
             <a:ext uri="{C572A759-6A51-4108-AA02-DFA0A04FC94B}">
-              <ma14:wrappingTextBoxFlag xmlns:ma14="http://schemas.microsoft.com/office/mac/drawingml/2011/main" xmlns:a14="http://schemas.microsoft.com/office/drawing/2010/main" xmlns:m="http://schemas.openxmlformats.org/officeDocument/2006/math" xmlns="" val="1"/>
+              <ma14:wrappingTextBoxFlag xmlns="" xmlns:m="http://schemas.openxmlformats.org/officeDocument/2006/math" xmlns:a14="http://schemas.microsoft.com/office/drawing/2010/main" xmlns:ma14="http://schemas.microsoft.com/office/mac/drawingml/2011/main" val="1"/>
             </a:ext>
           </a:extLst>
         </p:spPr>
@@ -10330,7 +10380,7 @@
           </a:ln>
           <a:extLst>
             <a:ext uri="{C572A759-6A51-4108-AA02-DFA0A04FC94B}">
-              <ma14:wrappingTextBoxFlag xmlns:ma14="http://schemas.microsoft.com/office/mac/drawingml/2011/main" xmlns:a14="http://schemas.microsoft.com/office/drawing/2010/main" xmlns:m="http://schemas.openxmlformats.org/officeDocument/2006/math" xmlns="" val="1"/>
+              <ma14:wrappingTextBoxFlag xmlns="" xmlns:m="http://schemas.openxmlformats.org/officeDocument/2006/math" xmlns:a14="http://schemas.microsoft.com/office/drawing/2010/main" xmlns:ma14="http://schemas.microsoft.com/office/mac/drawingml/2011/main" val="1"/>
             </a:ext>
           </a:extLst>
         </p:spPr>
@@ -10370,7 +10420,7 @@
           </a:ln>
           <a:extLst>
             <a:ext uri="{C572A759-6A51-4108-AA02-DFA0A04FC94B}">
-              <ma14:wrappingTextBoxFlag xmlns:ma14="http://schemas.microsoft.com/office/mac/drawingml/2011/main" xmlns:a14="http://schemas.microsoft.com/office/drawing/2010/main" xmlns:m="http://schemas.openxmlformats.org/officeDocument/2006/math" xmlns="" val="1"/>
+              <ma14:wrappingTextBoxFlag xmlns="" xmlns:m="http://schemas.openxmlformats.org/officeDocument/2006/math" xmlns:a14="http://schemas.microsoft.com/office/drawing/2010/main" xmlns:ma14="http://schemas.microsoft.com/office/mac/drawingml/2011/main" val="1"/>
             </a:ext>
           </a:extLst>
         </p:spPr>
@@ -10526,7 +10576,7 @@
           </a:ln>
           <a:extLst>
             <a:ext uri="{C572A759-6A51-4108-AA02-DFA0A04FC94B}">
-              <ma14:wrappingTextBoxFlag xmlns:ma14="http://schemas.microsoft.com/office/mac/drawingml/2011/main" xmlns:a14="http://schemas.microsoft.com/office/drawing/2010/main" xmlns:m="http://schemas.openxmlformats.org/officeDocument/2006/math" xmlns="" val="1"/>
+              <ma14:wrappingTextBoxFlag xmlns="" xmlns:m="http://schemas.openxmlformats.org/officeDocument/2006/math" xmlns:a14="http://schemas.microsoft.com/office/drawing/2010/main" xmlns:ma14="http://schemas.microsoft.com/office/mac/drawingml/2011/main" val="1"/>
             </a:ext>
           </a:extLst>
         </p:spPr>
@@ -10562,7 +10612,7 @@
           </a:ln>
           <a:extLst>
             <a:ext uri="{C572A759-6A51-4108-AA02-DFA0A04FC94B}">
-              <ma14:wrappingTextBoxFlag xmlns:ma14="http://schemas.microsoft.com/office/mac/drawingml/2011/main" xmlns:a14="http://schemas.microsoft.com/office/drawing/2010/main" xmlns:m="http://schemas.openxmlformats.org/officeDocument/2006/math" xmlns="" val="1"/>
+              <ma14:wrappingTextBoxFlag xmlns="" xmlns:m="http://schemas.openxmlformats.org/officeDocument/2006/math" xmlns:a14="http://schemas.microsoft.com/office/drawing/2010/main" xmlns:ma14="http://schemas.microsoft.com/office/mac/drawingml/2011/main" val="1"/>
             </a:ext>
           </a:extLst>
         </p:spPr>
@@ -10598,7 +10648,7 @@
           </a:ln>
           <a:extLst>
             <a:ext uri="{C572A759-6A51-4108-AA02-DFA0A04FC94B}">
-              <ma14:wrappingTextBoxFlag xmlns:ma14="http://schemas.microsoft.com/office/mac/drawingml/2011/main" xmlns:a14="http://schemas.microsoft.com/office/drawing/2010/main" xmlns:m="http://schemas.openxmlformats.org/officeDocument/2006/math" xmlns="" val="1"/>
+              <ma14:wrappingTextBoxFlag xmlns="" xmlns:m="http://schemas.openxmlformats.org/officeDocument/2006/math" xmlns:a14="http://schemas.microsoft.com/office/drawing/2010/main" xmlns:ma14="http://schemas.microsoft.com/office/mac/drawingml/2011/main" val="1"/>
             </a:ext>
           </a:extLst>
         </p:spPr>
@@ -10634,7 +10684,7 @@
           </a:ln>
           <a:extLst>
             <a:ext uri="{C572A759-6A51-4108-AA02-DFA0A04FC94B}">
-              <ma14:wrappingTextBoxFlag xmlns:ma14="http://schemas.microsoft.com/office/mac/drawingml/2011/main" xmlns:a14="http://schemas.microsoft.com/office/drawing/2010/main" xmlns:m="http://schemas.openxmlformats.org/officeDocument/2006/math" xmlns="" val="1"/>
+              <ma14:wrappingTextBoxFlag xmlns="" xmlns:m="http://schemas.openxmlformats.org/officeDocument/2006/math" xmlns:a14="http://schemas.microsoft.com/office/drawing/2010/main" xmlns:ma14="http://schemas.microsoft.com/office/mac/drawingml/2011/main" val="1"/>
             </a:ext>
           </a:extLst>
         </p:spPr>
@@ -10670,7 +10720,7 @@
           </a:ln>
           <a:extLst>
             <a:ext uri="{C572A759-6A51-4108-AA02-DFA0A04FC94B}">
-              <ma14:wrappingTextBoxFlag xmlns:ma14="http://schemas.microsoft.com/office/mac/drawingml/2011/main" xmlns:a14="http://schemas.microsoft.com/office/drawing/2010/main" xmlns:m="http://schemas.openxmlformats.org/officeDocument/2006/math" xmlns="" val="1"/>
+              <ma14:wrappingTextBoxFlag xmlns="" xmlns:m="http://schemas.openxmlformats.org/officeDocument/2006/math" xmlns:a14="http://schemas.microsoft.com/office/drawing/2010/main" xmlns:ma14="http://schemas.microsoft.com/office/mac/drawingml/2011/main" val="1"/>
             </a:ext>
           </a:extLst>
         </p:spPr>
@@ -10714,7 +10764,7 @@
           </a:ln>
           <a:extLst>
             <a:ext uri="{C572A759-6A51-4108-AA02-DFA0A04FC94B}">
-              <ma14:wrappingTextBoxFlag xmlns:ma14="http://schemas.microsoft.com/office/mac/drawingml/2011/main" xmlns:a14="http://schemas.microsoft.com/office/drawing/2010/main" xmlns:m="http://schemas.openxmlformats.org/officeDocument/2006/math" xmlns="" val="1"/>
+              <ma14:wrappingTextBoxFlag xmlns="" xmlns:m="http://schemas.openxmlformats.org/officeDocument/2006/math" xmlns:a14="http://schemas.microsoft.com/office/drawing/2010/main" xmlns:ma14="http://schemas.microsoft.com/office/mac/drawingml/2011/main" val="1"/>
             </a:ext>
           </a:extLst>
         </p:spPr>
@@ -10750,7 +10800,7 @@
           </a:ln>
           <a:extLst>
             <a:ext uri="{C572A759-6A51-4108-AA02-DFA0A04FC94B}">
-              <ma14:wrappingTextBoxFlag xmlns:ma14="http://schemas.microsoft.com/office/mac/drawingml/2011/main" xmlns:a14="http://schemas.microsoft.com/office/drawing/2010/main" xmlns:m="http://schemas.openxmlformats.org/officeDocument/2006/math" xmlns="" val="1"/>
+              <ma14:wrappingTextBoxFlag xmlns="" xmlns:m="http://schemas.openxmlformats.org/officeDocument/2006/math" xmlns:a14="http://schemas.microsoft.com/office/drawing/2010/main" xmlns:ma14="http://schemas.microsoft.com/office/mac/drawingml/2011/main" val="1"/>
             </a:ext>
           </a:extLst>
         </p:spPr>
@@ -10790,7 +10840,7 @@
           </a:ln>
           <a:extLst>
             <a:ext uri="{C572A759-6A51-4108-AA02-DFA0A04FC94B}">
-              <ma14:wrappingTextBoxFlag xmlns:ma14="http://schemas.microsoft.com/office/mac/drawingml/2011/main" xmlns:a14="http://schemas.microsoft.com/office/drawing/2010/main" xmlns:m="http://schemas.openxmlformats.org/officeDocument/2006/math" xmlns="" val="1"/>
+              <ma14:wrappingTextBoxFlag xmlns="" xmlns:m="http://schemas.openxmlformats.org/officeDocument/2006/math" xmlns:a14="http://schemas.microsoft.com/office/drawing/2010/main" xmlns:ma14="http://schemas.microsoft.com/office/mac/drawingml/2011/main" val="1"/>
             </a:ext>
           </a:extLst>
         </p:spPr>
@@ -10936,7 +10986,7 @@
           </a:ln>
           <a:extLst>
             <a:ext uri="{C572A759-6A51-4108-AA02-DFA0A04FC94B}">
-              <ma14:wrappingTextBoxFlag xmlns:ma14="http://schemas.microsoft.com/office/mac/drawingml/2011/main" xmlns:a14="http://schemas.microsoft.com/office/drawing/2010/main" xmlns:m="http://schemas.openxmlformats.org/officeDocument/2006/math" xmlns="" val="1"/>
+              <ma14:wrappingTextBoxFlag xmlns="" xmlns:m="http://schemas.openxmlformats.org/officeDocument/2006/math" xmlns:a14="http://schemas.microsoft.com/office/drawing/2010/main" xmlns:ma14="http://schemas.microsoft.com/office/mac/drawingml/2011/main" val="1"/>
             </a:ext>
           </a:extLst>
         </p:spPr>
@@ -11618,7 +11668,7 @@
           </a:ln>
           <a:extLst>
             <a:ext uri="{C572A759-6A51-4108-AA02-DFA0A04FC94B}">
-              <ma14:wrappingTextBoxFlag xmlns:ma14="http://schemas.microsoft.com/office/mac/drawingml/2011/main" xmlns:a14="http://schemas.microsoft.com/office/drawing/2010/main" xmlns:m="http://schemas.openxmlformats.org/officeDocument/2006/math" xmlns="" val="1"/>
+              <ma14:wrappingTextBoxFlag xmlns="" xmlns:m="http://schemas.openxmlformats.org/officeDocument/2006/math" xmlns:a14="http://schemas.microsoft.com/office/drawing/2010/main" xmlns:ma14="http://schemas.microsoft.com/office/mac/drawingml/2011/main" val="1"/>
             </a:ext>
           </a:extLst>
         </p:spPr>
@@ -11768,7 +11818,7 @@
           </a:ln>
           <a:extLst>
             <a:ext uri="{C572A759-6A51-4108-AA02-DFA0A04FC94B}">
-              <ma14:wrappingTextBoxFlag xmlns:ma14="http://schemas.microsoft.com/office/mac/drawingml/2011/main" xmlns:a14="http://schemas.microsoft.com/office/drawing/2010/main" xmlns:m="http://schemas.openxmlformats.org/officeDocument/2006/math" xmlns="" val="1"/>
+              <ma14:wrappingTextBoxFlag xmlns="" xmlns:m="http://schemas.openxmlformats.org/officeDocument/2006/math" xmlns:a14="http://schemas.microsoft.com/office/drawing/2010/main" xmlns:ma14="http://schemas.microsoft.com/office/mac/drawingml/2011/main" val="1"/>
             </a:ext>
           </a:extLst>
         </p:spPr>
@@ -11887,7 +11937,7 @@
           </a:ln>
           <a:extLst>
             <a:ext uri="{C572A759-6A51-4108-AA02-DFA0A04FC94B}">
-              <ma14:wrappingTextBoxFlag xmlns:ma14="http://schemas.microsoft.com/office/mac/drawingml/2011/main" xmlns:a14="http://schemas.microsoft.com/office/drawing/2010/main" xmlns:m="http://schemas.openxmlformats.org/officeDocument/2006/math" xmlns="" val="1"/>
+              <ma14:wrappingTextBoxFlag xmlns="" xmlns:m="http://schemas.openxmlformats.org/officeDocument/2006/math" xmlns:a14="http://schemas.microsoft.com/office/drawing/2010/main" xmlns:ma14="http://schemas.microsoft.com/office/mac/drawingml/2011/main" val="1"/>
             </a:ext>
           </a:extLst>
         </p:spPr>
@@ -11929,7 +11979,7 @@
           </a:ln>
           <a:extLst>
             <a:ext uri="{C572A759-6A51-4108-AA02-DFA0A04FC94B}">
-              <ma14:wrappingTextBoxFlag xmlns:ma14="http://schemas.microsoft.com/office/mac/drawingml/2011/main" xmlns:a14="http://schemas.microsoft.com/office/drawing/2010/main" xmlns:m="http://schemas.openxmlformats.org/officeDocument/2006/math" xmlns="" val="1"/>
+              <ma14:wrappingTextBoxFlag xmlns="" xmlns:m="http://schemas.openxmlformats.org/officeDocument/2006/math" xmlns:a14="http://schemas.microsoft.com/office/drawing/2010/main" xmlns:ma14="http://schemas.microsoft.com/office/mac/drawingml/2011/main" val="1"/>
             </a:ext>
           </a:extLst>
         </p:spPr>
@@ -12044,7 +12094,7 @@
           </a:ln>
           <a:extLst>
             <a:ext uri="{C572A759-6A51-4108-AA02-DFA0A04FC94B}">
-              <ma14:wrappingTextBoxFlag xmlns:ma14="http://schemas.microsoft.com/office/mac/drawingml/2011/main" xmlns:a14="http://schemas.microsoft.com/office/drawing/2010/main" xmlns:m="http://schemas.openxmlformats.org/officeDocument/2006/math" xmlns="" val="1"/>
+              <ma14:wrappingTextBoxFlag xmlns="" xmlns:m="http://schemas.openxmlformats.org/officeDocument/2006/math" xmlns:a14="http://schemas.microsoft.com/office/drawing/2010/main" xmlns:ma14="http://schemas.microsoft.com/office/mac/drawingml/2011/main" val="1"/>
             </a:ext>
           </a:extLst>
         </p:spPr>
@@ -12086,7 +12136,7 @@
           </a:ln>
           <a:extLst>
             <a:ext uri="{C572A759-6A51-4108-AA02-DFA0A04FC94B}">
-              <ma14:wrappingTextBoxFlag xmlns:ma14="http://schemas.microsoft.com/office/mac/drawingml/2011/main" xmlns:a14="http://schemas.microsoft.com/office/drawing/2010/main" xmlns:m="http://schemas.openxmlformats.org/officeDocument/2006/math" xmlns="" val="1"/>
+              <ma14:wrappingTextBoxFlag xmlns="" xmlns:m="http://schemas.openxmlformats.org/officeDocument/2006/math" xmlns:a14="http://schemas.microsoft.com/office/drawing/2010/main" xmlns:ma14="http://schemas.microsoft.com/office/mac/drawingml/2011/main" val="1"/>
             </a:ext>
           </a:extLst>
         </p:spPr>
@@ -12128,7 +12178,7 @@
           </a:ln>
           <a:extLst>
             <a:ext uri="{C572A759-6A51-4108-AA02-DFA0A04FC94B}">
-              <ma14:wrappingTextBoxFlag xmlns:ma14="http://schemas.microsoft.com/office/mac/drawingml/2011/main" xmlns:a14="http://schemas.microsoft.com/office/drawing/2010/main" xmlns:m="http://schemas.openxmlformats.org/officeDocument/2006/math" xmlns="" val="1"/>
+              <ma14:wrappingTextBoxFlag xmlns="" xmlns:m="http://schemas.openxmlformats.org/officeDocument/2006/math" xmlns:a14="http://schemas.microsoft.com/office/drawing/2010/main" xmlns:ma14="http://schemas.microsoft.com/office/mac/drawingml/2011/main" val="1"/>
             </a:ext>
           </a:extLst>
         </p:spPr>
@@ -12164,7 +12214,7 @@
           </a:ln>
           <a:extLst>
             <a:ext uri="{C572A759-6A51-4108-AA02-DFA0A04FC94B}">
-              <ma14:wrappingTextBoxFlag xmlns:ma14="http://schemas.microsoft.com/office/mac/drawingml/2011/main" xmlns:a14="http://schemas.microsoft.com/office/drawing/2010/main" xmlns:m="http://schemas.openxmlformats.org/officeDocument/2006/math" xmlns="" val="1"/>
+              <ma14:wrappingTextBoxFlag xmlns="" xmlns:m="http://schemas.openxmlformats.org/officeDocument/2006/math" xmlns:a14="http://schemas.microsoft.com/office/drawing/2010/main" xmlns:ma14="http://schemas.microsoft.com/office/mac/drawingml/2011/main" val="1"/>
             </a:ext>
           </a:extLst>
         </p:spPr>
@@ -12225,7 +12275,7 @@
           </a:ln>
           <a:extLst>
             <a:ext uri="{C572A759-6A51-4108-AA02-DFA0A04FC94B}">
-              <ma14:wrappingTextBoxFlag xmlns:ma14="http://schemas.microsoft.com/office/mac/drawingml/2011/main" xmlns:a14="http://schemas.microsoft.com/office/drawing/2010/main" xmlns:m="http://schemas.openxmlformats.org/officeDocument/2006/math" xmlns="" val="1"/>
+              <ma14:wrappingTextBoxFlag xmlns="" xmlns:m="http://schemas.openxmlformats.org/officeDocument/2006/math" xmlns:a14="http://schemas.microsoft.com/office/drawing/2010/main" xmlns:ma14="http://schemas.microsoft.com/office/mac/drawingml/2011/main" val="1"/>
             </a:ext>
           </a:extLst>
         </p:spPr>
@@ -12265,7 +12315,7 @@
           </a:ln>
           <a:extLst>
             <a:ext uri="{C572A759-6A51-4108-AA02-DFA0A04FC94B}">
-              <ma14:wrappingTextBoxFlag xmlns:ma14="http://schemas.microsoft.com/office/mac/drawingml/2011/main" xmlns:a14="http://schemas.microsoft.com/office/drawing/2010/main" xmlns:m="http://schemas.openxmlformats.org/officeDocument/2006/math" xmlns="" val="1"/>
+              <ma14:wrappingTextBoxFlag xmlns="" xmlns:m="http://schemas.openxmlformats.org/officeDocument/2006/math" xmlns:a14="http://schemas.microsoft.com/office/drawing/2010/main" xmlns:ma14="http://schemas.microsoft.com/office/mac/drawingml/2011/main" val="1"/>
             </a:ext>
           </a:extLst>
         </p:spPr>
@@ -12305,7 +12355,7 @@
           </a:ln>
           <a:extLst>
             <a:ext uri="{C572A759-6A51-4108-AA02-DFA0A04FC94B}">
-              <ma14:wrappingTextBoxFlag xmlns:ma14="http://schemas.microsoft.com/office/mac/drawingml/2011/main" xmlns:a14="http://schemas.microsoft.com/office/drawing/2010/main" xmlns:m="http://schemas.openxmlformats.org/officeDocument/2006/math" xmlns="" val="1"/>
+              <ma14:wrappingTextBoxFlag xmlns="" xmlns:m="http://schemas.openxmlformats.org/officeDocument/2006/math" xmlns:a14="http://schemas.microsoft.com/office/drawing/2010/main" xmlns:ma14="http://schemas.microsoft.com/office/mac/drawingml/2011/main" val="1"/>
             </a:ext>
           </a:extLst>
         </p:spPr>
@@ -12343,7 +12393,7 @@
           </a:ln>
           <a:extLst>
             <a:ext uri="{C572A759-6A51-4108-AA02-DFA0A04FC94B}">
-              <ma14:wrappingTextBoxFlag xmlns:ma14="http://schemas.microsoft.com/office/mac/drawingml/2011/main" xmlns:a14="http://schemas.microsoft.com/office/drawing/2010/main" xmlns:m="http://schemas.openxmlformats.org/officeDocument/2006/math" xmlns="" val="1"/>
+              <ma14:wrappingTextBoxFlag xmlns="" xmlns:m="http://schemas.openxmlformats.org/officeDocument/2006/math" xmlns:a14="http://schemas.microsoft.com/office/drawing/2010/main" xmlns:ma14="http://schemas.microsoft.com/office/mac/drawingml/2011/main" val="1"/>
             </a:ext>
           </a:extLst>
         </p:spPr>
@@ -12383,7 +12433,7 @@
           </a:ln>
           <a:extLst>
             <a:ext uri="{C572A759-6A51-4108-AA02-DFA0A04FC94B}">
-              <ma14:wrappingTextBoxFlag xmlns:ma14="http://schemas.microsoft.com/office/mac/drawingml/2011/main" xmlns:a14="http://schemas.microsoft.com/office/drawing/2010/main" xmlns:m="http://schemas.openxmlformats.org/officeDocument/2006/math" xmlns="" val="1"/>
+              <ma14:wrappingTextBoxFlag xmlns="" xmlns:m="http://schemas.openxmlformats.org/officeDocument/2006/math" xmlns:a14="http://schemas.microsoft.com/office/drawing/2010/main" xmlns:ma14="http://schemas.microsoft.com/office/mac/drawingml/2011/main" val="1"/>
             </a:ext>
           </a:extLst>
         </p:spPr>
@@ -12427,7 +12477,7 @@
           </a:ln>
           <a:extLst>
             <a:ext uri="{C572A759-6A51-4108-AA02-DFA0A04FC94B}">
-              <ma14:wrappingTextBoxFlag xmlns:ma14="http://schemas.microsoft.com/office/mac/drawingml/2011/main" xmlns:a14="http://schemas.microsoft.com/office/drawing/2010/main" xmlns:m="http://schemas.openxmlformats.org/officeDocument/2006/math" xmlns="" val="1"/>
+              <ma14:wrappingTextBoxFlag xmlns="" xmlns:m="http://schemas.openxmlformats.org/officeDocument/2006/math" xmlns:a14="http://schemas.microsoft.com/office/drawing/2010/main" xmlns:ma14="http://schemas.microsoft.com/office/mac/drawingml/2011/main" val="1"/>
             </a:ext>
           </a:extLst>
         </p:spPr>
@@ -12471,7 +12521,7 @@
           </a:ln>
           <a:extLst>
             <a:ext uri="{C572A759-6A51-4108-AA02-DFA0A04FC94B}">
-              <ma14:wrappingTextBoxFlag xmlns:ma14="http://schemas.microsoft.com/office/mac/drawingml/2011/main" xmlns:a14="http://schemas.microsoft.com/office/drawing/2010/main" xmlns:m="http://schemas.openxmlformats.org/officeDocument/2006/math" xmlns="" val="1"/>
+              <ma14:wrappingTextBoxFlag xmlns="" xmlns:m="http://schemas.openxmlformats.org/officeDocument/2006/math" xmlns:a14="http://schemas.microsoft.com/office/drawing/2010/main" xmlns:ma14="http://schemas.microsoft.com/office/mac/drawingml/2011/main" val="1"/>
             </a:ext>
           </a:extLst>
         </p:spPr>

--- a/lectures/2023_GNET749_Lecture6_Batch_ExpDesign.pptx
+++ b/lectures/2023_GNET749_Lecture6_Batch_ExpDesign.pptx
@@ -5,7 +5,7 @@
     <p:sldMasterId id="2147483648" r:id="rId1"/>
   </p:sldMasterIdLst>
   <p:notesMasterIdLst>
-    <p:notesMasterId r:id="rId35"/>
+    <p:notesMasterId r:id="rId34"/>
   </p:notesMasterIdLst>
   <p:sldIdLst>
     <p:sldId id="317" r:id="rId2"/>
@@ -38,9 +38,8 @@
     <p:sldId id="344" r:id="rId29"/>
     <p:sldId id="345" r:id="rId30"/>
     <p:sldId id="346" r:id="rId31"/>
-    <p:sldId id="347" r:id="rId32"/>
-    <p:sldId id="348" r:id="rId33"/>
-    <p:sldId id="349" r:id="rId34"/>
+    <p:sldId id="348" r:id="rId32"/>
+    <p:sldId id="349" r:id="rId33"/>
   </p:sldIdLst>
   <p:sldSz cx="12192000" cy="6858000"/>
   <p:notesSz cx="6858000" cy="9144000"/>
@@ -716,79 +715,6 @@
 </file>
 
 <file path=ppt/notesSlides/notesSlide12.xml><?xml version="1.0" encoding="utf-8"?>
-<p:notes xmlns:a="http://schemas.openxmlformats.org/drawingml/2006/main" xmlns:r="http://schemas.openxmlformats.org/officeDocument/2006/relationships" xmlns:p="http://schemas.openxmlformats.org/presentationml/2006/main">
-  <p:cSld>
-    <p:spTree>
-      <p:nvGrpSpPr>
-        <p:cNvPr id="1" name=""/>
-        <p:cNvGrpSpPr/>
-        <p:nvPr/>
-      </p:nvGrpSpPr>
-      <p:grpSpPr>
-        <a:xfrm>
-          <a:off x="0" y="0"/>
-          <a:ext cx="0" cy="0"/>
-          <a:chOff x="0" y="0"/>
-          <a:chExt cx="0" cy="0"/>
-        </a:xfrm>
-      </p:grpSpPr>
-      <p:sp>
-        <p:nvSpPr>
-          <p:cNvPr id="842" name="Shape 842"/>
-          <p:cNvSpPr>
-            <a:spLocks noGrp="1" noRot="1" noChangeAspect="1"/>
-          </p:cNvSpPr>
-          <p:nvPr>
-            <p:ph type="sldImg"/>
-          </p:nvPr>
-        </p:nvSpPr>
-        <p:spPr>
-          <a:prstGeom prst="rect">
-            <a:avLst/>
-          </a:prstGeom>
-        </p:spPr>
-        <p:txBody>
-          <a:bodyPr/>
-          <a:lstStyle/>
-          <a:p>
-            <a:endParaRPr/>
-          </a:p>
-        </p:txBody>
-      </p:sp>
-      <p:sp>
-        <p:nvSpPr>
-          <p:cNvPr id="843" name="Shape 843"/>
-          <p:cNvSpPr>
-            <a:spLocks noGrp="1"/>
-          </p:cNvSpPr>
-          <p:nvPr>
-            <p:ph type="body" sz="quarter" idx="1"/>
-          </p:nvPr>
-        </p:nvSpPr>
-        <p:spPr>
-          <a:prstGeom prst="rect">
-            <a:avLst/>
-          </a:prstGeom>
-        </p:spPr>
-        <p:txBody>
-          <a:bodyPr/>
-          <a:lstStyle/>
-          <a:p>
-            <a:r>
-              <a:t>Often better to use the LRT in this sort of design because you want to identify genes for which teh full model above, is better than one without the interaction therm</a:t>
-            </a:r>
-          </a:p>
-        </p:txBody>
-      </p:sp>
-    </p:spTree>
-  </p:cSld>
-  <p:clrMapOvr>
-    <a:masterClrMapping/>
-  </p:clrMapOvr>
-</p:notes>
-</file>
-
-<file path=ppt/notesSlides/notesSlide13.xml><?xml version="1.0" encoding="utf-8"?>
 <p:notes xmlns:a="http://schemas.openxmlformats.org/drawingml/2006/main" xmlns:r="http://schemas.openxmlformats.org/officeDocument/2006/relationships" xmlns:p="http://schemas.openxmlformats.org/presentationml/2006/main">
   <p:cSld>
     <p:spTree>
@@ -4804,8 +4730,8 @@
         </p:nvSpPr>
         <p:spPr>
           <a:xfrm>
-            <a:off x="5438028" y="251672"/>
-            <a:ext cx="1877245" cy="328295"/>
+            <a:off x="2356873" y="105850"/>
+            <a:ext cx="8534772" cy="543739"/>
           </a:xfrm>
           <a:prstGeom prst="rect">
             <a:avLst/>
@@ -4830,9 +4756,10 @@
           </a:lstStyle>
           <a:p>
             <a:r>
-              <a:rPr sz="1800"/>
-              <a:t>~ batch + condition</a:t>
-            </a:r>
+              <a:rPr lang="en-US" sz="3200" dirty="0"/>
+              <a:t>How does accounting for replicate impact results?</a:t>
+            </a:r>
+            <a:endParaRPr sz="3200" dirty="0"/>
           </a:p>
         </p:txBody>
       </p:sp>
@@ -4852,7 +4779,7 @@
         </p:blipFill>
         <p:spPr>
           <a:xfrm>
-            <a:off x="718908" y="2401944"/>
+            <a:off x="452208" y="1665344"/>
             <a:ext cx="5540326" cy="2820036"/>
           </a:xfrm>
           <a:prstGeom prst="rect">
@@ -5246,8 +5173,8 @@
         </p:nvSpPr>
         <p:spPr>
           <a:xfrm>
-            <a:off x="802522" y="1851368"/>
-            <a:ext cx="2686633" cy="466794"/>
+            <a:off x="802522" y="1643619"/>
+            <a:ext cx="5316071" cy="882293"/>
           </a:xfrm>
           <a:prstGeom prst="rect">
             <a:avLst/>
@@ -5269,21 +5196,29 @@
           <a:p>
             <a:pPr algn="l"/>
             <a:r>
-              <a:rPr sz="900"/>
-              <a:t>Specific two models</a:t>
+              <a:rPr dirty="0"/>
+              <a:t>Specif</a:t>
+            </a:r>
+            <a:r>
+              <a:rPr lang="en-US" dirty="0"/>
+              <a:t>y</a:t>
+            </a:r>
+            <a:r>
+              <a:rPr dirty="0"/>
+              <a:t> two models</a:t>
             </a:r>
           </a:p>
           <a:p>
             <a:pPr algn="l"/>
             <a:r>
-              <a:rPr sz="900"/>
+              <a:rPr dirty="0"/>
               <a:t>full  = ~condition {the effect(s) we care about } </a:t>
             </a:r>
           </a:p>
           <a:p>
             <a:pPr algn="l"/>
             <a:r>
-              <a:rPr sz="900"/>
+              <a:rPr dirty="0"/>
               <a:t>reduced = ~1 { everything else , here just the intercept  }</a:t>
             </a:r>
           </a:p>
@@ -5337,8 +5272,8 @@
         </p:nvSpPr>
         <p:spPr>
           <a:xfrm>
-            <a:off x="812649" y="1149146"/>
-            <a:ext cx="1695977" cy="328295"/>
+            <a:off x="812649" y="918314"/>
+            <a:ext cx="4417171" cy="789960"/>
           </a:xfrm>
           <a:prstGeom prst="rect">
             <a:avLst/>
@@ -5362,16 +5297,34 @@
               <a:defRPr b="1"/>
             </a:pPr>
             <a:r>
-              <a:rPr sz="900"/>
-              <a:t>package - sva</a:t>
-            </a:r>
+              <a:rPr sz="2400" dirty="0"/>
+              <a:t>package - </a:t>
+            </a:r>
+            <a:r>
+              <a:rPr sz="2400" dirty="0" err="1"/>
+              <a:t>sva</a:t>
+            </a:r>
+            <a:endParaRPr sz="2400" dirty="0"/>
           </a:p>
           <a:p>
             <a:pPr algn="l"/>
             <a:r>
-              <a:rPr sz="900"/>
-              <a:t>* could also use RUVseq or comBat</a:t>
-            </a:r>
+              <a:rPr sz="2400" dirty="0"/>
+              <a:t>* could also use </a:t>
+            </a:r>
+            <a:r>
+              <a:rPr sz="2400" dirty="0" err="1"/>
+              <a:t>RUVseq</a:t>
+            </a:r>
+            <a:r>
+              <a:rPr sz="2400" dirty="0"/>
+              <a:t> or </a:t>
+            </a:r>
+            <a:r>
+              <a:rPr sz="2400" dirty="0" err="1"/>
+              <a:t>comBat</a:t>
+            </a:r>
+            <a:endParaRPr sz="2400" dirty="0"/>
           </a:p>
         </p:txBody>
       </p:sp>
@@ -5391,8 +5344,8 @@
         </p:blipFill>
         <p:spPr>
           <a:xfrm>
-            <a:off x="442604" y="2454095"/>
-            <a:ext cx="6615064" cy="1949811"/>
+            <a:off x="111289" y="2525912"/>
+            <a:ext cx="8048552" cy="2372336"/>
           </a:xfrm>
           <a:prstGeom prst="rect">
             <a:avLst/>
@@ -5418,8 +5371,8 @@
         </p:blipFill>
         <p:spPr>
           <a:xfrm>
-            <a:off x="7537313" y="1348688"/>
-            <a:ext cx="2142859" cy="2808182"/>
+            <a:off x="8363426" y="1178169"/>
+            <a:ext cx="3156087" cy="4136001"/>
           </a:xfrm>
           <a:prstGeom prst="rect">
             <a:avLst/>
@@ -5437,8 +5390,8 @@
         </p:nvSpPr>
         <p:spPr>
           <a:xfrm>
-            <a:off x="6639142" y="4740198"/>
-            <a:ext cx="3273332" cy="328295"/>
+            <a:off x="7955131" y="5314170"/>
+            <a:ext cx="3972675" cy="974626"/>
           </a:xfrm>
           <a:prstGeom prst="rect">
             <a:avLst/>
@@ -5453,82 +5406,28 @@
           </a:extLst>
         </p:spPr>
         <p:txBody>
-          <a:bodyPr wrap="none" lIns="25400" tIns="25400" rIns="25400" bIns="25400" anchor="ctr">
+          <a:bodyPr wrap="square" lIns="25400" tIns="25400" rIns="25400" bIns="25400" anchor="ctr">
             <a:spAutoFit/>
           </a:bodyPr>
           <a:lstStyle/>
           <a:p>
             <a:r>
-              <a:rPr sz="900"/>
+              <a:rPr sz="2000" dirty="0">
+                <a:solidFill>
+                  <a:schemeClr val="accent1">
+                    <a:lumMod val="75000"/>
+                  </a:schemeClr>
+                </a:solidFill>
+              </a:rPr>
               <a:t>Surrogate Variables</a:t>
             </a:r>
           </a:p>
           <a:p>
             <a:pPr algn="l"/>
             <a:r>
-              <a:rPr sz="900"/>
+              <a:rPr sz="2000" dirty="0"/>
               <a:t>They can be incorporated in to our design just like any other variable</a:t>
             </a:r>
-          </a:p>
-        </p:txBody>
-      </p:sp>
-      <p:sp>
-        <p:nvSpPr>
-          <p:cNvPr id="727" name="Line"/>
-          <p:cNvSpPr/>
-          <p:nvPr/>
-        </p:nvSpPr>
-        <p:spPr>
-          <a:xfrm flipH="1" flipV="1">
-            <a:off x="8315754" y="4260386"/>
-            <a:ext cx="405769" cy="405769"/>
-          </a:xfrm>
-          <a:prstGeom prst="line">
-            <a:avLst/>
-          </a:prstGeom>
-          <a:ln w="25400">
-            <a:solidFill>
-              <a:srgbClr val="000000"/>
-            </a:solidFill>
-            <a:miter lim="400000"/>
-            <a:tailEnd type="triangle"/>
-          </a:ln>
-        </p:spPr>
-        <p:txBody>
-          <a:bodyPr lIns="25400" tIns="25400" rIns="25400" bIns="25400" anchor="ctr"/>
-          <a:lstStyle/>
-          <a:p>
-            <a:endParaRPr sz="900"/>
-          </a:p>
-        </p:txBody>
-      </p:sp>
-      <p:sp>
-        <p:nvSpPr>
-          <p:cNvPr id="728" name="Line"/>
-          <p:cNvSpPr/>
-          <p:nvPr/>
-        </p:nvSpPr>
-        <p:spPr>
-          <a:xfrm flipV="1">
-            <a:off x="9131762" y="4252945"/>
-            <a:ext cx="113865" cy="423493"/>
-          </a:xfrm>
-          <a:prstGeom prst="line">
-            <a:avLst/>
-          </a:prstGeom>
-          <a:ln w="25400">
-            <a:solidFill>
-              <a:srgbClr val="000000"/>
-            </a:solidFill>
-            <a:miter lim="400000"/>
-            <a:tailEnd type="triangle"/>
-          </a:ln>
-        </p:spPr>
-        <p:txBody>
-          <a:bodyPr lIns="25400" tIns="25400" rIns="25400" bIns="25400" anchor="ctr"/>
-          <a:lstStyle/>
-          <a:p>
-            <a:endParaRPr sz="900"/>
           </a:p>
         </p:txBody>
       </p:sp>
@@ -5613,7 +5512,7 @@
         </p:blipFill>
         <p:spPr>
           <a:xfrm>
-            <a:off x="6265091" y="1231431"/>
+            <a:off x="6877579" y="3552132"/>
             <a:ext cx="4619535" cy="2296493"/>
           </a:xfrm>
           <a:prstGeom prst="rect">
@@ -5640,7 +5539,7 @@
         </p:blipFill>
         <p:spPr>
           <a:xfrm>
-            <a:off x="6254724" y="3641032"/>
+            <a:off x="1401289" y="3552132"/>
             <a:ext cx="4640268" cy="2074160"/>
           </a:xfrm>
           <a:prstGeom prst="rect">
@@ -5667,8 +5566,8 @@
         </p:blipFill>
         <p:spPr>
           <a:xfrm>
-            <a:off x="366466" y="1557433"/>
-            <a:ext cx="5167091" cy="997607"/>
+            <a:off x="1413571" y="1009375"/>
+            <a:ext cx="9364857" cy="1808067"/>
           </a:xfrm>
           <a:prstGeom prst="rect">
             <a:avLst/>
@@ -6135,8 +6034,8 @@
         </p:nvSpPr>
         <p:spPr>
           <a:xfrm>
-            <a:off x="2370268" y="1494629"/>
-            <a:ext cx="397545" cy="189796"/>
+            <a:off x="2370268" y="1425380"/>
+            <a:ext cx="743986" cy="328295"/>
           </a:xfrm>
           <a:prstGeom prst="rect">
             <a:avLst/>
@@ -6157,7 +6056,7 @@
           <a:lstStyle/>
           <a:p>
             <a:r>
-              <a:rPr sz="900"/>
+              <a:rPr dirty="0"/>
               <a:t>Correct</a:t>
             </a:r>
           </a:p>
@@ -6198,8 +6097,8 @@
         </p:nvSpPr>
         <p:spPr>
           <a:xfrm>
-            <a:off x="4698134" y="1494629"/>
-            <a:ext cx="442429" cy="189796"/>
+            <a:off x="4698134" y="1425380"/>
+            <a:ext cx="829714" cy="328295"/>
           </a:xfrm>
           <a:prstGeom prst="rect">
             <a:avLst/>
@@ -6220,7 +6119,7 @@
           <a:lstStyle/>
           <a:p>
             <a:r>
-              <a:rPr sz="900"/>
+              <a:rPr dirty="0"/>
               <a:t>Shuffled</a:t>
             </a:r>
           </a:p>
@@ -6261,7 +6160,7 @@
         </p:nvSpPr>
         <p:spPr>
           <a:xfrm>
-            <a:off x="6236603" y="3036163"/>
+            <a:off x="6364398" y="3429000"/>
             <a:ext cx="1725732" cy="635001"/>
           </a:xfrm>
           <a:prstGeom prst="rightArrow">
@@ -6304,8 +6203,8 @@
         </p:nvSpPr>
         <p:spPr>
           <a:xfrm>
-            <a:off x="6444780" y="3792211"/>
-            <a:ext cx="1316066" cy="328295"/>
+            <a:off x="8217186" y="3443853"/>
+            <a:ext cx="2576988" cy="605294"/>
           </a:xfrm>
           <a:prstGeom prst="rect">
             <a:avLst/>
@@ -6326,13 +6225,21 @@
           <a:lstStyle/>
           <a:p>
             <a:r>
-              <a:rPr sz="900"/>
-              <a:t>redo svaseq using</a:t>
-            </a:r>
-          </a:p>
-          <a:p>
-            <a:r>
-              <a:rPr sz="900"/>
+              <a:rPr dirty="0"/>
+              <a:t>redo </a:t>
+            </a:r>
+            <a:r>
+              <a:rPr dirty="0" err="1"/>
+              <a:t>svaseq</a:t>
+            </a:r>
+            <a:r>
+              <a:rPr dirty="0"/>
+              <a:t> using</a:t>
+            </a:r>
+          </a:p>
+          <a:p>
+            <a:r>
+              <a:rPr dirty="0"/>
               <a:t>the incorrect design matrix</a:t>
             </a:r>
           </a:p>
@@ -6398,8 +6305,8 @@
         </p:nvSpPr>
         <p:spPr>
           <a:xfrm>
-            <a:off x="777528" y="1155233"/>
-            <a:ext cx="2526333" cy="466794"/>
+            <a:off x="668191" y="456817"/>
+            <a:ext cx="5353004" cy="974626"/>
           </a:xfrm>
           <a:prstGeom prst="rect">
             <a:avLst/>
@@ -6424,9 +6331,14 @@
               <a:buChar char="•"/>
             </a:pPr>
             <a:r>
-              <a:rPr sz="900"/>
-              <a:t>Add the surrogate variables to our DESeqDataSeq</a:t>
-            </a:r>
+              <a:rPr sz="2000" dirty="0"/>
+              <a:t>Add the surrogate variables to our </a:t>
+            </a:r>
+            <a:r>
+              <a:rPr sz="2000" dirty="0" err="1"/>
+              <a:t>DESeqDataSeq</a:t>
+            </a:r>
+            <a:endParaRPr sz="2000" dirty="0"/>
           </a:p>
           <a:p>
             <a:pPr marL="152400" indent="-152400">
@@ -6434,8 +6346,16 @@
               <a:buChar char="•"/>
             </a:pPr>
             <a:r>
-              <a:rPr sz="900"/>
-              <a:t>Run the DESeq analysis</a:t>
+              <a:rPr sz="2000" dirty="0"/>
+              <a:t>Run the </a:t>
+            </a:r>
+            <a:r>
+              <a:rPr sz="2000" dirty="0" err="1"/>
+              <a:t>DESeq</a:t>
+            </a:r>
+            <a:r>
+              <a:rPr sz="2000" dirty="0"/>
+              <a:t> analysis</a:t>
             </a:r>
           </a:p>
           <a:p>
@@ -6444,7 +6364,7 @@
               <a:buChar char="•"/>
             </a:pPr>
             <a:r>
-              <a:rPr sz="900"/>
+              <a:rPr sz="2000" dirty="0"/>
               <a:t>Extract Results</a:t>
             </a:r>
           </a:p>
@@ -6458,8 +6378,8 @@
         </p:nvSpPr>
         <p:spPr>
           <a:xfrm>
-            <a:off x="8312596" y="1682971"/>
-            <a:ext cx="442429" cy="189796"/>
+            <a:off x="8210709" y="4095121"/>
+            <a:ext cx="1088631" cy="420628"/>
           </a:xfrm>
           <a:prstGeom prst="rect">
             <a:avLst/>
@@ -6480,7 +6400,7 @@
           <a:lstStyle/>
           <a:p>
             <a:r>
-              <a:rPr sz="900"/>
+              <a:rPr sz="2400" dirty="0"/>
               <a:t>Shuffled</a:t>
             </a:r>
           </a:p>
@@ -6502,7 +6422,7 @@
         </p:blipFill>
         <p:spPr>
           <a:xfrm>
-            <a:off x="6780564" y="4056672"/>
+            <a:off x="913164" y="4515749"/>
             <a:ext cx="4319365" cy="1418490"/>
           </a:xfrm>
           <a:prstGeom prst="rect">
@@ -6521,8 +6441,8 @@
         </p:nvSpPr>
         <p:spPr>
           <a:xfrm>
-            <a:off x="8339723" y="3805676"/>
-            <a:ext cx="397545" cy="189796"/>
+            <a:off x="2510201" y="4095121"/>
+            <a:ext cx="3115899" cy="420628"/>
           </a:xfrm>
           <a:prstGeom prst="rect">
             <a:avLst/>
@@ -6537,13 +6457,13 @@
           </a:extLst>
         </p:spPr>
         <p:txBody>
-          <a:bodyPr wrap="none" lIns="25400" tIns="25400" rIns="25400" bIns="25400" anchor="ctr">
+          <a:bodyPr wrap="square" lIns="25400" tIns="25400" rIns="25400" bIns="25400" anchor="ctr">
             <a:spAutoFit/>
           </a:bodyPr>
           <a:lstStyle/>
           <a:p>
             <a:r>
-              <a:rPr sz="900"/>
+              <a:rPr sz="2400" dirty="0"/>
               <a:t>Correct</a:t>
             </a:r>
           </a:p>
@@ -6565,7 +6485,7 @@
         </p:blipFill>
         <p:spPr>
           <a:xfrm>
-            <a:off x="6799983" y="1896956"/>
+            <a:off x="6635509" y="4515749"/>
             <a:ext cx="4239032" cy="1847521"/>
           </a:xfrm>
           <a:prstGeom prst="rect">
@@ -6592,8 +6512,8 @@
         </p:blipFill>
         <p:spPr>
           <a:xfrm>
-            <a:off x="465672" y="1948332"/>
-            <a:ext cx="5758042" cy="1128729"/>
+            <a:off x="668191" y="1545228"/>
+            <a:ext cx="8422998" cy="1651131"/>
           </a:xfrm>
           <a:prstGeom prst="rect">
             <a:avLst/>
@@ -6867,10 +6787,9 @@
               <a:t>Sublow</a:t>
             </a:r>
             <a:r>
-              <a:rPr lang="en-US"/>
+              <a:rPr lang="en-US" dirty="0"/>
               <a:t>, Negative)</a:t>
             </a:r>
-            <a:endParaRPr lang="en-US" dirty="0"/>
           </a:p>
         </p:txBody>
       </p:sp>
@@ -7006,8 +6925,8 @@
         </p:nvSpPr>
         <p:spPr>
           <a:xfrm>
-            <a:off x="4289069" y="289241"/>
-            <a:ext cx="2457404" cy="189796"/>
+            <a:off x="1793925" y="212553"/>
+            <a:ext cx="8604150" cy="543739"/>
           </a:xfrm>
           <a:prstGeom prst="rect">
             <a:avLst/>
@@ -7028,7 +6947,7 @@
           <a:lstStyle/>
           <a:p>
             <a:r>
-              <a:rPr sz="900"/>
+              <a:rPr sz="3200" dirty="0"/>
               <a:t>We can use the same approach to look at PCA plots</a:t>
             </a:r>
           </a:p>
@@ -7050,7 +6969,7 @@
         </p:blipFill>
         <p:spPr>
           <a:xfrm>
-            <a:off x="1991197" y="674701"/>
+            <a:off x="1965797" y="1144746"/>
             <a:ext cx="9271150" cy="699710"/>
           </a:xfrm>
           <a:prstGeom prst="rect">
@@ -7257,42 +7176,6 @@
           </a:p>
         </p:txBody>
       </p:sp>
-      <p:sp>
-        <p:nvSpPr>
-          <p:cNvPr id="778" name="We can use the same approach to look at PCA plots"/>
-          <p:cNvSpPr txBox="1"/>
-          <p:nvPr/>
-        </p:nvSpPr>
-        <p:spPr>
-          <a:xfrm>
-            <a:off x="4289069" y="289241"/>
-            <a:ext cx="2457404" cy="189796"/>
-          </a:xfrm>
-          <a:prstGeom prst="rect">
-            <a:avLst/>
-          </a:prstGeom>
-          <a:ln w="12700">
-            <a:miter lim="400000"/>
-          </a:ln>
-          <a:extLst>
-            <a:ext uri="{C572A759-6A51-4108-AA02-DFA0A04FC94B}">
-              <ma14:wrappingTextBoxFlag xmlns="" xmlns:m="http://schemas.openxmlformats.org/officeDocument/2006/math" xmlns:a14="http://schemas.microsoft.com/office/drawing/2010/main" xmlns:ma14="http://schemas.microsoft.com/office/mac/drawingml/2011/main" val="1"/>
-            </a:ext>
-          </a:extLst>
-        </p:spPr>
-        <p:txBody>
-          <a:bodyPr wrap="none" lIns="25400" tIns="25400" rIns="25400" bIns="25400" anchor="ctr">
-            <a:spAutoFit/>
-          </a:bodyPr>
-          <a:lstStyle/>
-          <a:p>
-            <a:r>
-              <a:rPr sz="900"/>
-              <a:t>We can use the same approach to look at PCA plots</a:t>
-            </a:r>
-          </a:p>
-        </p:txBody>
-      </p:sp>
       <p:pic>
         <p:nvPicPr>
           <p:cNvPr id="779" name="Image" descr="Image"/>
@@ -7309,8 +7192,8 @@
         </p:blipFill>
         <p:spPr>
           <a:xfrm>
-            <a:off x="2553596" y="765087"/>
-            <a:ext cx="6637734" cy="500962"/>
+            <a:off x="153967" y="793954"/>
+            <a:ext cx="11884065" cy="896912"/>
           </a:xfrm>
           <a:prstGeom prst="rect">
             <a:avLst/>
@@ -7374,6 +7257,48 @@
           </a:ln>
         </p:spPr>
       </p:pic>
+      <p:sp>
+        <p:nvSpPr>
+          <p:cNvPr id="9" name="We can use the same approach to look at PCA plots">
+            <a:extLst>
+              <a:ext uri="{FF2B5EF4-FFF2-40B4-BE49-F238E27FC236}">
+                <a16:creationId xmlns:a16="http://schemas.microsoft.com/office/drawing/2014/main" id="{14618E55-8FB2-63DC-8CCF-9661D2928458}"/>
+              </a:ext>
+            </a:extLst>
+          </p:cNvPr>
+          <p:cNvSpPr txBox="1"/>
+          <p:nvPr/>
+        </p:nvSpPr>
+        <p:spPr>
+          <a:xfrm>
+            <a:off x="1793925" y="212553"/>
+            <a:ext cx="8604150" cy="543739"/>
+          </a:xfrm>
+          <a:prstGeom prst="rect">
+            <a:avLst/>
+          </a:prstGeom>
+          <a:ln w="12700">
+            <a:miter lim="400000"/>
+          </a:ln>
+          <a:extLst>
+            <a:ext uri="{C572A759-6A51-4108-AA02-DFA0A04FC94B}">
+              <ma14:wrappingTextBoxFlag xmlns="" xmlns:m="http://schemas.openxmlformats.org/officeDocument/2006/math" xmlns:a14="http://schemas.microsoft.com/office/drawing/2010/main" xmlns:ma14="http://schemas.microsoft.com/office/mac/drawingml/2011/main" val="1"/>
+            </a:ext>
+          </a:extLst>
+        </p:spPr>
+        <p:txBody>
+          <a:bodyPr wrap="none" lIns="25400" tIns="25400" rIns="25400" bIns="25400" anchor="ctr">
+            <a:spAutoFit/>
+          </a:bodyPr>
+          <a:lstStyle/>
+          <a:p>
+            <a:r>
+              <a:rPr sz="3200" dirty="0"/>
+              <a:t>We can use the same approach to look at PCA plots</a:t>
+            </a:r>
+          </a:p>
+        </p:txBody>
+      </p:sp>
     </p:spTree>
   </p:cSld>
   <p:clrMapOvr>
@@ -7415,8 +7340,8 @@
         </p:blipFill>
         <p:spPr>
           <a:xfrm>
-            <a:off x="6870139" y="2097736"/>
-            <a:ext cx="4021884" cy="2961426"/>
+            <a:off x="6500600" y="2232981"/>
+            <a:ext cx="4529523" cy="3335215"/>
           </a:xfrm>
           <a:prstGeom prst="rect">
             <a:avLst/>
@@ -7434,8 +7359,8 @@
         </p:nvSpPr>
         <p:spPr>
           <a:xfrm>
-            <a:off x="8215237" y="1714362"/>
-            <a:ext cx="714939" cy="189796"/>
+            <a:off x="7961237" y="1425049"/>
+            <a:ext cx="1510413" cy="359073"/>
           </a:xfrm>
           <a:prstGeom prst="rect">
             <a:avLst/>
@@ -7456,7 +7381,7 @@
           <a:lstStyle/>
           <a:p>
             <a:r>
-              <a:rPr sz="900"/>
+              <a:rPr sz="2000" dirty="0"/>
               <a:t>SVA corrected</a:t>
             </a:r>
           </a:p>
@@ -7478,8 +7403,8 @@
         </p:blipFill>
         <p:spPr>
           <a:xfrm>
-            <a:off x="1716890" y="2145145"/>
-            <a:ext cx="3974512" cy="2866607"/>
+            <a:off x="1364847" y="2232981"/>
+            <a:ext cx="4529525" cy="3266909"/>
           </a:xfrm>
           <a:prstGeom prst="rect">
             <a:avLst/>
@@ -7497,8 +7422,8 @@
         </p:nvSpPr>
         <p:spPr>
           <a:xfrm>
-            <a:off x="3241167" y="494006"/>
-            <a:ext cx="4933595" cy="420628"/>
+            <a:off x="3241167" y="432451"/>
+            <a:ext cx="6556282" cy="543739"/>
           </a:xfrm>
           <a:prstGeom prst="rect">
             <a:avLst/>
@@ -7523,7 +7448,7 @@
           </a:lstStyle>
           <a:p>
             <a:r>
-              <a:rPr sz="2400"/>
+              <a:rPr sz="3200" dirty="0"/>
               <a:t>Did our class data have a batch effect?</a:t>
             </a:r>
           </a:p>
@@ -7537,8 +7462,8 @@
         </p:nvSpPr>
         <p:spPr>
           <a:xfrm>
-            <a:off x="3295858" y="1834364"/>
-            <a:ext cx="419987" cy="189796"/>
+            <a:off x="2889385" y="1450187"/>
+            <a:ext cx="867225" cy="359073"/>
           </a:xfrm>
           <a:prstGeom prst="rect">
             <a:avLst/>
@@ -7559,7 +7484,7 @@
           <a:lstStyle/>
           <a:p>
             <a:r>
-              <a:rPr sz="900"/>
+              <a:rPr sz="2000" dirty="0"/>
               <a:t>Original</a:t>
             </a:r>
           </a:p>
@@ -7705,7 +7630,7 @@
       </p:sp>
       <p:pic>
         <p:nvPicPr>
-          <p:cNvPr id="792" name="Image" descr="Image"/>
+          <p:cNvPr id="793" name="Image" descr="Image"/>
           <p:cNvPicPr>
             <a:picLocks noChangeAspect="1"/>
           </p:cNvPicPr>
@@ -7719,8 +7644,8 @@
         </p:blipFill>
         <p:spPr>
           <a:xfrm>
-            <a:off x="2953320" y="1459056"/>
-            <a:ext cx="6358195" cy="1594130"/>
+            <a:off x="909895" y="1742942"/>
+            <a:ext cx="10372210" cy="833003"/>
           </a:xfrm>
           <a:prstGeom prst="rect">
             <a:avLst/>
@@ -7732,7 +7657,7 @@
       </p:pic>
       <p:pic>
         <p:nvPicPr>
-          <p:cNvPr id="793" name="Image" descr="Image"/>
+          <p:cNvPr id="794" name="Image" descr="Image"/>
           <p:cNvPicPr>
             <a:picLocks noChangeAspect="1"/>
           </p:cNvPicPr>
@@ -7746,8 +7671,8 @@
         </p:blipFill>
         <p:spPr>
           <a:xfrm>
-            <a:off x="2972615" y="3277935"/>
-            <a:ext cx="6358195" cy="510633"/>
+            <a:off x="909895" y="2698638"/>
+            <a:ext cx="7917325" cy="1098661"/>
           </a:xfrm>
           <a:prstGeom prst="rect">
             <a:avLst/>
@@ -7759,7 +7684,7 @@
       </p:pic>
       <p:pic>
         <p:nvPicPr>
-          <p:cNvPr id="794" name="Image" descr="Image"/>
+          <p:cNvPr id="795" name="Image" descr="Image"/>
           <p:cNvPicPr>
             <a:picLocks noChangeAspect="1"/>
           </p:cNvPicPr>
@@ -7773,35 +7698,8 @@
         </p:blipFill>
         <p:spPr>
           <a:xfrm>
-            <a:off x="2971958" y="4013316"/>
-            <a:ext cx="5471587" cy="759274"/>
-          </a:xfrm>
-          <a:prstGeom prst="rect">
-            <a:avLst/>
-          </a:prstGeom>
-          <a:ln w="12700">
-            <a:miter lim="400000"/>
-          </a:ln>
-        </p:spPr>
-      </p:pic>
-      <p:pic>
-        <p:nvPicPr>
-          <p:cNvPr id="795" name="Image" descr="Image"/>
-          <p:cNvPicPr>
-            <a:picLocks noChangeAspect="1"/>
-          </p:cNvPicPr>
-          <p:nvPr/>
-        </p:nvPicPr>
-        <p:blipFill>
-          <a:blip r:embed="rId5"/>
-          <a:stretch>
-            <a:fillRect/>
-          </a:stretch>
-        </p:blipFill>
-        <p:spPr>
-          <a:xfrm>
-            <a:off x="2900681" y="4997338"/>
-            <a:ext cx="8516107" cy="401607"/>
+            <a:off x="909895" y="4054046"/>
+            <a:ext cx="9669935" cy="456019"/>
           </a:xfrm>
           <a:prstGeom prst="rect">
             <a:avLst/>
@@ -7927,7 +7825,7 @@
         </p:blipFill>
         <p:spPr>
           <a:xfrm>
-            <a:off x="1776103" y="2910758"/>
+            <a:off x="899381" y="2219478"/>
             <a:ext cx="9114154" cy="840416"/>
           </a:xfrm>
           <a:prstGeom prst="rect">
@@ -7946,7 +7844,7 @@
         </p:nvSpPr>
         <p:spPr>
           <a:xfrm>
-            <a:off x="2018935" y="3798106"/>
+            <a:off x="899381" y="3192813"/>
             <a:ext cx="7083068" cy="605294"/>
           </a:xfrm>
           <a:prstGeom prst="rect">
@@ -7972,8 +7870,24 @@
           </a:lstStyle>
           <a:p>
             <a:r>
-              <a:rPr sz="1800"/>
-              <a:t>Since we are using the Wald test the logfoldchanges here are interpretable as the logfoldchanges between groups. </a:t>
+              <a:rPr sz="1800" dirty="0"/>
+              <a:t>Since we are using the Wald test the </a:t>
+            </a:r>
+            <a:r>
+              <a:rPr sz="1800" dirty="0" err="1"/>
+              <a:t>logfoldchanges</a:t>
+            </a:r>
+            <a:r>
+              <a:rPr sz="1800" dirty="0"/>
+              <a:t> here are interpretable as the </a:t>
+            </a:r>
+            <a:r>
+              <a:rPr sz="1800" dirty="0" err="1"/>
+              <a:t>logfoldchanges</a:t>
+            </a:r>
+            <a:r>
+              <a:rPr sz="1800" dirty="0"/>
+              <a:t> between groups. </a:t>
             </a:r>
           </a:p>
         </p:txBody>
@@ -8278,8 +8192,8 @@
         </p:nvSpPr>
         <p:spPr>
           <a:xfrm>
-            <a:off x="2726436" y="3351600"/>
-            <a:ext cx="12343379" cy="1159292"/>
+            <a:off x="1394590" y="4254784"/>
+            <a:ext cx="9626225" cy="913070"/>
           </a:xfrm>
           <a:prstGeom prst="rect">
             <a:avLst/>
@@ -8303,6 +8217,7 @@
               <a:defRPr sz="3600"/>
             </a:pPr>
             <a:r>
+              <a:rPr sz="2800" dirty="0"/>
               <a:t>This could be useful if you don’t have a true reference population </a:t>
             </a:r>
           </a:p>
@@ -8311,6 +8226,7 @@
               <a:defRPr sz="3600"/>
             </a:pPr>
             <a:r>
+              <a:rPr sz="2800" dirty="0"/>
               <a:t>e.g. comparing a group of different cell types for example</a:t>
             </a:r>
           </a:p>
@@ -8349,7 +8265,7 @@
         </p:nvSpPr>
         <p:spPr>
           <a:xfrm>
-            <a:off x="1024080" y="667806"/>
+            <a:off x="1587105" y="312206"/>
             <a:ext cx="9017790" cy="420628"/>
           </a:xfrm>
           <a:prstGeom prst="rect">
@@ -8375,7 +8291,7 @@
           </a:lstStyle>
           <a:p>
             <a:r>
-              <a:rPr sz="2400"/>
+              <a:rPr sz="2400" dirty="0"/>
               <a:t>Another way of comparing multiple groups: Likelihood Ratio Test (LRT)</a:t>
             </a:r>
           </a:p>
@@ -8389,7 +8305,7 @@
         </p:nvSpPr>
         <p:spPr>
           <a:xfrm>
-            <a:off x="3000070" y="2350956"/>
+            <a:off x="3050870" y="777990"/>
             <a:ext cx="5487977" cy="328295"/>
           </a:xfrm>
           <a:prstGeom prst="rect">
@@ -8415,7 +8331,7 @@
           </a:lstStyle>
           <a:p>
             <a:r>
-              <a:rPr sz="1800"/>
+              <a:rPr sz="1800" dirty="0"/>
               <a:t>Is there a difference between the full and reduced model</a:t>
             </a:r>
           </a:p>
@@ -8429,7 +8345,7 @@
         </p:nvSpPr>
         <p:spPr>
           <a:xfrm>
-            <a:off x="5217605" y="2849354"/>
+            <a:off x="4519767" y="1315273"/>
             <a:ext cx="3152466" cy="1159292"/>
           </a:xfrm>
           <a:prstGeom prst="rect">
@@ -8454,6 +8370,7 @@
               <a:defRPr sz="3600"/>
             </a:pPr>
             <a:r>
+              <a:rPr dirty="0"/>
               <a:t>Full:  ~ condition</a:t>
             </a:r>
           </a:p>
@@ -8462,6 +8379,7 @@
               <a:defRPr sz="3600"/>
             </a:pPr>
             <a:r>
+              <a:rPr dirty="0"/>
               <a:t>Reduced:  ~ 1 </a:t>
             </a:r>
           </a:p>
@@ -8475,8 +8393,8 @@
         </p:nvSpPr>
         <p:spPr>
           <a:xfrm>
-            <a:off x="2745810" y="2363351"/>
-            <a:ext cx="7692743" cy="5591274"/>
+            <a:off x="2912152" y="3280570"/>
+            <a:ext cx="7692743" cy="2205732"/>
           </a:xfrm>
           <a:prstGeom prst="rect">
             <a:avLst/>
@@ -8500,6 +8418,7 @@
               <a:defRPr sz="3600"/>
             </a:pPr>
             <a:r>
+              <a:rPr sz="2000" dirty="0"/>
               <a:t>A significant p-value is telling you that the full model has more information than the reduced.</a:t>
             </a:r>
           </a:p>
@@ -8508,6 +8427,7 @@
               <a:defRPr sz="3600"/>
             </a:pPr>
             <a:r>
+              <a:rPr sz="2000" dirty="0"/>
               <a:t> It is not telling you what that difference is</a:t>
             </a:r>
           </a:p>
@@ -8515,14 +8435,23 @@
             <a:pPr algn="l">
               <a:defRPr sz="3600"/>
             </a:pPr>
-            <a:endParaRPr/>
+            <a:endParaRPr sz="2000" dirty="0"/>
           </a:p>
           <a:p>
             <a:pPr algn="l">
               <a:defRPr sz="3600"/>
             </a:pPr>
             <a:r>
-              <a:t>You can extract the logFoldChanges using the same approach as before for specific comparisons, but the p-values always will come from the above comparison</a:t>
+              <a:rPr sz="2000" dirty="0"/>
+              <a:t>You can extract the </a:t>
+            </a:r>
+            <a:r>
+              <a:rPr sz="2000" dirty="0" err="1"/>
+              <a:t>logFoldChanges</a:t>
+            </a:r>
+            <a:r>
+              <a:rPr sz="2000" dirty="0"/>
+              <a:t> using the same approach as before for specific comparisons, but the p-values always will come from the above comparison</a:t>
             </a:r>
           </a:p>
         </p:txBody>
@@ -8654,8 +8583,8 @@
         </p:nvSpPr>
         <p:spPr>
           <a:xfrm>
-            <a:off x="966185" y="3237883"/>
-            <a:ext cx="9356318" cy="3594061"/>
+            <a:off x="966185" y="4308464"/>
+            <a:ext cx="9356318" cy="1452898"/>
           </a:xfrm>
           <a:prstGeom prst="rect">
             <a:avLst/>
@@ -8682,7 +8611,16 @@
               <a:defRPr sz="3600"/>
             </a:pPr>
             <a:r>
-              <a:t>The pvalues reported by LRT are for the comparison of the models (and are the same for any contrast you specify)</a:t>
+              <a:rPr sz="2400" dirty="0"/>
+              <a:t>The </a:t>
+            </a:r>
+            <a:r>
+              <a:rPr sz="2400" dirty="0" err="1"/>
+              <a:t>pvalues</a:t>
+            </a:r>
+            <a:r>
+              <a:rPr sz="2400" dirty="0"/>
+              <a:t> reported by LRT are for the comparison of the models (and are the same for any contrast you specify)</a:t>
             </a:r>
           </a:p>
           <a:p>
@@ -8693,6 +8631,7 @@
               <a:defRPr sz="3600"/>
             </a:pPr>
             <a:r>
+              <a:rPr sz="2400" dirty="0"/>
               <a:t>Fold changes will be specific to one comparison (here NS vs Brg1)</a:t>
             </a:r>
           </a:p>
@@ -9163,8 +9102,8 @@
         </p:nvSpPr>
         <p:spPr>
           <a:xfrm>
-            <a:off x="5019719" y="557335"/>
-            <a:ext cx="2066656" cy="420628"/>
+            <a:off x="5019719" y="465002"/>
+            <a:ext cx="3074240" cy="605294"/>
           </a:xfrm>
           <a:prstGeom prst="rect">
             <a:avLst/>
@@ -9189,7 +9128,7 @@
           </a:lstStyle>
           <a:p>
             <a:r>
-              <a:rPr sz="2400"/>
+              <a:rPr sz="3600" dirty="0"/>
               <a:t>Multiple effects</a:t>
             </a:r>
           </a:p>
@@ -9204,7 +9143,7 @@
         <p:spPr>
           <a:xfrm>
             <a:off x="1126246" y="1553829"/>
-            <a:ext cx="17844821" cy="1159292"/>
+            <a:ext cx="10684754" cy="1159292"/>
           </a:xfrm>
           <a:prstGeom prst="rect">
             <a:avLst/>
@@ -9219,7 +9158,7 @@
           </a:extLst>
         </p:spPr>
         <p:txBody>
-          <a:bodyPr wrap="none" lIns="25400" tIns="25400" rIns="25400" bIns="25400" anchor="ctr">
+          <a:bodyPr wrap="square" lIns="25400" tIns="25400" rIns="25400" bIns="25400" anchor="ctr">
             <a:spAutoFit/>
           </a:bodyPr>
           <a:lstStyle/>
@@ -9228,6 +9167,7 @@
               <a:defRPr sz="3600"/>
             </a:pPr>
             <a:r>
+              <a:rPr sz="2400" dirty="0"/>
               <a:t>What if you have genotype and treatment information ? </a:t>
             </a:r>
           </a:p>
@@ -9236,7 +9176,16 @@
               <a:defRPr sz="3600"/>
             </a:pPr>
             <a:r>
-              <a:t>For example, you have WT and KO animals and they were treated with DrugA or Vehicle control</a:t>
+              <a:rPr sz="2400" dirty="0"/>
+              <a:t>For example, you have WT and KO animals and they were treated with </a:t>
+            </a:r>
+            <a:r>
+              <a:rPr sz="2400" dirty="0" err="1"/>
+              <a:t>DrugA</a:t>
+            </a:r>
+            <a:r>
+              <a:rPr sz="2400" dirty="0"/>
+              <a:t> or Vehicle control</a:t>
             </a:r>
           </a:p>
         </p:txBody>
@@ -9249,8 +9198,8 @@
         </p:nvSpPr>
         <p:spPr>
           <a:xfrm>
-            <a:off x="5228354" y="4006972"/>
-            <a:ext cx="1301638" cy="189796"/>
+            <a:off x="4715827" y="3612789"/>
+            <a:ext cx="3378132" cy="420628"/>
           </a:xfrm>
           <a:prstGeom prst="rect">
             <a:avLst/>
@@ -9265,13 +9214,13 @@
           </a:extLst>
         </p:spPr>
         <p:txBody>
-          <a:bodyPr wrap="none" lIns="25400" tIns="25400" rIns="25400" bIns="25400" anchor="ctr">
+          <a:bodyPr wrap="square" lIns="25400" tIns="25400" rIns="25400" bIns="25400" anchor="ctr">
             <a:spAutoFit/>
           </a:bodyPr>
           <a:lstStyle/>
           <a:p>
             <a:r>
-              <a:rPr sz="900"/>
+              <a:rPr sz="2400" dirty="0"/>
               <a:t>  = ~ genotype + treatment</a:t>
             </a:r>
           </a:p>
@@ -9285,8 +9234,8 @@
         </p:nvSpPr>
         <p:spPr>
           <a:xfrm>
-            <a:off x="5030114" y="3334102"/>
-            <a:ext cx="1418658" cy="189796"/>
+            <a:off x="4603507" y="2817575"/>
+            <a:ext cx="2763321" cy="328295"/>
           </a:xfrm>
           <a:prstGeom prst="rect">
             <a:avLst/>
@@ -9311,7 +9260,7 @@
           </a:lstStyle>
           <a:p>
             <a:r>
-              <a:rPr sz="900"/>
+              <a:rPr dirty="0"/>
               <a:t>Depends on your questions?</a:t>
             </a:r>
           </a:p>
@@ -9325,8 +9274,8 @@
         </p:nvSpPr>
         <p:spPr>
           <a:xfrm>
-            <a:off x="4607662" y="3759144"/>
-            <a:ext cx="2087110" cy="189796"/>
+            <a:off x="4570741" y="3158908"/>
+            <a:ext cx="4110036" cy="328295"/>
           </a:xfrm>
           <a:prstGeom prst="rect">
             <a:avLst/>
@@ -9347,7 +9296,7 @@
           <a:lstStyle/>
           <a:p>
             <a:r>
-              <a:rPr sz="900"/>
+              <a:rPr dirty="0"/>
               <a:t>What genes are affected by drug treatment</a:t>
             </a:r>
           </a:p>
@@ -9361,8 +9310,8 @@
         </p:nvSpPr>
         <p:spPr>
           <a:xfrm>
-            <a:off x="4591818" y="4780506"/>
-            <a:ext cx="1809791" cy="189796"/>
+            <a:off x="3145589" y="4528123"/>
+            <a:ext cx="4715522" cy="420628"/>
           </a:xfrm>
           <a:prstGeom prst="rect">
             <a:avLst/>
@@ -9383,7 +9332,7 @@
           <a:lstStyle/>
           <a:p>
             <a:r>
-              <a:rPr sz="900"/>
+              <a:rPr sz="2400" dirty="0"/>
               <a:t>What genes are affected by genotype</a:t>
             </a:r>
           </a:p>
@@ -9397,8 +9346,8 @@
         </p:nvSpPr>
         <p:spPr>
           <a:xfrm>
-            <a:off x="2400681" y="4261286"/>
-            <a:ext cx="4922823" cy="189796"/>
+            <a:off x="369495" y="4169660"/>
+            <a:ext cx="11231344" cy="328295"/>
           </a:xfrm>
           <a:prstGeom prst="rect">
             <a:avLst/>
@@ -9423,9 +9372,38 @@
           </a:lstStyle>
           <a:p>
             <a:r>
-              <a:rPr sz="900"/>
-              <a:t>Specify which contrast you want in results (e.g. results(dds, contrast = c(‘treatment’, ‘drug’, ‘vehicle’) </a:t>
-            </a:r>
+              <a:rPr dirty="0"/>
+              <a:t>Specify which contrast you want in results (e.g. </a:t>
+            </a:r>
+            <a:r>
+              <a:rPr lang="en-US" dirty="0" err="1"/>
+              <a:t>lfcShrink</a:t>
+            </a:r>
+            <a:r>
+              <a:rPr dirty="0"/>
+              <a:t>(</a:t>
+            </a:r>
+            <a:r>
+              <a:rPr dirty="0" err="1"/>
+              <a:t>dds</a:t>
+            </a:r>
+            <a:r>
+              <a:rPr dirty="0"/>
+              <a:t>, contrast = c(‘treatment’, ‘drug’, ‘vehicle’) </a:t>
+            </a:r>
+            <a:r>
+              <a:rPr lang="en-US" dirty="0"/>
+              <a:t>, type   = ‘</a:t>
+            </a:r>
+            <a:r>
+              <a:rPr lang="en-US" dirty="0" err="1"/>
+              <a:t>ashr</a:t>
+            </a:r>
+            <a:r>
+              <a:rPr lang="en-US" dirty="0"/>
+              <a:t>’)</a:t>
+            </a:r>
+            <a:endParaRPr dirty="0"/>
           </a:p>
         </p:txBody>
       </p:sp>
@@ -9437,8 +9415,8 @@
         </p:nvSpPr>
         <p:spPr>
           <a:xfrm>
-            <a:off x="2676950" y="5018527"/>
-            <a:ext cx="4626266" cy="189796"/>
+            <a:off x="369495" y="5503697"/>
+            <a:ext cx="10534872" cy="328295"/>
           </a:xfrm>
           <a:prstGeom prst="rect">
             <a:avLst/>
@@ -9463,9 +9441,88 @@
           </a:lstStyle>
           <a:p>
             <a:r>
-              <a:rPr sz="900"/>
-              <a:t>Specify which contrast you want in results (e.g. results(dds, contrast = c(‘genotype’, ‘KO’, ‘WT’) </a:t>
-            </a:r>
+              <a:rPr dirty="0"/>
+              <a:t>Specify which contrast you want in results (e.g. </a:t>
+            </a:r>
+            <a:r>
+              <a:rPr lang="en-US" dirty="0" err="1"/>
+              <a:t>lfcShrink</a:t>
+            </a:r>
+            <a:r>
+              <a:rPr dirty="0"/>
+              <a:t>(</a:t>
+            </a:r>
+            <a:r>
+              <a:rPr dirty="0" err="1"/>
+              <a:t>dds</a:t>
+            </a:r>
+            <a:r>
+              <a:rPr dirty="0"/>
+              <a:t>, contrast = c(‘genotype’, ‘KO’, ‘WT’)</a:t>
+            </a:r>
+            <a:r>
+              <a:rPr lang="en-US" dirty="0"/>
+              <a:t>, type = ‘</a:t>
+            </a:r>
+            <a:r>
+              <a:rPr lang="en-US" dirty="0" err="1"/>
+              <a:t>ashr</a:t>
+            </a:r>
+            <a:r>
+              <a:rPr lang="en-US" dirty="0"/>
+              <a:t>’)</a:t>
+            </a:r>
+            <a:r>
+              <a:rPr dirty="0"/>
+              <a:t> </a:t>
+            </a:r>
+          </a:p>
+        </p:txBody>
+      </p:sp>
+      <p:sp>
+        <p:nvSpPr>
+          <p:cNvPr id="10" name="= ~ genotype + treatment">
+            <a:extLst>
+              <a:ext uri="{FF2B5EF4-FFF2-40B4-BE49-F238E27FC236}">
+                <a16:creationId xmlns:a16="http://schemas.microsoft.com/office/drawing/2014/main" id="{243A4D4F-46F3-F20B-AE79-7FD8CB6CD504}"/>
+              </a:ext>
+            </a:extLst>
+          </p:cNvPr>
+          <p:cNvSpPr txBox="1"/>
+          <p:nvPr/>
+        </p:nvSpPr>
+        <p:spPr>
+          <a:xfrm>
+            <a:off x="4570741" y="5015910"/>
+            <a:ext cx="3378132" cy="420628"/>
+          </a:xfrm>
+          <a:prstGeom prst="rect">
+            <a:avLst/>
+          </a:prstGeom>
+          <a:ln w="12700">
+            <a:miter lim="400000"/>
+          </a:ln>
+          <a:extLst>
+            <a:ext uri="{C572A759-6A51-4108-AA02-DFA0A04FC94B}">
+              <ma14:wrappingTextBoxFlag xmlns="" xmlns:m="http://schemas.openxmlformats.org/officeDocument/2006/math" xmlns:a14="http://schemas.microsoft.com/office/drawing/2010/main" xmlns:ma14="http://schemas.microsoft.com/office/mac/drawingml/2011/main" val="1"/>
+            </a:ext>
+          </a:extLst>
+        </p:spPr>
+        <p:txBody>
+          <a:bodyPr wrap="square" lIns="25400" tIns="25400" rIns="25400" bIns="25400" anchor="ctr">
+            <a:spAutoFit/>
+          </a:bodyPr>
+          <a:lstStyle/>
+          <a:p>
+            <a:r>
+              <a:rPr sz="2400" dirty="0"/>
+              <a:t>  = ~ treatment</a:t>
+            </a:r>
+            <a:r>
+              <a:rPr lang="en-US" sz="2400" dirty="0"/>
+              <a:t> + genotype</a:t>
+            </a:r>
+            <a:endParaRPr sz="2400" dirty="0"/>
           </a:p>
         </p:txBody>
       </p:sp>
@@ -9496,14 +9553,14 @@
       </p:grpSpPr>
       <p:sp>
         <p:nvSpPr>
-          <p:cNvPr id="835" name="Multiple effects"/>
+          <p:cNvPr id="845" name="A concrete example"/>
           <p:cNvSpPr txBox="1"/>
           <p:nvPr/>
         </p:nvSpPr>
         <p:spPr>
           <a:xfrm>
-            <a:off x="5019719" y="557335"/>
-            <a:ext cx="2066656" cy="420628"/>
+            <a:off x="4577563" y="145579"/>
+            <a:ext cx="2632516" cy="420628"/>
           </a:xfrm>
           <a:prstGeom prst="rect">
             <a:avLst/>
@@ -9529,21 +9586,21 @@
           <a:p>
             <a:r>
               <a:rPr sz="2400"/>
-              <a:t>Multiple effects</a:t>
-            </a:r>
-          </a:p>
-        </p:txBody>
-      </p:sp>
-      <p:sp>
-        <p:nvSpPr>
-          <p:cNvPr id="836" name="What if you have genotype and treatment information ?…"/>
+              <a:t>A concrete example </a:t>
+            </a:r>
+          </a:p>
+        </p:txBody>
+      </p:sp>
+      <p:sp>
+        <p:nvSpPr>
+          <p:cNvPr id="846" name="WT vs ARID2 KO"/>
           <p:cNvSpPr txBox="1"/>
           <p:nvPr/>
         </p:nvSpPr>
         <p:spPr>
           <a:xfrm>
-            <a:off x="1126246" y="1553829"/>
-            <a:ext cx="17844821" cy="1159292"/>
+            <a:off x="5487314" y="1104593"/>
+            <a:ext cx="807913" cy="189796"/>
           </a:xfrm>
           <a:prstGeom prst="rect">
             <a:avLst/>
@@ -9563,33 +9620,377 @@
           </a:bodyPr>
           <a:lstStyle/>
           <a:p>
-            <a:pPr>
-              <a:defRPr sz="3600"/>
-            </a:pPr>
-            <a:r>
-              <a:t>What if you have genotype and treatment information ? </a:t>
-            </a:r>
-          </a:p>
-          <a:p>
-            <a:pPr>
-              <a:defRPr sz="3600"/>
-            </a:pPr>
-            <a:r>
-              <a:t>For example, you have WT and KO animals and they were treated with DrugA or Vehicle control</a:t>
-            </a:r>
-          </a:p>
-        </p:txBody>
-      </p:sp>
-      <p:sp>
-        <p:nvSpPr>
-          <p:cNvPr id="837" name="Depends on your questions?"/>
+            <a:r>
+              <a:rPr sz="900"/>
+              <a:t>WT vs ARID2 KO</a:t>
+            </a:r>
+          </a:p>
+        </p:txBody>
+      </p:sp>
+      <p:sp>
+        <p:nvSpPr>
+          <p:cNvPr id="847" name="Line"/>
+          <p:cNvSpPr/>
+          <p:nvPr/>
+        </p:nvSpPr>
+        <p:spPr>
+          <a:xfrm flipH="1">
+            <a:off x="4024515" y="1376391"/>
+            <a:ext cx="1904628" cy="891319"/>
+          </a:xfrm>
+          <a:prstGeom prst="line">
+            <a:avLst/>
+          </a:prstGeom>
+          <a:ln w="25400">
+            <a:solidFill>
+              <a:srgbClr val="000000"/>
+            </a:solidFill>
+            <a:miter lim="400000"/>
+            <a:tailEnd type="triangle"/>
+          </a:ln>
+        </p:spPr>
+        <p:txBody>
+          <a:bodyPr lIns="25400" tIns="25400" rIns="25400" bIns="25400" anchor="ctr"/>
+          <a:lstStyle/>
+          <a:p>
+            <a:endParaRPr sz="900"/>
+          </a:p>
+        </p:txBody>
+      </p:sp>
+      <p:sp>
+        <p:nvSpPr>
+          <p:cNvPr id="848" name="Line"/>
+          <p:cNvSpPr/>
+          <p:nvPr/>
+        </p:nvSpPr>
+        <p:spPr>
+          <a:xfrm flipH="1">
+            <a:off x="5499325" y="1439891"/>
+            <a:ext cx="493318" cy="1102928"/>
+          </a:xfrm>
+          <a:prstGeom prst="line">
+            <a:avLst/>
+          </a:prstGeom>
+          <a:ln w="25400">
+            <a:solidFill>
+              <a:srgbClr val="000000"/>
+            </a:solidFill>
+            <a:miter lim="400000"/>
+            <a:tailEnd type="triangle"/>
+          </a:ln>
+        </p:spPr>
+        <p:txBody>
+          <a:bodyPr lIns="25400" tIns="25400" rIns="25400" bIns="25400" anchor="ctr"/>
+          <a:lstStyle/>
+          <a:p>
+            <a:endParaRPr sz="900"/>
+          </a:p>
+        </p:txBody>
+      </p:sp>
+      <p:sp>
+        <p:nvSpPr>
+          <p:cNvPr id="849" name="Line"/>
+          <p:cNvSpPr/>
+          <p:nvPr/>
+        </p:nvSpPr>
+        <p:spPr>
+          <a:xfrm>
+            <a:off x="6287128" y="1491321"/>
+            <a:ext cx="693280" cy="1001005"/>
+          </a:xfrm>
+          <a:prstGeom prst="line">
+            <a:avLst/>
+          </a:prstGeom>
+          <a:ln w="25400">
+            <a:solidFill>
+              <a:srgbClr val="000000"/>
+            </a:solidFill>
+            <a:miter lim="400000"/>
+            <a:tailEnd type="triangle"/>
+          </a:ln>
+        </p:spPr>
+        <p:txBody>
+          <a:bodyPr lIns="25400" tIns="25400" rIns="25400" bIns="25400" anchor="ctr"/>
+          <a:lstStyle/>
+          <a:p>
+            <a:endParaRPr sz="900"/>
+          </a:p>
+        </p:txBody>
+      </p:sp>
+      <p:sp>
+        <p:nvSpPr>
+          <p:cNvPr id="850" name="Line"/>
+          <p:cNvSpPr/>
+          <p:nvPr/>
+        </p:nvSpPr>
+        <p:spPr>
+          <a:xfrm>
+            <a:off x="6644755" y="1396931"/>
+            <a:ext cx="2141545" cy="846217"/>
+          </a:xfrm>
+          <a:prstGeom prst="line">
+            <a:avLst/>
+          </a:prstGeom>
+          <a:ln w="25400">
+            <a:solidFill>
+              <a:srgbClr val="000000"/>
+            </a:solidFill>
+            <a:miter lim="400000"/>
+            <a:tailEnd type="triangle"/>
+          </a:ln>
+        </p:spPr>
+        <p:txBody>
+          <a:bodyPr lIns="25400" tIns="25400" rIns="25400" bIns="25400" anchor="ctr"/>
+          <a:lstStyle/>
+          <a:p>
+            <a:endParaRPr sz="900"/>
+          </a:p>
+        </p:txBody>
+      </p:sp>
+      <p:sp>
+        <p:nvSpPr>
+          <p:cNvPr id="851" name="ES"/>
           <p:cNvSpPr txBox="1"/>
           <p:nvPr/>
         </p:nvSpPr>
         <p:spPr>
           <a:xfrm>
-            <a:off x="5030114" y="3334102"/>
-            <a:ext cx="1418658" cy="189796"/>
+            <a:off x="3700711" y="2430247"/>
+            <a:ext cx="185948" cy="189796"/>
+          </a:xfrm>
+          <a:prstGeom prst="rect">
+            <a:avLst/>
+          </a:prstGeom>
+          <a:ln w="12700">
+            <a:miter lim="400000"/>
+          </a:ln>
+          <a:extLst>
+            <a:ext uri="{C572A759-6A51-4108-AA02-DFA0A04FC94B}">
+              <ma14:wrappingTextBoxFlag xmlns="" xmlns:m="http://schemas.openxmlformats.org/officeDocument/2006/math" xmlns:a14="http://schemas.microsoft.com/office/drawing/2010/main" xmlns:ma14="http://schemas.microsoft.com/office/mac/drawingml/2011/main" val="1"/>
+            </a:ext>
+          </a:extLst>
+        </p:spPr>
+        <p:txBody>
+          <a:bodyPr wrap="none" lIns="25400" tIns="25400" rIns="25400" bIns="25400" anchor="ctr">
+            <a:spAutoFit/>
+          </a:bodyPr>
+          <a:lstStyle/>
+          <a:p>
+            <a:r>
+              <a:rPr sz="900"/>
+              <a:t>ES </a:t>
+            </a:r>
+          </a:p>
+        </p:txBody>
+      </p:sp>
+      <p:sp>
+        <p:nvSpPr>
+          <p:cNvPr id="852" name="EB"/>
+          <p:cNvSpPr txBox="1"/>
+          <p:nvPr/>
+        </p:nvSpPr>
+        <p:spPr>
+          <a:xfrm>
+            <a:off x="5297945" y="2594175"/>
+            <a:ext cx="195566" cy="189796"/>
+          </a:xfrm>
+          <a:prstGeom prst="rect">
+            <a:avLst/>
+          </a:prstGeom>
+          <a:ln w="12700">
+            <a:miter lim="400000"/>
+          </a:ln>
+          <a:extLst>
+            <a:ext uri="{C572A759-6A51-4108-AA02-DFA0A04FC94B}">
+              <ma14:wrappingTextBoxFlag xmlns="" xmlns:m="http://schemas.openxmlformats.org/officeDocument/2006/math" xmlns:a14="http://schemas.microsoft.com/office/drawing/2010/main" xmlns:ma14="http://schemas.microsoft.com/office/mac/drawingml/2011/main" val="1"/>
+            </a:ext>
+          </a:extLst>
+        </p:spPr>
+        <p:txBody>
+          <a:bodyPr wrap="none" lIns="25400" tIns="25400" rIns="25400" bIns="25400" anchor="ctr">
+            <a:spAutoFit/>
+          </a:bodyPr>
+          <a:lstStyle/>
+          <a:p>
+            <a:r>
+              <a:rPr sz="900"/>
+              <a:t>EB </a:t>
+            </a:r>
+          </a:p>
+        </p:txBody>
+      </p:sp>
+      <p:sp>
+        <p:nvSpPr>
+          <p:cNvPr id="853" name="FGF24"/>
+          <p:cNvSpPr txBox="1"/>
+          <p:nvPr/>
+        </p:nvSpPr>
+        <p:spPr>
+          <a:xfrm>
+            <a:off x="6769525" y="2594175"/>
+            <a:ext cx="370294" cy="189796"/>
+          </a:xfrm>
+          <a:prstGeom prst="rect">
+            <a:avLst/>
+          </a:prstGeom>
+          <a:ln w="12700">
+            <a:miter lim="400000"/>
+          </a:ln>
+          <a:extLst>
+            <a:ext uri="{C572A759-6A51-4108-AA02-DFA0A04FC94B}">
+              <ma14:wrappingTextBoxFlag xmlns="" xmlns:m="http://schemas.openxmlformats.org/officeDocument/2006/math" xmlns:a14="http://schemas.microsoft.com/office/drawing/2010/main" xmlns:ma14="http://schemas.microsoft.com/office/mac/drawingml/2011/main" val="1"/>
+            </a:ext>
+          </a:extLst>
+        </p:spPr>
+        <p:txBody>
+          <a:bodyPr wrap="none" lIns="25400" tIns="25400" rIns="25400" bIns="25400" anchor="ctr">
+            <a:spAutoFit/>
+          </a:bodyPr>
+          <a:lstStyle/>
+          <a:p>
+            <a:r>
+              <a:rPr sz="900"/>
+              <a:t>FGF24 </a:t>
+            </a:r>
+          </a:p>
+        </p:txBody>
+      </p:sp>
+      <p:sp>
+        <p:nvSpPr>
+          <p:cNvPr id="854" name="FGF48"/>
+          <p:cNvSpPr txBox="1"/>
+          <p:nvPr/>
+        </p:nvSpPr>
+        <p:spPr>
+          <a:xfrm>
+            <a:off x="8771292" y="2594175"/>
+            <a:ext cx="370294" cy="189796"/>
+          </a:xfrm>
+          <a:prstGeom prst="rect">
+            <a:avLst/>
+          </a:prstGeom>
+          <a:ln w="12700">
+            <a:miter lim="400000"/>
+          </a:ln>
+          <a:extLst>
+            <a:ext uri="{C572A759-6A51-4108-AA02-DFA0A04FC94B}">
+              <ma14:wrappingTextBoxFlag xmlns="" xmlns:m="http://schemas.openxmlformats.org/officeDocument/2006/math" xmlns:a14="http://schemas.microsoft.com/office/drawing/2010/main" xmlns:ma14="http://schemas.microsoft.com/office/mac/drawingml/2011/main" val="1"/>
+            </a:ext>
+          </a:extLst>
+        </p:spPr>
+        <p:txBody>
+          <a:bodyPr wrap="none" lIns="25400" tIns="25400" rIns="25400" bIns="25400" anchor="ctr">
+            <a:spAutoFit/>
+          </a:bodyPr>
+          <a:lstStyle/>
+          <a:p>
+            <a:r>
+              <a:rPr sz="900"/>
+              <a:t>FGF48 </a:t>
+            </a:r>
+          </a:p>
+        </p:txBody>
+      </p:sp>
+      <p:pic>
+        <p:nvPicPr>
+          <p:cNvPr id="855" name="Image" descr="Image"/>
+          <p:cNvPicPr>
+            <a:picLocks noChangeAspect="1"/>
+          </p:cNvPicPr>
+          <p:nvPr/>
+        </p:nvPicPr>
+        <p:blipFill>
+          <a:blip r:embed="rId2"/>
+          <a:stretch>
+            <a:fillRect/>
+          </a:stretch>
+        </p:blipFill>
+        <p:spPr>
+          <a:xfrm>
+            <a:off x="2107188" y="4220757"/>
+            <a:ext cx="3267402" cy="511894"/>
+          </a:xfrm>
+          <a:prstGeom prst="rect">
+            <a:avLst/>
+          </a:prstGeom>
+          <a:ln w="12700">
+            <a:miter lim="400000"/>
+          </a:ln>
+        </p:spPr>
+      </p:pic>
+      <p:sp>
+        <p:nvSpPr>
+          <p:cNvPr id="856" name="Genotype comparison"/>
+          <p:cNvSpPr txBox="1"/>
+          <p:nvPr/>
+        </p:nvSpPr>
+        <p:spPr>
+          <a:xfrm>
+            <a:off x="292738" y="4502797"/>
+            <a:ext cx="1090042" cy="189796"/>
+          </a:xfrm>
+          <a:prstGeom prst="rect">
+            <a:avLst/>
+          </a:prstGeom>
+          <a:ln w="12700">
+            <a:miter lim="400000"/>
+          </a:ln>
+          <a:extLst>
+            <a:ext uri="{C572A759-6A51-4108-AA02-DFA0A04FC94B}">
+              <ma14:wrappingTextBoxFlag xmlns="" xmlns:m="http://schemas.openxmlformats.org/officeDocument/2006/math" xmlns:a14="http://schemas.microsoft.com/office/drawing/2010/main" xmlns:ma14="http://schemas.microsoft.com/office/mac/drawingml/2011/main" val="1"/>
+            </a:ext>
+          </a:extLst>
+        </p:spPr>
+        <p:txBody>
+          <a:bodyPr wrap="none" lIns="25400" tIns="25400" rIns="25400" bIns="25400" anchor="ctr">
+            <a:spAutoFit/>
+          </a:bodyPr>
+          <a:lstStyle/>
+          <a:p>
+            <a:r>
+              <a:rPr sz="900"/>
+              <a:t>Genotype comparison</a:t>
+            </a:r>
+          </a:p>
+        </p:txBody>
+      </p:sp>
+      <p:pic>
+        <p:nvPicPr>
+          <p:cNvPr id="857" name="Image" descr="Image"/>
+          <p:cNvPicPr>
+            <a:picLocks noChangeAspect="1"/>
+          </p:cNvPicPr>
+          <p:nvPr/>
+        </p:nvPicPr>
+        <p:blipFill>
+          <a:blip r:embed="rId3"/>
+          <a:stretch>
+            <a:fillRect/>
+          </a:stretch>
+        </p:blipFill>
+        <p:spPr>
+          <a:xfrm>
+            <a:off x="196583" y="3595512"/>
+            <a:ext cx="7999877" cy="477296"/>
+          </a:xfrm>
+          <a:prstGeom prst="rect">
+            <a:avLst/>
+          </a:prstGeom>
+          <a:ln w="12700">
+            <a:miter lim="400000"/>
+          </a:ln>
+        </p:spPr>
+      </p:pic>
+      <p:sp>
+        <p:nvSpPr>
+          <p:cNvPr id="858" name="What genes does loss of ARID2 affect?"/>
+          <p:cNvSpPr txBox="1"/>
+          <p:nvPr/>
+        </p:nvSpPr>
+        <p:spPr>
+          <a:xfrm>
+            <a:off x="1420663" y="3165523"/>
+            <a:ext cx="4931991" cy="420628"/>
           </a:xfrm>
           <a:prstGeom prst="rect">
             <a:avLst/>
@@ -9614,136 +10015,49 @@
           </a:lstStyle>
           <a:p>
             <a:r>
-              <a:rPr sz="900"/>
-              <a:t>Depends on your questions?</a:t>
-            </a:r>
-          </a:p>
-        </p:txBody>
-      </p:sp>
-      <p:sp>
-        <p:nvSpPr>
-          <p:cNvPr id="838" name="What genes are differentially affect by treatment in the genotypes?"/>
+              <a:rPr sz="2400"/>
+              <a:t>What genes does loss of ARID2 affect?</a:t>
+            </a:r>
+          </a:p>
+        </p:txBody>
+      </p:sp>
+      <p:pic>
+        <p:nvPicPr>
+          <p:cNvPr id="859" name="Image" descr="Image"/>
+          <p:cNvPicPr>
+            <a:picLocks noChangeAspect="1"/>
+          </p:cNvPicPr>
+          <p:nvPr/>
+        </p:nvPicPr>
+        <p:blipFill>
+          <a:blip r:embed="rId4"/>
+          <a:stretch>
+            <a:fillRect/>
+          </a:stretch>
+        </p:blipFill>
+        <p:spPr>
+          <a:xfrm>
+            <a:off x="8193928" y="3504949"/>
+            <a:ext cx="3691469" cy="2838990"/>
+          </a:xfrm>
+          <a:prstGeom prst="rect">
+            <a:avLst/>
+          </a:prstGeom>
+          <a:ln w="12700">
+            <a:miter lim="400000"/>
+          </a:ln>
+        </p:spPr>
+      </p:pic>
+      <p:sp>
+        <p:nvSpPr>
+          <p:cNvPr id="860" name="~4x increase regardless of treatment"/>
           <p:cNvSpPr txBox="1"/>
           <p:nvPr/>
         </p:nvSpPr>
         <p:spPr>
           <a:xfrm>
-            <a:off x="3732477" y="3591659"/>
-            <a:ext cx="3218830" cy="189796"/>
-          </a:xfrm>
-          <a:prstGeom prst="rect">
-            <a:avLst/>
-          </a:prstGeom>
-          <a:ln w="12700">
-            <a:miter lim="400000"/>
-          </a:ln>
-          <a:extLst>
-            <a:ext uri="{C572A759-6A51-4108-AA02-DFA0A04FC94B}">
-              <ma14:wrappingTextBoxFlag xmlns="" xmlns:m="http://schemas.openxmlformats.org/officeDocument/2006/math" xmlns:a14="http://schemas.microsoft.com/office/drawing/2010/main" xmlns:ma14="http://schemas.microsoft.com/office/mac/drawingml/2011/main" val="1"/>
-            </a:ext>
-          </a:extLst>
-        </p:spPr>
-        <p:txBody>
-          <a:bodyPr wrap="none" lIns="25400" tIns="25400" rIns="25400" bIns="25400" anchor="ctr">
-            <a:spAutoFit/>
-          </a:bodyPr>
-          <a:lstStyle/>
-          <a:p>
-            <a:r>
-              <a:rPr sz="900"/>
-              <a:t>What genes are differentially affect by treatment in the genotypes?</a:t>
-            </a:r>
-          </a:p>
-        </p:txBody>
-      </p:sp>
-      <p:sp>
-        <p:nvSpPr>
-          <p:cNvPr id="839" name="~ genotype + treatment + genotype:treatment"/>
-          <p:cNvSpPr txBox="1"/>
-          <p:nvPr/>
-        </p:nvSpPr>
-        <p:spPr>
-          <a:xfrm>
-            <a:off x="4512945" y="3960001"/>
-            <a:ext cx="2229778" cy="189796"/>
-          </a:xfrm>
-          <a:prstGeom prst="rect">
-            <a:avLst/>
-          </a:prstGeom>
-          <a:ln w="12700">
-            <a:miter lim="400000"/>
-          </a:ln>
-          <a:extLst>
-            <a:ext uri="{C572A759-6A51-4108-AA02-DFA0A04FC94B}">
-              <ma14:wrappingTextBoxFlag xmlns="" xmlns:m="http://schemas.openxmlformats.org/officeDocument/2006/math" xmlns:a14="http://schemas.microsoft.com/office/drawing/2010/main" xmlns:ma14="http://schemas.microsoft.com/office/mac/drawingml/2011/main" val="1"/>
-            </a:ext>
-          </a:extLst>
-        </p:spPr>
-        <p:txBody>
-          <a:bodyPr wrap="none" lIns="25400" tIns="25400" rIns="25400" bIns="25400" anchor="ctr">
-            <a:spAutoFit/>
-          </a:bodyPr>
-          <a:lstStyle/>
-          <a:p>
-            <a:r>
-              <a:rPr sz="900"/>
-              <a:t>~ genotype + treatment + genotype:treatment</a:t>
-            </a:r>
-          </a:p>
-        </p:txBody>
-      </p:sp>
-      <p:sp>
-        <p:nvSpPr>
-          <p:cNvPr id="840" name="This is where it becomes more complicated. Good specific examples in  the Rnaseq workflow vignette on bioconductor…"/>
-          <p:cNvSpPr txBox="1"/>
-          <p:nvPr/>
-        </p:nvSpPr>
-        <p:spPr>
-          <a:xfrm>
-            <a:off x="1233620" y="4516727"/>
-            <a:ext cx="6601166" cy="328295"/>
-          </a:xfrm>
-          <a:prstGeom prst="rect">
-            <a:avLst/>
-          </a:prstGeom>
-          <a:ln w="12700">
-            <a:miter lim="400000"/>
-          </a:ln>
-          <a:extLst>
-            <a:ext uri="{C572A759-6A51-4108-AA02-DFA0A04FC94B}">
-              <ma14:wrappingTextBoxFlag xmlns="" xmlns:m="http://schemas.openxmlformats.org/officeDocument/2006/math" xmlns:a14="http://schemas.microsoft.com/office/drawing/2010/main" xmlns:ma14="http://schemas.microsoft.com/office/mac/drawingml/2011/main" val="1"/>
-            </a:ext>
-          </a:extLst>
-        </p:spPr>
-        <p:txBody>
-          <a:bodyPr wrap="none" lIns="25400" tIns="25400" rIns="25400" bIns="25400" anchor="ctr">
-            <a:spAutoFit/>
-          </a:bodyPr>
-          <a:lstStyle/>
-          <a:p>
-            <a:r>
-              <a:rPr sz="900"/>
-              <a:t>This is where it becomes more complicated. Good specific examples in  the Rnaseq workflow vignette on bioconductor</a:t>
-            </a:r>
-          </a:p>
-          <a:p>
-            <a:r>
-              <a:rPr sz="900"/>
-              <a:t>https://master.bioconductor.org/packages/release/workflows/vignettes/rnaseqGene/inst/doc/rnaseqGene.html#time-course-experiments</a:t>
-            </a:r>
-          </a:p>
-        </p:txBody>
-      </p:sp>
-      <p:sp>
-        <p:nvSpPr>
-          <p:cNvPr id="841" name="Often, you want to use the LRT test here, because you are interested in finding the genes with a different response to treatment by genotype"/>
-          <p:cNvSpPr txBox="1"/>
-          <p:nvPr/>
-        </p:nvSpPr>
-        <p:spPr>
-          <a:xfrm>
-            <a:off x="904542" y="5580293"/>
-            <a:ext cx="6828792" cy="189796"/>
+            <a:off x="8867059" y="3334102"/>
+            <a:ext cx="1809791" cy="189796"/>
           </a:xfrm>
           <a:prstGeom prst="rect">
             <a:avLst/>
@@ -9769,7 +10083,7 @@
           <a:p>
             <a:r>
               <a:rPr sz="900"/>
-              <a:t>Often, you want to use the LRT test here, because you are interested in finding the genes with a different response to treatment by genotype</a:t>
+              <a:t>~4x increase regardless of treatment</a:t>
             </a:r>
           </a:p>
         </p:txBody>
@@ -9801,14 +10115,14 @@
       </p:grpSpPr>
       <p:sp>
         <p:nvSpPr>
-          <p:cNvPr id="845" name="A concrete example"/>
+          <p:cNvPr id="862" name="A concrete example"/>
           <p:cNvSpPr txBox="1"/>
           <p:nvPr/>
         </p:nvSpPr>
         <p:spPr>
           <a:xfrm>
-            <a:off x="4577563" y="145579"/>
-            <a:ext cx="2632516" cy="420628"/>
+            <a:off x="3375389" y="136237"/>
+            <a:ext cx="5839676" cy="420628"/>
           </a:xfrm>
           <a:prstGeom prst="rect">
             <a:avLst/>
@@ -9833,22 +10147,23 @@
           </a:lstStyle>
           <a:p>
             <a:r>
-              <a:rPr sz="2400"/>
-              <a:t>A concrete example </a:t>
-            </a:r>
-          </a:p>
-        </p:txBody>
-      </p:sp>
-      <p:sp>
-        <p:nvSpPr>
-          <p:cNvPr id="846" name="WT vs ARID2 KO"/>
+              <a:rPr lang="en-US" sz="2400" dirty="0"/>
+              <a:t>Interaction between treatment and genotype</a:t>
+            </a:r>
+            <a:endParaRPr sz="2400" dirty="0"/>
+          </a:p>
+        </p:txBody>
+      </p:sp>
+      <p:sp>
+        <p:nvSpPr>
+          <p:cNvPr id="863" name="WT vs ARID2 KO"/>
           <p:cNvSpPr txBox="1"/>
           <p:nvPr/>
         </p:nvSpPr>
         <p:spPr>
           <a:xfrm>
-            <a:off x="5487314" y="1104593"/>
-            <a:ext cx="807913" cy="189796"/>
+            <a:off x="5745984" y="799702"/>
+            <a:ext cx="2056782" cy="420628"/>
           </a:xfrm>
           <a:prstGeom prst="rect">
             <a:avLst/>
@@ -9869,7 +10184,7 @@
           <a:lstStyle/>
           <a:p>
             <a:r>
-              <a:rPr sz="900"/>
+              <a:rPr sz="2400" dirty="0"/>
               <a:t>WT vs ARID2 KO</a:t>
             </a:r>
           </a:p>
@@ -9877,7 +10192,7 @@
       </p:sp>
       <p:sp>
         <p:nvSpPr>
-          <p:cNvPr id="847" name="Line"/>
+          <p:cNvPr id="864" name="Line"/>
           <p:cNvSpPr/>
           <p:nvPr/>
         </p:nvSpPr>
@@ -9907,7 +10222,7 @@
       </p:sp>
       <p:sp>
         <p:nvSpPr>
-          <p:cNvPr id="848" name="Line"/>
+          <p:cNvPr id="865" name="Line"/>
           <p:cNvSpPr/>
           <p:nvPr/>
         </p:nvSpPr>
@@ -9937,7 +10252,7 @@
       </p:sp>
       <p:sp>
         <p:nvSpPr>
-          <p:cNvPr id="849" name="Line"/>
+          <p:cNvPr id="866" name="Line"/>
           <p:cNvSpPr/>
           <p:nvPr/>
         </p:nvSpPr>
@@ -9967,7 +10282,7 @@
       </p:sp>
       <p:sp>
         <p:nvSpPr>
-          <p:cNvPr id="850" name="Line"/>
+          <p:cNvPr id="867" name="Line"/>
           <p:cNvSpPr/>
           <p:nvPr/>
         </p:nvSpPr>
@@ -9997,7 +10312,7 @@
       </p:sp>
       <p:sp>
         <p:nvSpPr>
-          <p:cNvPr id="851" name="ES"/>
+          <p:cNvPr id="868" name="ES"/>
           <p:cNvSpPr txBox="1"/>
           <p:nvPr/>
         </p:nvSpPr>
@@ -10033,7 +10348,7 @@
       </p:sp>
       <p:sp>
         <p:nvSpPr>
-          <p:cNvPr id="852" name="EB"/>
+          <p:cNvPr id="869" name="EB"/>
           <p:cNvSpPr txBox="1"/>
           <p:nvPr/>
         </p:nvSpPr>
@@ -10069,7 +10384,7 @@
       </p:sp>
       <p:sp>
         <p:nvSpPr>
-          <p:cNvPr id="853" name="FGF24"/>
+          <p:cNvPr id="870" name="FGF24"/>
           <p:cNvSpPr txBox="1"/>
           <p:nvPr/>
         </p:nvSpPr>
@@ -10105,7 +10420,7 @@
       </p:sp>
       <p:sp>
         <p:nvSpPr>
-          <p:cNvPr id="854" name="FGF48"/>
+          <p:cNvPr id="871" name="FGF48"/>
           <p:cNvSpPr txBox="1"/>
           <p:nvPr/>
         </p:nvSpPr>
@@ -10139,43 +10454,16 @@
           </a:p>
         </p:txBody>
       </p:sp>
-      <p:pic>
-        <p:nvPicPr>
-          <p:cNvPr id="855" name="Image" descr="Image"/>
-          <p:cNvPicPr>
-            <a:picLocks noChangeAspect="1"/>
-          </p:cNvPicPr>
-          <p:nvPr/>
-        </p:nvPicPr>
-        <p:blipFill>
-          <a:blip r:embed="rId2"/>
-          <a:stretch>
-            <a:fillRect/>
-          </a:stretch>
-        </p:blipFill>
-        <p:spPr>
-          <a:xfrm>
-            <a:off x="2107188" y="4220757"/>
-            <a:ext cx="3267402" cy="511894"/>
-          </a:xfrm>
-          <a:prstGeom prst="rect">
-            <a:avLst/>
-          </a:prstGeom>
-          <a:ln w="12700">
-            <a:miter lim="400000"/>
-          </a:ln>
-        </p:spPr>
-      </p:pic>
-      <p:sp>
-        <p:nvSpPr>
-          <p:cNvPr id="856" name="Genotype comparison"/>
+      <p:sp>
+        <p:nvSpPr>
+          <p:cNvPr id="872" name="full = ~ genotype + treatment + genotype:treatment…"/>
           <p:cNvSpPr txBox="1"/>
           <p:nvPr/>
         </p:nvSpPr>
         <p:spPr>
           <a:xfrm>
-            <a:off x="292738" y="4502797"/>
-            <a:ext cx="1090042" cy="189796"/>
+            <a:off x="974644" y="3406276"/>
+            <a:ext cx="5452134" cy="666849"/>
           </a:xfrm>
           <a:prstGeom prst="rect">
             <a:avLst/>
@@ -10195,50 +10483,66 @@
           </a:bodyPr>
           <a:lstStyle/>
           <a:p>
-            <a:r>
-              <a:rPr sz="900"/>
-              <a:t>Genotype comparison</a:t>
-            </a:r>
-          </a:p>
-        </p:txBody>
-      </p:sp>
-      <p:pic>
-        <p:nvPicPr>
-          <p:cNvPr id="857" name="Image" descr="Image"/>
-          <p:cNvPicPr>
-            <a:picLocks noChangeAspect="1"/>
-          </p:cNvPicPr>
-          <p:nvPr/>
-        </p:nvPicPr>
-        <p:blipFill>
-          <a:blip r:embed="rId3"/>
-          <a:stretch>
-            <a:fillRect/>
-          </a:stretch>
-        </p:blipFill>
-        <p:spPr>
-          <a:xfrm>
-            <a:off x="196583" y="3595512"/>
-            <a:ext cx="7999877" cy="477296"/>
-          </a:xfrm>
-          <a:prstGeom prst="rect">
-            <a:avLst/>
-          </a:prstGeom>
-          <a:ln w="12700">
-            <a:miter lim="400000"/>
-          </a:ln>
-        </p:spPr>
-      </p:pic>
-      <p:sp>
-        <p:nvSpPr>
-          <p:cNvPr id="858" name="What genes does loss of ARID2 affect?"/>
+            <a:pPr algn="l"/>
+            <a:r>
+              <a:rPr sz="2000"/>
+              <a:t>full = ~ genotype + treatment + genotype:treatment</a:t>
+            </a:r>
+          </a:p>
+          <a:p>
+            <a:pPr algn="l"/>
+            <a:r>
+              <a:rPr sz="2000"/>
+              <a:t>reduced = ~ genotype + treatment</a:t>
+            </a:r>
+          </a:p>
+        </p:txBody>
+      </p:sp>
+      <p:sp>
+        <p:nvSpPr>
+          <p:cNvPr id="873" name="Small p values mean that there is a genotype specific effect of one (or more) treatments"/>
           <p:cNvSpPr txBox="1"/>
           <p:nvPr/>
         </p:nvSpPr>
         <p:spPr>
           <a:xfrm>
-            <a:off x="4657344" y="3334102"/>
-            <a:ext cx="1888337" cy="189796"/>
+            <a:off x="315946" y="4063061"/>
+            <a:ext cx="6225268" cy="605294"/>
+          </a:xfrm>
+          <a:prstGeom prst="rect">
+            <a:avLst/>
+          </a:prstGeom>
+          <a:ln w="12700">
+            <a:miter lim="400000"/>
+          </a:ln>
+          <a:extLst>
+            <a:ext uri="{C572A759-6A51-4108-AA02-DFA0A04FC94B}">
+              <ma14:wrappingTextBoxFlag xmlns="" xmlns:m="http://schemas.openxmlformats.org/officeDocument/2006/math" xmlns:a14="http://schemas.microsoft.com/office/drawing/2010/main" xmlns:ma14="http://schemas.microsoft.com/office/mac/drawingml/2011/main" val="1"/>
+            </a:ext>
+          </a:extLst>
+        </p:spPr>
+        <p:txBody>
+          <a:bodyPr wrap="square" lIns="25400" tIns="25400" rIns="25400" bIns="25400" anchor="ctr">
+            <a:spAutoFit/>
+          </a:bodyPr>
+          <a:lstStyle/>
+          <a:p>
+            <a:r>
+              <a:t>Small p values mean that there is a genotype specific effect of one (or more) treatments</a:t>
+            </a:r>
+          </a:p>
+        </p:txBody>
+      </p:sp>
+      <p:sp>
+        <p:nvSpPr>
+          <p:cNvPr id="874" name="What genes have a different outcome to treatment based on genotype?"/>
+          <p:cNvSpPr txBox="1"/>
+          <p:nvPr/>
+        </p:nvSpPr>
+        <p:spPr>
+          <a:xfrm>
+            <a:off x="437381" y="2992162"/>
+            <a:ext cx="6898555" cy="328295"/>
           </a:xfrm>
           <a:prstGeom prst="rect">
             <a:avLst/>
@@ -10263,559 +10567,7 @@
           </a:lstStyle>
           <a:p>
             <a:r>
-              <a:rPr sz="900"/>
-              <a:t>What genes does loss of ARID2 affect?</a:t>
-            </a:r>
-          </a:p>
-        </p:txBody>
-      </p:sp>
-      <p:pic>
-        <p:nvPicPr>
-          <p:cNvPr id="859" name="Image" descr="Image"/>
-          <p:cNvPicPr>
-            <a:picLocks noChangeAspect="1"/>
-          </p:cNvPicPr>
-          <p:nvPr/>
-        </p:nvPicPr>
-        <p:blipFill>
-          <a:blip r:embed="rId4"/>
-          <a:stretch>
-            <a:fillRect/>
-          </a:stretch>
-        </p:blipFill>
-        <p:spPr>
-          <a:xfrm>
-            <a:off x="8193928" y="3504949"/>
-            <a:ext cx="3691469" cy="2838990"/>
-          </a:xfrm>
-          <a:prstGeom prst="rect">
-            <a:avLst/>
-          </a:prstGeom>
-          <a:ln w="12700">
-            <a:miter lim="400000"/>
-          </a:ln>
-        </p:spPr>
-      </p:pic>
-      <p:sp>
-        <p:nvSpPr>
-          <p:cNvPr id="860" name="~4x increase regardless of treatment"/>
-          <p:cNvSpPr txBox="1"/>
-          <p:nvPr/>
-        </p:nvSpPr>
-        <p:spPr>
-          <a:xfrm>
-            <a:off x="8867059" y="3334102"/>
-            <a:ext cx="1809791" cy="189796"/>
-          </a:xfrm>
-          <a:prstGeom prst="rect">
-            <a:avLst/>
-          </a:prstGeom>
-          <a:ln w="12700">
-            <a:miter lim="400000"/>
-          </a:ln>
-          <a:extLst>
-            <a:ext uri="{C572A759-6A51-4108-AA02-DFA0A04FC94B}">
-              <ma14:wrappingTextBoxFlag xmlns="" xmlns:m="http://schemas.openxmlformats.org/officeDocument/2006/math" xmlns:a14="http://schemas.microsoft.com/office/drawing/2010/main" xmlns:ma14="http://schemas.microsoft.com/office/mac/drawingml/2011/main" val="1"/>
-            </a:ext>
-          </a:extLst>
-        </p:spPr>
-        <p:txBody>
-          <a:bodyPr wrap="none" lIns="25400" tIns="25400" rIns="25400" bIns="25400" anchor="ctr">
-            <a:spAutoFit/>
-          </a:bodyPr>
-          <a:lstStyle>
-            <a:lvl1pPr>
-              <a:defRPr b="1"/>
-            </a:lvl1pPr>
-          </a:lstStyle>
-          <a:p>
-            <a:r>
-              <a:rPr sz="900"/>
-              <a:t>~4x increase regardless of treatment</a:t>
-            </a:r>
-          </a:p>
-        </p:txBody>
-      </p:sp>
-    </p:spTree>
-  </p:cSld>
-  <p:clrMapOvr>
-    <a:masterClrMapping/>
-  </p:clrMapOvr>
-</p:sld>
-</file>
-
-<file path=ppt/slides/slide33.xml><?xml version="1.0" encoding="utf-8"?>
-<p:sld xmlns:a="http://schemas.openxmlformats.org/drawingml/2006/main" xmlns:r="http://schemas.openxmlformats.org/officeDocument/2006/relationships" xmlns:p="http://schemas.openxmlformats.org/presentationml/2006/main">
-  <p:cSld>
-    <p:spTree>
-      <p:nvGrpSpPr>
-        <p:cNvPr id="1" name=""/>
-        <p:cNvGrpSpPr/>
-        <p:nvPr/>
-      </p:nvGrpSpPr>
-      <p:grpSpPr>
-        <a:xfrm>
-          <a:off x="0" y="0"/>
-          <a:ext cx="0" cy="0"/>
-          <a:chOff x="0" y="0"/>
-          <a:chExt cx="0" cy="0"/>
-        </a:xfrm>
-      </p:grpSpPr>
-      <p:sp>
-        <p:nvSpPr>
-          <p:cNvPr id="862" name="A concrete example"/>
-          <p:cNvSpPr txBox="1"/>
-          <p:nvPr/>
-        </p:nvSpPr>
-        <p:spPr>
-          <a:xfrm>
-            <a:off x="4577563" y="145579"/>
-            <a:ext cx="2632516" cy="420628"/>
-          </a:xfrm>
-          <a:prstGeom prst="rect">
-            <a:avLst/>
-          </a:prstGeom>
-          <a:ln w="12700">
-            <a:miter lim="400000"/>
-          </a:ln>
-          <a:extLst>
-            <a:ext uri="{C572A759-6A51-4108-AA02-DFA0A04FC94B}">
-              <ma14:wrappingTextBoxFlag xmlns="" xmlns:m="http://schemas.openxmlformats.org/officeDocument/2006/math" xmlns:a14="http://schemas.microsoft.com/office/drawing/2010/main" xmlns:ma14="http://schemas.microsoft.com/office/mac/drawingml/2011/main" val="1"/>
-            </a:ext>
-          </a:extLst>
-        </p:spPr>
-        <p:txBody>
-          <a:bodyPr wrap="none" lIns="25400" tIns="25400" rIns="25400" bIns="25400" anchor="ctr">
-            <a:spAutoFit/>
-          </a:bodyPr>
-          <a:lstStyle>
-            <a:lvl1pPr>
-              <a:defRPr sz="4800" b="1"/>
-            </a:lvl1pPr>
-          </a:lstStyle>
-          <a:p>
-            <a:r>
-              <a:rPr sz="2400"/>
-              <a:t>A concrete example </a:t>
-            </a:r>
-          </a:p>
-        </p:txBody>
-      </p:sp>
-      <p:sp>
-        <p:nvSpPr>
-          <p:cNvPr id="863" name="WT vs ARID2 KO"/>
-          <p:cNvSpPr txBox="1"/>
-          <p:nvPr/>
-        </p:nvSpPr>
-        <p:spPr>
-          <a:xfrm>
-            <a:off x="5487314" y="1104593"/>
-            <a:ext cx="807913" cy="189796"/>
-          </a:xfrm>
-          <a:prstGeom prst="rect">
-            <a:avLst/>
-          </a:prstGeom>
-          <a:ln w="12700">
-            <a:miter lim="400000"/>
-          </a:ln>
-          <a:extLst>
-            <a:ext uri="{C572A759-6A51-4108-AA02-DFA0A04FC94B}">
-              <ma14:wrappingTextBoxFlag xmlns="" xmlns:m="http://schemas.openxmlformats.org/officeDocument/2006/math" xmlns:a14="http://schemas.microsoft.com/office/drawing/2010/main" xmlns:ma14="http://schemas.microsoft.com/office/mac/drawingml/2011/main" val="1"/>
-            </a:ext>
-          </a:extLst>
-        </p:spPr>
-        <p:txBody>
-          <a:bodyPr wrap="none" lIns="25400" tIns="25400" rIns="25400" bIns="25400" anchor="ctr">
-            <a:spAutoFit/>
-          </a:bodyPr>
-          <a:lstStyle/>
-          <a:p>
-            <a:r>
-              <a:rPr sz="900"/>
-              <a:t>WT vs ARID2 KO</a:t>
-            </a:r>
-          </a:p>
-        </p:txBody>
-      </p:sp>
-      <p:sp>
-        <p:nvSpPr>
-          <p:cNvPr id="864" name="Line"/>
-          <p:cNvSpPr/>
-          <p:nvPr/>
-        </p:nvSpPr>
-        <p:spPr>
-          <a:xfrm flipH="1">
-            <a:off x="4024515" y="1376391"/>
-            <a:ext cx="1904628" cy="891319"/>
-          </a:xfrm>
-          <a:prstGeom prst="line">
-            <a:avLst/>
-          </a:prstGeom>
-          <a:ln w="25400">
-            <a:solidFill>
-              <a:srgbClr val="000000"/>
-            </a:solidFill>
-            <a:miter lim="400000"/>
-            <a:tailEnd type="triangle"/>
-          </a:ln>
-        </p:spPr>
-        <p:txBody>
-          <a:bodyPr lIns="25400" tIns="25400" rIns="25400" bIns="25400" anchor="ctr"/>
-          <a:lstStyle/>
-          <a:p>
-            <a:endParaRPr sz="900"/>
-          </a:p>
-        </p:txBody>
-      </p:sp>
-      <p:sp>
-        <p:nvSpPr>
-          <p:cNvPr id="865" name="Line"/>
-          <p:cNvSpPr/>
-          <p:nvPr/>
-        </p:nvSpPr>
-        <p:spPr>
-          <a:xfrm flipH="1">
-            <a:off x="5499325" y="1439891"/>
-            <a:ext cx="493318" cy="1102928"/>
-          </a:xfrm>
-          <a:prstGeom prst="line">
-            <a:avLst/>
-          </a:prstGeom>
-          <a:ln w="25400">
-            <a:solidFill>
-              <a:srgbClr val="000000"/>
-            </a:solidFill>
-            <a:miter lim="400000"/>
-            <a:tailEnd type="triangle"/>
-          </a:ln>
-        </p:spPr>
-        <p:txBody>
-          <a:bodyPr lIns="25400" tIns="25400" rIns="25400" bIns="25400" anchor="ctr"/>
-          <a:lstStyle/>
-          <a:p>
-            <a:endParaRPr sz="900"/>
-          </a:p>
-        </p:txBody>
-      </p:sp>
-      <p:sp>
-        <p:nvSpPr>
-          <p:cNvPr id="866" name="Line"/>
-          <p:cNvSpPr/>
-          <p:nvPr/>
-        </p:nvSpPr>
-        <p:spPr>
-          <a:xfrm>
-            <a:off x="6287128" y="1491321"/>
-            <a:ext cx="693280" cy="1001005"/>
-          </a:xfrm>
-          <a:prstGeom prst="line">
-            <a:avLst/>
-          </a:prstGeom>
-          <a:ln w="25400">
-            <a:solidFill>
-              <a:srgbClr val="000000"/>
-            </a:solidFill>
-            <a:miter lim="400000"/>
-            <a:tailEnd type="triangle"/>
-          </a:ln>
-        </p:spPr>
-        <p:txBody>
-          <a:bodyPr lIns="25400" tIns="25400" rIns="25400" bIns="25400" anchor="ctr"/>
-          <a:lstStyle/>
-          <a:p>
-            <a:endParaRPr sz="900"/>
-          </a:p>
-        </p:txBody>
-      </p:sp>
-      <p:sp>
-        <p:nvSpPr>
-          <p:cNvPr id="867" name="Line"/>
-          <p:cNvSpPr/>
-          <p:nvPr/>
-        </p:nvSpPr>
-        <p:spPr>
-          <a:xfrm>
-            <a:off x="6644755" y="1396931"/>
-            <a:ext cx="2141545" cy="846217"/>
-          </a:xfrm>
-          <a:prstGeom prst="line">
-            <a:avLst/>
-          </a:prstGeom>
-          <a:ln w="25400">
-            <a:solidFill>
-              <a:srgbClr val="000000"/>
-            </a:solidFill>
-            <a:miter lim="400000"/>
-            <a:tailEnd type="triangle"/>
-          </a:ln>
-        </p:spPr>
-        <p:txBody>
-          <a:bodyPr lIns="25400" tIns="25400" rIns="25400" bIns="25400" anchor="ctr"/>
-          <a:lstStyle/>
-          <a:p>
-            <a:endParaRPr sz="900"/>
-          </a:p>
-        </p:txBody>
-      </p:sp>
-      <p:sp>
-        <p:nvSpPr>
-          <p:cNvPr id="868" name="ES"/>
-          <p:cNvSpPr txBox="1"/>
-          <p:nvPr/>
-        </p:nvSpPr>
-        <p:spPr>
-          <a:xfrm>
-            <a:off x="3700711" y="2430247"/>
-            <a:ext cx="185948" cy="189796"/>
-          </a:xfrm>
-          <a:prstGeom prst="rect">
-            <a:avLst/>
-          </a:prstGeom>
-          <a:ln w="12700">
-            <a:miter lim="400000"/>
-          </a:ln>
-          <a:extLst>
-            <a:ext uri="{C572A759-6A51-4108-AA02-DFA0A04FC94B}">
-              <ma14:wrappingTextBoxFlag xmlns="" xmlns:m="http://schemas.openxmlformats.org/officeDocument/2006/math" xmlns:a14="http://schemas.microsoft.com/office/drawing/2010/main" xmlns:ma14="http://schemas.microsoft.com/office/mac/drawingml/2011/main" val="1"/>
-            </a:ext>
-          </a:extLst>
-        </p:spPr>
-        <p:txBody>
-          <a:bodyPr wrap="none" lIns="25400" tIns="25400" rIns="25400" bIns="25400" anchor="ctr">
-            <a:spAutoFit/>
-          </a:bodyPr>
-          <a:lstStyle/>
-          <a:p>
-            <a:r>
-              <a:rPr sz="900"/>
-              <a:t>ES </a:t>
-            </a:r>
-          </a:p>
-        </p:txBody>
-      </p:sp>
-      <p:sp>
-        <p:nvSpPr>
-          <p:cNvPr id="869" name="EB"/>
-          <p:cNvSpPr txBox="1"/>
-          <p:nvPr/>
-        </p:nvSpPr>
-        <p:spPr>
-          <a:xfrm>
-            <a:off x="5297945" y="2594175"/>
-            <a:ext cx="195566" cy="189796"/>
-          </a:xfrm>
-          <a:prstGeom prst="rect">
-            <a:avLst/>
-          </a:prstGeom>
-          <a:ln w="12700">
-            <a:miter lim="400000"/>
-          </a:ln>
-          <a:extLst>
-            <a:ext uri="{C572A759-6A51-4108-AA02-DFA0A04FC94B}">
-              <ma14:wrappingTextBoxFlag xmlns="" xmlns:m="http://schemas.openxmlformats.org/officeDocument/2006/math" xmlns:a14="http://schemas.microsoft.com/office/drawing/2010/main" xmlns:ma14="http://schemas.microsoft.com/office/mac/drawingml/2011/main" val="1"/>
-            </a:ext>
-          </a:extLst>
-        </p:spPr>
-        <p:txBody>
-          <a:bodyPr wrap="none" lIns="25400" tIns="25400" rIns="25400" bIns="25400" anchor="ctr">
-            <a:spAutoFit/>
-          </a:bodyPr>
-          <a:lstStyle/>
-          <a:p>
-            <a:r>
-              <a:rPr sz="900"/>
-              <a:t>EB </a:t>
-            </a:r>
-          </a:p>
-        </p:txBody>
-      </p:sp>
-      <p:sp>
-        <p:nvSpPr>
-          <p:cNvPr id="870" name="FGF24"/>
-          <p:cNvSpPr txBox="1"/>
-          <p:nvPr/>
-        </p:nvSpPr>
-        <p:spPr>
-          <a:xfrm>
-            <a:off x="6769525" y="2594175"/>
-            <a:ext cx="370294" cy="189796"/>
-          </a:xfrm>
-          <a:prstGeom prst="rect">
-            <a:avLst/>
-          </a:prstGeom>
-          <a:ln w="12700">
-            <a:miter lim="400000"/>
-          </a:ln>
-          <a:extLst>
-            <a:ext uri="{C572A759-6A51-4108-AA02-DFA0A04FC94B}">
-              <ma14:wrappingTextBoxFlag xmlns="" xmlns:m="http://schemas.openxmlformats.org/officeDocument/2006/math" xmlns:a14="http://schemas.microsoft.com/office/drawing/2010/main" xmlns:ma14="http://schemas.microsoft.com/office/mac/drawingml/2011/main" val="1"/>
-            </a:ext>
-          </a:extLst>
-        </p:spPr>
-        <p:txBody>
-          <a:bodyPr wrap="none" lIns="25400" tIns="25400" rIns="25400" bIns="25400" anchor="ctr">
-            <a:spAutoFit/>
-          </a:bodyPr>
-          <a:lstStyle/>
-          <a:p>
-            <a:r>
-              <a:rPr sz="900"/>
-              <a:t>FGF24 </a:t>
-            </a:r>
-          </a:p>
-        </p:txBody>
-      </p:sp>
-      <p:sp>
-        <p:nvSpPr>
-          <p:cNvPr id="871" name="FGF48"/>
-          <p:cNvSpPr txBox="1"/>
-          <p:nvPr/>
-        </p:nvSpPr>
-        <p:spPr>
-          <a:xfrm>
-            <a:off x="8771292" y="2594175"/>
-            <a:ext cx="370294" cy="189796"/>
-          </a:xfrm>
-          <a:prstGeom prst="rect">
-            <a:avLst/>
-          </a:prstGeom>
-          <a:ln w="12700">
-            <a:miter lim="400000"/>
-          </a:ln>
-          <a:extLst>
-            <a:ext uri="{C572A759-6A51-4108-AA02-DFA0A04FC94B}">
-              <ma14:wrappingTextBoxFlag xmlns="" xmlns:m="http://schemas.openxmlformats.org/officeDocument/2006/math" xmlns:a14="http://schemas.microsoft.com/office/drawing/2010/main" xmlns:ma14="http://schemas.microsoft.com/office/mac/drawingml/2011/main" val="1"/>
-            </a:ext>
-          </a:extLst>
-        </p:spPr>
-        <p:txBody>
-          <a:bodyPr wrap="none" lIns="25400" tIns="25400" rIns="25400" bIns="25400" anchor="ctr">
-            <a:spAutoFit/>
-          </a:bodyPr>
-          <a:lstStyle/>
-          <a:p>
-            <a:r>
-              <a:rPr sz="900"/>
-              <a:t>FGF48 </a:t>
-            </a:r>
-          </a:p>
-        </p:txBody>
-      </p:sp>
-      <p:sp>
-        <p:nvSpPr>
-          <p:cNvPr id="872" name="full = ~ genotype + treatment + genotype:treatment…"/>
-          <p:cNvSpPr txBox="1"/>
-          <p:nvPr/>
-        </p:nvSpPr>
-        <p:spPr>
-          <a:xfrm>
-            <a:off x="4637431" y="3586283"/>
-            <a:ext cx="2489464" cy="328295"/>
-          </a:xfrm>
-          <a:prstGeom prst="rect">
-            <a:avLst/>
-          </a:prstGeom>
-          <a:ln w="12700">
-            <a:miter lim="400000"/>
-          </a:ln>
-          <a:extLst>
-            <a:ext uri="{C572A759-6A51-4108-AA02-DFA0A04FC94B}">
-              <ma14:wrappingTextBoxFlag xmlns="" xmlns:m="http://schemas.openxmlformats.org/officeDocument/2006/math" xmlns:a14="http://schemas.microsoft.com/office/drawing/2010/main" xmlns:ma14="http://schemas.microsoft.com/office/mac/drawingml/2011/main" val="1"/>
-            </a:ext>
-          </a:extLst>
-        </p:spPr>
-        <p:txBody>
-          <a:bodyPr wrap="none" lIns="25400" tIns="25400" rIns="25400" bIns="25400" anchor="ctr">
-            <a:spAutoFit/>
-          </a:bodyPr>
-          <a:lstStyle/>
-          <a:p>
-            <a:pPr algn="l"/>
-            <a:r>
-              <a:rPr sz="900"/>
-              <a:t>full = ~ genotype + treatment + genotype:treatment</a:t>
-            </a:r>
-          </a:p>
-          <a:p>
-            <a:pPr algn="l"/>
-            <a:r>
-              <a:rPr sz="900"/>
-              <a:t>reduced = ~ genotype + treatment</a:t>
-            </a:r>
-          </a:p>
-        </p:txBody>
-      </p:sp>
-      <p:sp>
-        <p:nvSpPr>
-          <p:cNvPr id="873" name="Small p values mean that there is a genotype specific effect of one (or more) treatments"/>
-          <p:cNvSpPr txBox="1"/>
-          <p:nvPr/>
-        </p:nvSpPr>
-        <p:spPr>
-          <a:xfrm>
-            <a:off x="3170997" y="4027796"/>
-            <a:ext cx="4179029" cy="189796"/>
-          </a:xfrm>
-          <a:prstGeom prst="rect">
-            <a:avLst/>
-          </a:prstGeom>
-          <a:ln w="12700">
-            <a:miter lim="400000"/>
-          </a:ln>
-          <a:extLst>
-            <a:ext uri="{C572A759-6A51-4108-AA02-DFA0A04FC94B}">
-              <ma14:wrappingTextBoxFlag xmlns="" xmlns:m="http://schemas.openxmlformats.org/officeDocument/2006/math" xmlns:a14="http://schemas.microsoft.com/office/drawing/2010/main" xmlns:ma14="http://schemas.microsoft.com/office/mac/drawingml/2011/main" val="1"/>
-            </a:ext>
-          </a:extLst>
-        </p:spPr>
-        <p:txBody>
-          <a:bodyPr wrap="none" lIns="25400" tIns="25400" rIns="25400" bIns="25400" anchor="ctr">
-            <a:spAutoFit/>
-          </a:bodyPr>
-          <a:lstStyle/>
-          <a:p>
-            <a:r>
-              <a:rPr sz="900"/>
-              <a:t>Small p values mean that there is a genotype specific effect of one (or more) treatments</a:t>
-            </a:r>
-          </a:p>
-        </p:txBody>
-      </p:sp>
-      <p:sp>
-        <p:nvSpPr>
-          <p:cNvPr id="874" name="What genes have a different outcome to treatment based on genotype?"/>
-          <p:cNvSpPr txBox="1"/>
-          <p:nvPr/>
-        </p:nvSpPr>
-        <p:spPr>
-          <a:xfrm>
-            <a:off x="3559312" y="3212773"/>
-            <a:ext cx="3505768" cy="189796"/>
-          </a:xfrm>
-          <a:prstGeom prst="rect">
-            <a:avLst/>
-          </a:prstGeom>
-          <a:ln w="12700">
-            <a:miter lim="400000"/>
-          </a:ln>
-          <a:extLst>
-            <a:ext uri="{C572A759-6A51-4108-AA02-DFA0A04FC94B}">
-              <ma14:wrappingTextBoxFlag xmlns="" xmlns:m="http://schemas.openxmlformats.org/officeDocument/2006/math" xmlns:a14="http://schemas.microsoft.com/office/drawing/2010/main" xmlns:ma14="http://schemas.microsoft.com/office/mac/drawingml/2011/main" val="1"/>
-            </a:ext>
-          </a:extLst>
-        </p:spPr>
-        <p:txBody>
-          <a:bodyPr wrap="none" lIns="25400" tIns="25400" rIns="25400" bIns="25400" anchor="ctr">
-            <a:spAutoFit/>
-          </a:bodyPr>
-          <a:lstStyle>
-            <a:lvl1pPr>
-              <a:defRPr b="1"/>
-            </a:lvl1pPr>
-          </a:lstStyle>
-          <a:p>
-            <a:r>
-              <a:rPr sz="900"/>
+              <a:rPr dirty="0"/>
               <a:t>What genes have a different outcome to treatment based on genotype?</a:t>
             </a:r>
           </a:p>
@@ -10829,7 +10581,7 @@
         </p:nvSpPr>
         <p:spPr>
           <a:xfrm>
-            <a:off x="4007356" y="3570894"/>
+            <a:off x="443837" y="3298035"/>
             <a:ext cx="428707" cy="359073"/>
           </a:xfrm>
           <a:prstGeom prst="rect">
@@ -10855,7 +10607,7 @@
           </a:lstStyle>
           <a:p>
             <a:r>
-              <a:rPr sz="2000"/>
+              <a:rPr sz="2000" dirty="0"/>
               <a:t>LRT</a:t>
             </a:r>
           </a:p>
@@ -10877,7 +10629,7 @@
         </p:blipFill>
         <p:spPr>
           <a:xfrm>
-            <a:off x="297896" y="4317667"/>
+            <a:off x="302821" y="4671531"/>
             <a:ext cx="5503648" cy="960955"/>
           </a:xfrm>
           <a:prstGeom prst="rect">
@@ -10904,7 +10656,7 @@
         </p:blipFill>
         <p:spPr>
           <a:xfrm>
-            <a:off x="308110" y="5358252"/>
+            <a:off x="302821" y="5694747"/>
             <a:ext cx="4029046" cy="620916"/>
           </a:xfrm>
           <a:prstGeom prst="rect">
@@ -10931,8 +10683,8 @@
         </p:blipFill>
         <p:spPr>
           <a:xfrm>
-            <a:off x="7839366" y="4315713"/>
-            <a:ext cx="3366104" cy="2599478"/>
+            <a:off x="7689089" y="2871757"/>
+            <a:ext cx="4514322" cy="3486191"/>
           </a:xfrm>
           <a:prstGeom prst="rect">
             <a:avLst/>
@@ -12304,8 +12056,8 @@
         </p:nvSpPr>
         <p:spPr>
           <a:xfrm>
-            <a:off x="3067514" y="1516161"/>
-            <a:ext cx="5170005" cy="282129"/>
+            <a:off x="911721" y="1480606"/>
+            <a:ext cx="8232254" cy="420628"/>
           </a:xfrm>
           <a:prstGeom prst="rect">
             <a:avLst/>
@@ -12330,7 +12082,7 @@
           </a:lstStyle>
           <a:p>
             <a:r>
-              <a:rPr sz="1500"/>
+              <a:rPr sz="2400" dirty="0"/>
               <a:t>The easy way - we know which samples came from which batches</a:t>
             </a:r>
           </a:p>
@@ -12344,8 +12096,8 @@
         </p:nvSpPr>
         <p:spPr>
           <a:xfrm>
-            <a:off x="2575782" y="2653786"/>
-            <a:ext cx="11578362" cy="605294"/>
+            <a:off x="911721" y="2355783"/>
+            <a:ext cx="6448560" cy="359073"/>
           </a:xfrm>
           <a:prstGeom prst="rect">
             <a:avLst/>
@@ -12369,7 +12121,20 @@
               <a:defRPr sz="3600" b="1"/>
             </a:pPr>
             <a:r>
-              <a:t>DESeqDataSet(counts, colData, design = ~ batch + condition)</a:t>
+              <a:rPr sz="2000" dirty="0" err="1"/>
+              <a:t>DESeqDataSet</a:t>
+            </a:r>
+            <a:r>
+              <a:rPr sz="2000" dirty="0"/>
+              <a:t>(counts, </a:t>
+            </a:r>
+            <a:r>
+              <a:rPr sz="2000" dirty="0" err="1"/>
+              <a:t>colData</a:t>
+            </a:r>
+            <a:r>
+              <a:rPr sz="2000" dirty="0"/>
+              <a:t>, design = ~ batch + condition)</a:t>
             </a:r>
           </a:p>
         </p:txBody>
@@ -12382,8 +12147,8 @@
         </p:nvSpPr>
         <p:spPr>
           <a:xfrm>
-            <a:off x="2136388" y="4035892"/>
-            <a:ext cx="6611938" cy="328295"/>
+            <a:off x="911721" y="3360194"/>
+            <a:ext cx="7359322" cy="359073"/>
           </a:xfrm>
           <a:prstGeom prst="rect">
             <a:avLst/>
@@ -12408,8 +12173,48 @@
           </a:lstStyle>
           <a:p>
             <a:r>
-              <a:rPr sz="1800"/>
-              <a:t>assay(vsd) &lt;- limma::removeBatchEffect(assay(vsd), batch = vsd$rep)</a:t>
+              <a:rPr sz="2000" dirty="0"/>
+              <a:t>assay(</a:t>
+            </a:r>
+            <a:r>
+              <a:rPr sz="2000" dirty="0" err="1"/>
+              <a:t>vsd</a:t>
+            </a:r>
+            <a:r>
+              <a:rPr sz="2000" dirty="0"/>
+              <a:t>) &lt;- </a:t>
+            </a:r>
+            <a:r>
+              <a:rPr sz="2000" dirty="0" err="1"/>
+              <a:t>limma</a:t>
+            </a:r>
+            <a:r>
+              <a:rPr sz="2000" dirty="0"/>
+              <a:t>::</a:t>
+            </a:r>
+            <a:r>
+              <a:rPr sz="2000" dirty="0" err="1"/>
+              <a:t>removeBatchEffect</a:t>
+            </a:r>
+            <a:r>
+              <a:rPr sz="2000" dirty="0"/>
+              <a:t>(assay(</a:t>
+            </a:r>
+            <a:r>
+              <a:rPr sz="2000" dirty="0" err="1"/>
+              <a:t>vsd</a:t>
+            </a:r>
+            <a:r>
+              <a:rPr sz="2000" dirty="0"/>
+              <a:t>), batch = </a:t>
+            </a:r>
+            <a:r>
+              <a:rPr sz="2000" dirty="0" err="1"/>
+              <a:t>vsd$rep</a:t>
+            </a:r>
+            <a:r>
+              <a:rPr sz="2000" dirty="0"/>
+              <a:t>)</a:t>
             </a:r>
           </a:p>
         </p:txBody>
@@ -12422,8 +12227,8 @@
         </p:nvSpPr>
         <p:spPr>
           <a:xfrm>
-            <a:off x="1212249" y="2639609"/>
-            <a:ext cx="5573642" cy="189796"/>
+            <a:off x="911721" y="1876071"/>
+            <a:ext cx="9976962" cy="328295"/>
           </a:xfrm>
           <a:prstGeom prst="rect">
             <a:avLst/>
@@ -12444,16 +12249,42 @@
           <a:lstStyle/>
           <a:p>
             <a:r>
-              <a:rPr sz="900"/>
-              <a:t>For Differential expression analysis - </a:t>
-            </a:r>
-            <a:r>
-              <a:rPr sz="900" b="1"/>
+              <a:rPr b="1" dirty="0">
+                <a:solidFill>
+                  <a:schemeClr val="accent1">
+                    <a:lumMod val="75000"/>
+                  </a:schemeClr>
+                </a:solidFill>
+              </a:rPr>
+              <a:t>Differential expression </a:t>
+            </a:r>
+            <a:r>
+              <a:rPr dirty="0"/>
+              <a:t>- </a:t>
+            </a:r>
+            <a:r>
+              <a:rPr b="1" dirty="0"/>
               <a:t>account</a:t>
             </a:r>
             <a:r>
-              <a:rPr sz="900"/>
-              <a:t> for them in the DESeq design formula - Does not change underlying data</a:t>
+              <a:rPr dirty="0"/>
+              <a:t> for them in the </a:t>
+            </a:r>
+            <a:r>
+              <a:rPr dirty="0" err="1"/>
+              <a:t>DESeq</a:t>
+            </a:r>
+            <a:r>
+              <a:rPr dirty="0"/>
+              <a:t> design formula - </a:t>
+            </a:r>
+            <a:r>
+              <a:rPr dirty="0">
+                <a:solidFill>
+                  <a:srgbClr val="C00000"/>
+                </a:solidFill>
+              </a:rPr>
+              <a:t>Does not change underlying data</a:t>
             </a:r>
           </a:p>
         </p:txBody>
@@ -12466,8 +12297,8 @@
         </p:nvSpPr>
         <p:spPr>
           <a:xfrm>
-            <a:off x="1257011" y="3768008"/>
-            <a:ext cx="2644955" cy="189796"/>
+            <a:off x="877264" y="3027344"/>
+            <a:ext cx="4835555" cy="328295"/>
           </a:xfrm>
           <a:prstGeom prst="rect">
             <a:avLst/>
@@ -12488,15 +12319,25 @@
           <a:lstStyle/>
           <a:p>
             <a:r>
-              <a:rPr sz="900"/>
-              <a:t>For visualizing - correct the matrix to </a:t>
-            </a:r>
-            <a:r>
-              <a:rPr sz="900" b="1"/>
+              <a:rPr lang="en-US" b="1" dirty="0">
+                <a:solidFill>
+                  <a:schemeClr val="accent1">
+                    <a:lumMod val="75000"/>
+                  </a:schemeClr>
+                </a:solidFill>
+              </a:rPr>
+              <a:t>Visualizing</a:t>
+            </a:r>
+            <a:r>
+              <a:rPr dirty="0"/>
+              <a:t>- correct the matrix to </a:t>
+            </a:r>
+            <a:r>
+              <a:rPr b="1" dirty="0"/>
               <a:t>remove</a:t>
             </a:r>
             <a:r>
-              <a:rPr sz="900"/>
+              <a:rPr dirty="0"/>
               <a:t> the effect</a:t>
             </a:r>
           </a:p>
@@ -12510,8 +12351,8 @@
         </p:nvSpPr>
         <p:spPr>
           <a:xfrm>
-            <a:off x="1468330" y="4441968"/>
-            <a:ext cx="6076985" cy="189796"/>
+            <a:off x="1536700" y="3876455"/>
+            <a:ext cx="9855616" cy="605294"/>
           </a:xfrm>
           <a:prstGeom prst="rect">
             <a:avLst/>
@@ -12526,14 +12367,22 @@
           </a:extLst>
         </p:spPr>
         <p:txBody>
-          <a:bodyPr wrap="none" lIns="25400" tIns="25400" rIns="25400" bIns="25400" anchor="ctr">
+          <a:bodyPr wrap="square" lIns="25400" tIns="25400" rIns="25400" bIns="25400" anchor="ctr">
             <a:spAutoFit/>
           </a:bodyPr>
           <a:lstStyle/>
           <a:p>
             <a:r>
-              <a:rPr sz="900"/>
-              <a:t>This alters the data in the variance stabilized matrix  based on the batch information in the replicate column of our design matrix</a:t>
+              <a:rPr dirty="0">
+                <a:solidFill>
+                  <a:srgbClr val="C00000"/>
+                </a:solidFill>
+              </a:rPr>
+              <a:t>This alters the data </a:t>
+            </a:r>
+            <a:r>
+              <a:rPr dirty="0"/>
+              <a:t>in the variance stabilized matrix  based on the batch information in the replicate column of our design matrix</a:t>
             </a:r>
           </a:p>
         </p:txBody>
